--- a/présentation du p3.pptx
+++ b/présentation du p3.pptx
@@ -736,7 +736,7 @@
             <a:fld id="{5C446A46-76D0-4804-BAC8-FA19AC431DE6}" type="datetimeFigureOut">
               <a:rPr lang="fr-FR" smtClean="0"/>
               <a:pPr/>
-              <a:t>24/02/2022</a:t>
+              <a:t>24/03/2022</a:t>
             </a:fld>
             <a:endParaRPr lang="fr-FR"/>
           </a:p>
@@ -934,7 +934,7 @@
             <a:fld id="{5C446A46-76D0-4804-BAC8-FA19AC431DE6}" type="datetimeFigureOut">
               <a:rPr lang="fr-FR" smtClean="0"/>
               <a:pPr/>
-              <a:t>24/02/2022</a:t>
+              <a:t>24/03/2022</a:t>
             </a:fld>
             <a:endParaRPr lang="fr-FR"/>
           </a:p>
@@ -1121,7 +1121,7 @@
             <a:fld id="{5C446A46-76D0-4804-BAC8-FA19AC431DE6}" type="datetimeFigureOut">
               <a:rPr lang="fr-FR" smtClean="0"/>
               <a:pPr/>
-              <a:t>24/02/2022</a:t>
+              <a:t>24/03/2022</a:t>
             </a:fld>
             <a:endParaRPr lang="fr-FR"/>
           </a:p>
@@ -1273,7 +1273,7 @@
             <a:fld id="{5C446A46-76D0-4804-BAC8-FA19AC431DE6}" type="datetimeFigureOut">
               <a:rPr lang="fr-FR" smtClean="0"/>
               <a:pPr/>
-              <a:t>24/02/2022</a:t>
+              <a:t>24/03/2022</a:t>
             </a:fld>
             <a:endParaRPr lang="fr-FR"/>
           </a:p>
@@ -1530,7 +1530,7 @@
             <a:fld id="{5C446A46-76D0-4804-BAC8-FA19AC431DE6}" type="datetimeFigureOut">
               <a:rPr lang="fr-FR" smtClean="0"/>
               <a:pPr/>
-              <a:t>24/02/2022</a:t>
+              <a:t>24/03/2022</a:t>
             </a:fld>
             <a:endParaRPr lang="fr-FR"/>
           </a:p>
@@ -1941,7 +1941,7 @@
             <a:fld id="{5C446A46-76D0-4804-BAC8-FA19AC431DE6}" type="datetimeFigureOut">
               <a:rPr lang="fr-FR" smtClean="0"/>
               <a:pPr/>
-              <a:t>24/02/2022</a:t>
+              <a:t>24/03/2022</a:t>
             </a:fld>
             <a:endParaRPr lang="fr-FR"/>
           </a:p>
@@ -2389,7 +2389,7 @@
             <a:fld id="{5C446A46-76D0-4804-BAC8-FA19AC431DE6}" type="datetimeFigureOut">
               <a:rPr lang="fr-FR" smtClean="0"/>
               <a:pPr/>
-              <a:t>24/02/2022</a:t>
+              <a:t>24/03/2022</a:t>
             </a:fld>
             <a:endParaRPr lang="fr-FR"/>
           </a:p>
@@ -2492,7 +2492,7 @@
             <a:fld id="{5C446A46-76D0-4804-BAC8-FA19AC431DE6}" type="datetimeFigureOut">
               <a:rPr lang="fr-FR" smtClean="0"/>
               <a:pPr/>
-              <a:t>24/02/2022</a:t>
+              <a:t>24/03/2022</a:t>
             </a:fld>
             <a:endParaRPr lang="fr-FR"/>
           </a:p>
@@ -2615,7 +2615,7 @@
             <a:fld id="{5C446A46-76D0-4804-BAC8-FA19AC431DE6}" type="datetimeFigureOut">
               <a:rPr lang="fr-FR" smtClean="0"/>
               <a:pPr/>
-              <a:t>24/02/2022</a:t>
+              <a:t>24/03/2022</a:t>
             </a:fld>
             <a:endParaRPr lang="fr-FR"/>
           </a:p>
@@ -2891,7 +2891,7 @@
             <a:fld id="{5C446A46-76D0-4804-BAC8-FA19AC431DE6}" type="datetimeFigureOut">
               <a:rPr lang="fr-FR" smtClean="0"/>
               <a:pPr/>
-              <a:t>24/02/2022</a:t>
+              <a:t>24/03/2022</a:t>
             </a:fld>
             <a:endParaRPr lang="fr-FR"/>
           </a:p>
@@ -3098,7 +3098,7 @@
             <a:fld id="{5C446A46-76D0-4804-BAC8-FA19AC431DE6}" type="datetimeFigureOut">
               <a:rPr lang="fr-FR" smtClean="0"/>
               <a:pPr/>
-              <a:t>24/02/2022</a:t>
+              <a:t>24/03/2022</a:t>
             </a:fld>
             <a:endParaRPr lang="fr-FR"/>
           </a:p>
@@ -4209,7 +4209,7 @@
             <a:fld id="{5C446A46-76D0-4804-BAC8-FA19AC431DE6}" type="datetimeFigureOut">
               <a:rPr lang="fr-FR" smtClean="0"/>
               <a:pPr/>
-              <a:t>24/02/2022</a:t>
+              <a:t>24/03/2022</a:t>
             </a:fld>
             <a:endParaRPr lang="fr-FR"/>
           </a:p>
@@ -4847,11 +4847,7 @@
           <a:p>
             <a:r>
               <a:rPr lang="fr-FR" sz="800" dirty="0" smtClean="0"/>
-              <a:t> </a:t>
-            </a:r>
-            <a:r>
-              <a:rPr lang="fr-FR" sz="800" dirty="0" smtClean="0"/>
-              <a:t>.</a:t>
+              <a:t> .</a:t>
             </a:r>
             <a:r>
               <a:rPr lang="en-US" sz="800" dirty="0" smtClean="0"/>
@@ -4868,15 +4864,7 @@
           <a:p>
             <a:r>
               <a:rPr lang="fr-FR" sz="800" dirty="0" smtClean="0"/>
-              <a:t> </a:t>
-            </a:r>
-            <a:r>
-              <a:rPr lang="fr-FR" sz="800" dirty="0" smtClean="0"/>
-              <a:t>        ├ </a:t>
-            </a:r>
-            <a:r>
-              <a:rPr lang="fr-FR" sz="800" dirty="0" smtClean="0"/>
-              <a:t>&amp;</a:t>
+              <a:t>         ├ &amp;</a:t>
             </a:r>
             <a:r>
               <a:rPr lang="en-US" sz="800" dirty="0" smtClean="0"/>
@@ -4891,37 +4879,13 @@
           <a:p>
             <a:r>
               <a:rPr lang="fr-FR" sz="800" dirty="0" smtClean="0"/>
-              <a:t> </a:t>
-            </a:r>
-            <a:r>
-              <a:rPr lang="fr-FR" sz="800" dirty="0" smtClean="0"/>
-              <a:t>       </a:t>
-            </a:r>
-            <a:r>
-              <a:rPr lang="fr-FR" sz="800" dirty="0" smtClean="0"/>
-              <a:t> </a:t>
-            </a:r>
-            <a:r>
-              <a:rPr lang="fr-FR" sz="800" dirty="0" smtClean="0"/>
-              <a:t>│</a:t>
-            </a:r>
-            <a:r>
-              <a:rPr lang="fr-FR" sz="800" dirty="0" smtClean="0"/>
-              <a:t> </a:t>
-            </a:r>
-            <a:r>
-              <a:rPr lang="fr-FR" sz="800" dirty="0" smtClean="0"/>
-              <a:t>         │</a:t>
-            </a:r>
-          </a:p>
-          <a:p>
-            <a:r>
-              <a:rPr lang="fr-FR" sz="800" dirty="0" smtClean="0"/>
-              <a:t>         │          └</a:t>
-            </a:r>
-            <a:r>
-              <a:rPr lang="fr-FR" sz="800" dirty="0" smtClean="0"/>
-              <a:t>  &amp;:</a:t>
+              <a:t>         │          │</a:t>
+            </a:r>
+          </a:p>
+          <a:p>
+            <a:r>
+              <a:rPr lang="fr-FR" sz="800" dirty="0" smtClean="0"/>
+              <a:t>         │          └  &amp;:</a:t>
             </a:r>
             <a:r>
               <a:rPr lang="fr-FR" sz="800" smtClean="0"/>
@@ -4934,16 +4898,11 @@
               <a:rPr lang="fr-FR" sz="800" dirty="0" smtClean="0"/>
               <a:t>         │</a:t>
             </a:r>
-            <a:endParaRPr lang="fr-FR" sz="800" dirty="0" smtClean="0"/>
-          </a:p>
-          <a:p>
-            <a:r>
-              <a:rPr lang="fr-FR" sz="800" dirty="0" smtClean="0"/>
-              <a:t>        </a:t>
-            </a:r>
-            <a:r>
-              <a:rPr lang="fr-FR" sz="800" dirty="0" smtClean="0"/>
-              <a:t> └</a:t>
+          </a:p>
+          <a:p>
+            <a:r>
+              <a:rPr lang="fr-FR" sz="800" dirty="0" smtClean="0"/>
+              <a:t>         └</a:t>
             </a:r>
             <a:r>
               <a:rPr lang="fr-FR" sz="800" dirty="0" err="1" smtClean="0"/>
@@ -5320,11 +5279,15 @@
             </a:r>
             <a:r>
               <a:rPr lang="fr-FR" sz="800" dirty="0" smtClean="0"/>
-              <a:t>        └ &amp;</a:t>
+              <a:t>        └ </a:t>
+            </a:r>
+            <a:r>
+              <a:rPr lang="fr-FR" sz="800" dirty="0" smtClean="0"/>
+              <a:t>&amp;</a:t>
             </a:r>
             <a:r>
               <a:rPr lang="fr-FR" sz="800" dirty="0" err="1" smtClean="0"/>
-              <a:t>__div</a:t>
+              <a:t>__conteneur</a:t>
             </a:r>
             <a:endParaRPr lang="fr-FR" sz="800" dirty="0" smtClean="0"/>
           </a:p>
@@ -5353,11 +5316,7 @@
           <a:p>
             <a:r>
               <a:rPr lang="fr-FR" sz="800" dirty="0" smtClean="0"/>
-              <a:t>                </a:t>
-            </a:r>
-            <a:r>
-              <a:rPr lang="fr-FR" sz="800" dirty="0" smtClean="0"/>
-              <a:t>├ </a:t>
+              <a:t>                ├ </a:t>
             </a:r>
             <a:r>
               <a:rPr lang="fr-FR" sz="800" dirty="0" err="1" smtClean="0"/>
@@ -5722,8 +5681,8 @@
               <a:t>      ├ </a:t>
             </a:r>
             <a:r>
-              <a:rPr lang="fr-FR" sz="800" dirty="0" err="1" smtClean="0"/>
-              <a:t>div</a:t>
+              <a:rPr lang="fr-FR" sz="800" dirty="0" smtClean="0"/>
+              <a:t>conteneur</a:t>
             </a:r>
             <a:endParaRPr lang="fr-FR" sz="800" dirty="0" smtClean="0"/>
           </a:p>
@@ -6011,11 +5970,7 @@
             <a:pPr algn="ctr"/>
             <a:r>
               <a:rPr lang="fr-FR" dirty="0" smtClean="0"/>
-              <a:t>Page des </a:t>
-            </a:r>
-            <a:r>
-              <a:rPr lang="fr-FR" dirty="0" smtClean="0"/>
-              <a:t>restaurants</a:t>
+              <a:t>Page des restaurants</a:t>
             </a:r>
             <a:endParaRPr lang="fr-FR" dirty="0"/>
           </a:p>

--- a/présentation du p3.pptx
+++ b/présentation du p3.pptx
@@ -6,9 +6,19 @@
   </p:sldMasterIdLst>
   <p:sldIdLst>
     <p:sldId id="256" r:id="rId2"/>
-    <p:sldId id="257" r:id="rId3"/>
-    <p:sldId id="259" r:id="rId4"/>
-    <p:sldId id="258" r:id="rId5"/>
+    <p:sldId id="261" r:id="rId3"/>
+    <p:sldId id="260" r:id="rId4"/>
+    <p:sldId id="262" r:id="rId5"/>
+    <p:sldId id="263" r:id="rId6"/>
+    <p:sldId id="264" r:id="rId7"/>
+    <p:sldId id="265" r:id="rId8"/>
+    <p:sldId id="266" r:id="rId9"/>
+    <p:sldId id="267" r:id="rId10"/>
+    <p:sldId id="268" r:id="rId11"/>
+    <p:sldId id="257" r:id="rId12"/>
+    <p:sldId id="259" r:id="rId13"/>
+    <p:sldId id="258" r:id="rId14"/>
+    <p:sldId id="269" r:id="rId15"/>
   </p:sldIdLst>
   <p:sldSz cx="9144000" cy="6858000" type="screen4x3"/>
   <p:notesSz cx="6858000" cy="9144000"/>
@@ -736,7 +746,7 @@
             <a:fld id="{5C446A46-76D0-4804-BAC8-FA19AC431DE6}" type="datetimeFigureOut">
               <a:rPr lang="fr-FR" smtClean="0"/>
               <a:pPr/>
-              <a:t>24/03/2022</a:t>
+              <a:t>03/04/2022</a:t>
             </a:fld>
             <a:endParaRPr lang="fr-FR"/>
           </a:p>
@@ -934,7 +944,7 @@
             <a:fld id="{5C446A46-76D0-4804-BAC8-FA19AC431DE6}" type="datetimeFigureOut">
               <a:rPr lang="fr-FR" smtClean="0"/>
               <a:pPr/>
-              <a:t>24/03/2022</a:t>
+              <a:t>03/04/2022</a:t>
             </a:fld>
             <a:endParaRPr lang="fr-FR"/>
           </a:p>
@@ -1121,7 +1131,7 @@
             <a:fld id="{5C446A46-76D0-4804-BAC8-FA19AC431DE6}" type="datetimeFigureOut">
               <a:rPr lang="fr-FR" smtClean="0"/>
               <a:pPr/>
-              <a:t>24/03/2022</a:t>
+              <a:t>03/04/2022</a:t>
             </a:fld>
             <a:endParaRPr lang="fr-FR"/>
           </a:p>
@@ -1273,7 +1283,7 @@
             <a:fld id="{5C446A46-76D0-4804-BAC8-FA19AC431DE6}" type="datetimeFigureOut">
               <a:rPr lang="fr-FR" smtClean="0"/>
               <a:pPr/>
-              <a:t>24/03/2022</a:t>
+              <a:t>03/04/2022</a:t>
             </a:fld>
             <a:endParaRPr lang="fr-FR"/>
           </a:p>
@@ -1530,7 +1540,7 @@
             <a:fld id="{5C446A46-76D0-4804-BAC8-FA19AC431DE6}" type="datetimeFigureOut">
               <a:rPr lang="fr-FR" smtClean="0"/>
               <a:pPr/>
-              <a:t>24/03/2022</a:t>
+              <a:t>03/04/2022</a:t>
             </a:fld>
             <a:endParaRPr lang="fr-FR"/>
           </a:p>
@@ -1941,7 +1951,7 @@
             <a:fld id="{5C446A46-76D0-4804-BAC8-FA19AC431DE6}" type="datetimeFigureOut">
               <a:rPr lang="fr-FR" smtClean="0"/>
               <a:pPr/>
-              <a:t>24/03/2022</a:t>
+              <a:t>03/04/2022</a:t>
             </a:fld>
             <a:endParaRPr lang="fr-FR"/>
           </a:p>
@@ -2389,7 +2399,7 @@
             <a:fld id="{5C446A46-76D0-4804-BAC8-FA19AC431DE6}" type="datetimeFigureOut">
               <a:rPr lang="fr-FR" smtClean="0"/>
               <a:pPr/>
-              <a:t>24/03/2022</a:t>
+              <a:t>03/04/2022</a:t>
             </a:fld>
             <a:endParaRPr lang="fr-FR"/>
           </a:p>
@@ -2492,7 +2502,7 @@
             <a:fld id="{5C446A46-76D0-4804-BAC8-FA19AC431DE6}" type="datetimeFigureOut">
               <a:rPr lang="fr-FR" smtClean="0"/>
               <a:pPr/>
-              <a:t>24/03/2022</a:t>
+              <a:t>03/04/2022</a:t>
             </a:fld>
             <a:endParaRPr lang="fr-FR"/>
           </a:p>
@@ -2615,7 +2625,7 @@
             <a:fld id="{5C446A46-76D0-4804-BAC8-FA19AC431DE6}" type="datetimeFigureOut">
               <a:rPr lang="fr-FR" smtClean="0"/>
               <a:pPr/>
-              <a:t>24/03/2022</a:t>
+              <a:t>03/04/2022</a:t>
             </a:fld>
             <a:endParaRPr lang="fr-FR"/>
           </a:p>
@@ -2891,7 +2901,7 @@
             <a:fld id="{5C446A46-76D0-4804-BAC8-FA19AC431DE6}" type="datetimeFigureOut">
               <a:rPr lang="fr-FR" smtClean="0"/>
               <a:pPr/>
-              <a:t>24/03/2022</a:t>
+              <a:t>03/04/2022</a:t>
             </a:fld>
             <a:endParaRPr lang="fr-FR"/>
           </a:p>
@@ -3098,7 +3108,7 @@
             <a:fld id="{5C446A46-76D0-4804-BAC8-FA19AC431DE6}" type="datetimeFigureOut">
               <a:rPr lang="fr-FR" smtClean="0"/>
               <a:pPr/>
-              <a:t>24/03/2022</a:t>
+              <a:t>03/04/2022</a:t>
             </a:fld>
             <a:endParaRPr lang="fr-FR"/>
           </a:p>
@@ -4209,7 +4219,7 @@
             <a:fld id="{5C446A46-76D0-4804-BAC8-FA19AC431DE6}" type="datetimeFigureOut">
               <a:rPr lang="fr-FR" smtClean="0"/>
               <a:pPr/>
-              <a:t>24/03/2022</a:t>
+              <a:t>03/04/2022</a:t>
             </a:fld>
             <a:endParaRPr lang="fr-FR"/>
           </a:p>
@@ -4668,13 +4678,13 @@
         </p:spPr>
         <p:txBody>
           <a:bodyPr>
-            <a:normAutofit fontScale="77500" lnSpcReduction="20000"/>
+            <a:normAutofit fontScale="70000" lnSpcReduction="20000"/>
           </a:bodyPr>
           <a:lstStyle/>
           <a:p>
             <a:r>
               <a:rPr lang="fr-FR" dirty="0" smtClean="0"/>
-              <a:t>Gwenaël GRESSIER - ??/??/????</a:t>
+              <a:t>Gwenaël GRESSIER – 08/04/2022</a:t>
             </a:r>
           </a:p>
           <a:p>
@@ -4682,6 +4692,32 @@
           </a:p>
         </p:txBody>
       </p:sp>
+      <p:pic>
+        <p:nvPicPr>
+          <p:cNvPr id="4" name="Picture 2" descr="Comment réussir sa formation OpenClassrooms ? | by Clément Lionne | Medium"/>
+          <p:cNvPicPr>
+            <a:picLocks noChangeAspect="1" noChangeArrowheads="1"/>
+          </p:cNvPicPr>
+          <p:nvPr/>
+        </p:nvPicPr>
+        <p:blipFill>
+          <a:blip r:embed="rId2" cstate="print"/>
+          <a:srcRect t="31835" b="33147"/>
+          <a:stretch>
+            <a:fillRect/>
+          </a:stretch>
+        </p:blipFill>
+        <p:spPr bwMode="auto">
+          <a:xfrm>
+            <a:off x="142845" y="142852"/>
+            <a:ext cx="3286148" cy="647300"/>
+          </a:xfrm>
+          <a:prstGeom prst="rect">
+            <a:avLst/>
+          </a:prstGeom>
+          <a:noFill/>
+        </p:spPr>
+      </p:pic>
     </p:spTree>
   </p:cSld>
   <p:clrMapOvr>
@@ -4690,7 +4726,135 @@
 </p:sld>
 </file>
 
-<file path=ppt/slides/slide2.xml><?xml version="1.0" encoding="utf-8"?>
+<file path=ppt/slides/slide10.xml><?xml version="1.0" encoding="utf-8"?>
+<p:sld xmlns:a="http://schemas.openxmlformats.org/drawingml/2006/main" xmlns:r="http://schemas.openxmlformats.org/officeDocument/2006/relationships" xmlns:p="http://schemas.openxmlformats.org/presentationml/2006/main">
+  <p:cSld>
+    <p:spTree>
+      <p:nvGrpSpPr>
+        <p:cNvPr id="1" name=""/>
+        <p:cNvGrpSpPr/>
+        <p:nvPr/>
+      </p:nvGrpSpPr>
+      <p:grpSpPr>
+        <a:xfrm>
+          <a:off x="0" y="0"/>
+          <a:ext cx="0" cy="0"/>
+          <a:chOff x="0" y="0"/>
+          <a:chExt cx="0" cy="0"/>
+        </a:xfrm>
+      </p:grpSpPr>
+      <p:sp>
+        <p:nvSpPr>
+          <p:cNvPr id="2" name="Espace réservé du contenu 1"/>
+          <p:cNvSpPr>
+            <a:spLocks noGrp="1"/>
+          </p:cNvSpPr>
+          <p:nvPr>
+            <p:ph idx="1"/>
+          </p:nvPr>
+        </p:nvSpPr>
+        <p:spPr/>
+        <p:txBody>
+          <a:bodyPr/>
+          <a:lstStyle/>
+          <a:p>
+            <a:r>
+              <a:rPr lang="fr-FR" dirty="0" smtClean="0"/>
+              <a:t>Pour se faire j’ai utilisé:</a:t>
+            </a:r>
+          </a:p>
+          <a:p>
+            <a:pPr lvl="1"/>
+            <a:r>
+              <a:rPr lang="en-US" dirty="0" smtClean="0"/>
+              <a:t>white-space: </a:t>
+            </a:r>
+            <a:r>
+              <a:rPr lang="en-US" dirty="0" err="1" smtClean="0"/>
+              <a:t>nowrap</a:t>
+            </a:r>
+            <a:r>
+              <a:rPr lang="en-US" dirty="0" smtClean="0"/>
+              <a:t>;(</a:t>
+            </a:r>
+            <a:r>
+              <a:rPr lang="fr-FR" dirty="0" smtClean="0"/>
+              <a:t> Les passages à la ligne automatiques sont supprimés.)</a:t>
+            </a:r>
+            <a:endParaRPr lang="en-US" dirty="0" smtClean="0"/>
+          </a:p>
+          <a:p>
+            <a:pPr lvl="1"/>
+            <a:r>
+              <a:rPr lang="en-US" dirty="0" smtClean="0"/>
+              <a:t>overflow: hidden;(</a:t>
+            </a:r>
+            <a:r>
+              <a:rPr lang="fr-FR" dirty="0" smtClean="0"/>
+              <a:t>Le contenu est rogné).</a:t>
+            </a:r>
+            <a:endParaRPr lang="en-US" dirty="0" smtClean="0"/>
+          </a:p>
+          <a:p>
+            <a:pPr lvl="1"/>
+            <a:r>
+              <a:rPr lang="en-US" dirty="0" smtClean="0"/>
+              <a:t>text-overflow: ellipsis;( </a:t>
+            </a:r>
+            <a:r>
+              <a:rPr lang="en-US" dirty="0" err="1" smtClean="0"/>
+              <a:t>Sert</a:t>
+            </a:r>
+            <a:r>
+              <a:rPr lang="en-US" dirty="0" smtClean="0"/>
+              <a:t> à rogné le text qui </a:t>
+            </a:r>
+            <a:r>
+              <a:rPr lang="en-US" dirty="0" err="1" smtClean="0"/>
+              <a:t>dépasse</a:t>
+            </a:r>
+            <a:r>
+              <a:rPr lang="en-US" dirty="0" smtClean="0"/>
+              <a:t>) .</a:t>
+            </a:r>
+          </a:p>
+          <a:p>
+            <a:endParaRPr lang="fr-FR" dirty="0"/>
+          </a:p>
+        </p:txBody>
+      </p:sp>
+      <p:sp>
+        <p:nvSpPr>
+          <p:cNvPr id="3" name="Titre 2"/>
+          <p:cNvSpPr>
+            <a:spLocks noGrp="1"/>
+          </p:cNvSpPr>
+          <p:nvPr>
+            <p:ph type="title"/>
+          </p:nvPr>
+        </p:nvSpPr>
+        <p:spPr/>
+        <p:txBody>
+          <a:bodyPr/>
+          <a:lstStyle/>
+          <a:p>
+            <a:r>
+              <a:rPr lang="fr-FR" b="0" dirty="0" smtClean="0"/>
+              <a:t>Rognage des intitulés trop long</a:t>
+            </a:r>
+            <a:endParaRPr lang="fr-FR" dirty="0"/>
+          </a:p>
+        </p:txBody>
+      </p:sp>
+    </p:spTree>
+  </p:cSld>
+  <p:clrMapOvr>
+    <a:masterClrMapping/>
+  </p:clrMapOvr>
+</p:sld>
+</file>
+
+<file path=ppt/slides/slide11.xml><?xml version="1.0" encoding="utf-8"?>
 <p:sld xmlns:a="http://schemas.openxmlformats.org/drawingml/2006/main" xmlns:r="http://schemas.openxmlformats.org/officeDocument/2006/relationships" xmlns:p="http://schemas.openxmlformats.org/presentationml/2006/main">
   <p:cSld>
     <p:spTree>
@@ -4782,6 +4946,2024 @@
 </p:sld>
 </file>
 
+<file path=ppt/slides/slide12.xml><?xml version="1.0" encoding="utf-8"?>
+<p:sld xmlns:a="http://schemas.openxmlformats.org/drawingml/2006/main" xmlns:r="http://schemas.openxmlformats.org/officeDocument/2006/relationships" xmlns:p="http://schemas.openxmlformats.org/presentationml/2006/main">
+  <p:cSld>
+    <p:spTree>
+      <p:nvGrpSpPr>
+        <p:cNvPr id="1" name=""/>
+        <p:cNvGrpSpPr/>
+        <p:nvPr/>
+      </p:nvGrpSpPr>
+      <p:grpSpPr>
+        <a:xfrm>
+          <a:off x="0" y="0"/>
+          <a:ext cx="0" cy="0"/>
+          <a:chOff x="0" y="0"/>
+          <a:chExt cx="0" cy="0"/>
+        </a:xfrm>
+      </p:grpSpPr>
+      <p:sp>
+        <p:nvSpPr>
+          <p:cNvPr id="3" name="Titre 2"/>
+          <p:cNvSpPr>
+            <a:spLocks noGrp="1"/>
+          </p:cNvSpPr>
+          <p:nvPr>
+            <p:ph type="title"/>
+          </p:nvPr>
+        </p:nvSpPr>
+        <p:spPr/>
+        <p:txBody>
+          <a:bodyPr/>
+          <a:lstStyle/>
+          <a:p>
+            <a:pPr algn="ctr"/>
+            <a:r>
+              <a:rPr lang="fr-FR" dirty="0" smtClean="0"/>
+              <a:t>Page index</a:t>
+            </a:r>
+            <a:endParaRPr lang="fr-FR" dirty="0"/>
+          </a:p>
+        </p:txBody>
+      </p:sp>
+      <p:sp>
+        <p:nvSpPr>
+          <p:cNvPr id="7" name="ZoneTexte 6"/>
+          <p:cNvSpPr txBox="1"/>
+          <p:nvPr/>
+        </p:nvSpPr>
+        <p:spPr>
+          <a:xfrm>
+            <a:off x="6929454" y="4071942"/>
+            <a:ext cx="1928826" cy="954107"/>
+          </a:xfrm>
+          <a:prstGeom prst="rect">
+            <a:avLst/>
+          </a:prstGeom>
+          <a:noFill/>
+        </p:spPr>
+        <p:txBody>
+          <a:bodyPr wrap="square" rtlCol="0">
+            <a:spAutoFit/>
+          </a:bodyPr>
+          <a:lstStyle/>
+          <a:p>
+            <a:r>
+              <a:rPr lang="fr-FR" sz="800" dirty="0" smtClean="0"/>
+              <a:t> .</a:t>
+            </a:r>
+            <a:r>
+              <a:rPr lang="en-US" sz="800" dirty="0" smtClean="0"/>
+              <a:t> centre</a:t>
+            </a:r>
+            <a:endParaRPr lang="fr-FR" sz="800" dirty="0" smtClean="0"/>
+          </a:p>
+          <a:p>
+            <a:r>
+              <a:rPr lang="fr-FR" sz="800" dirty="0" smtClean="0"/>
+              <a:t>         │</a:t>
+            </a:r>
+          </a:p>
+          <a:p>
+            <a:r>
+              <a:rPr lang="fr-FR" sz="800" dirty="0" smtClean="0"/>
+              <a:t>         ├ &amp;</a:t>
+            </a:r>
+            <a:r>
+              <a:rPr lang="en-US" sz="800" dirty="0" smtClean="0"/>
+              <a:t>__</a:t>
+            </a:r>
+            <a:r>
+              <a:rPr lang="en-US" sz="800" dirty="0" err="1" smtClean="0"/>
+              <a:t>anneau</a:t>
+            </a:r>
+            <a:endParaRPr lang="fr-FR" sz="800" dirty="0" smtClean="0"/>
+          </a:p>
+          <a:p>
+            <a:r>
+              <a:rPr lang="fr-FR" sz="800" dirty="0" smtClean="0"/>
+              <a:t>         │          │</a:t>
+            </a:r>
+          </a:p>
+          <a:p>
+            <a:r>
+              <a:rPr lang="fr-FR" sz="800" dirty="0" smtClean="0"/>
+              <a:t>         │          └  &amp;:</a:t>
+            </a:r>
+            <a:r>
+              <a:rPr lang="fr-FR" sz="800" smtClean="0"/>
+              <a:t>before</a:t>
+            </a:r>
+            <a:endParaRPr lang="fr-FR" sz="800" dirty="0" smtClean="0"/>
+          </a:p>
+          <a:p>
+            <a:r>
+              <a:rPr lang="fr-FR" sz="800" dirty="0" smtClean="0"/>
+              <a:t>         │</a:t>
+            </a:r>
+          </a:p>
+          <a:p>
+            <a:r>
+              <a:rPr lang="fr-FR" sz="800" dirty="0" smtClean="0"/>
+              <a:t>         └</a:t>
+            </a:r>
+            <a:r>
+              <a:rPr lang="fr-FR" sz="800" dirty="0" err="1" smtClean="0"/>
+              <a:t>span</a:t>
+            </a:r>
+            <a:endParaRPr lang="fr-FR" sz="800" dirty="0" smtClean="0"/>
+          </a:p>
+        </p:txBody>
+      </p:sp>
+      <p:sp>
+        <p:nvSpPr>
+          <p:cNvPr id="8" name="ZoneTexte 7"/>
+          <p:cNvSpPr txBox="1"/>
+          <p:nvPr/>
+        </p:nvSpPr>
+        <p:spPr>
+          <a:xfrm>
+            <a:off x="571472" y="3500438"/>
+            <a:ext cx="1285884" cy="1323439"/>
+          </a:xfrm>
+          <a:prstGeom prst="rect">
+            <a:avLst/>
+          </a:prstGeom>
+          <a:noFill/>
+        </p:spPr>
+        <p:txBody>
+          <a:bodyPr wrap="square" rtlCol="0">
+            <a:spAutoFit/>
+          </a:bodyPr>
+          <a:lstStyle/>
+          <a:p>
+            <a:r>
+              <a:rPr lang="fr-FR" sz="800" dirty="0" smtClean="0"/>
+              <a:t> . .</a:t>
+            </a:r>
+            <a:r>
+              <a:rPr lang="fr-FR" sz="800" dirty="0" err="1" smtClean="0"/>
+              <a:t>complement</a:t>
+            </a:r>
+            <a:endParaRPr lang="fr-FR" sz="800" dirty="0" smtClean="0"/>
+          </a:p>
+          <a:p>
+            <a:r>
+              <a:rPr lang="fr-FR" sz="800" dirty="0" smtClean="0"/>
+              <a:t>         │</a:t>
+            </a:r>
+          </a:p>
+          <a:p>
+            <a:r>
+              <a:rPr lang="fr-FR" sz="800" dirty="0"/>
+              <a:t> </a:t>
+            </a:r>
+            <a:r>
+              <a:rPr lang="fr-FR" sz="800" dirty="0" smtClean="0"/>
+              <a:t>        ├ h2</a:t>
+            </a:r>
+          </a:p>
+          <a:p>
+            <a:r>
+              <a:rPr lang="fr-FR" sz="800" dirty="0"/>
+              <a:t> </a:t>
+            </a:r>
+            <a:r>
+              <a:rPr lang="fr-FR" sz="800" dirty="0" smtClean="0"/>
+              <a:t>        │</a:t>
+            </a:r>
+          </a:p>
+          <a:p>
+            <a:r>
+              <a:rPr lang="fr-FR" sz="800" dirty="0" smtClean="0"/>
+              <a:t>         ├p</a:t>
+            </a:r>
+          </a:p>
+          <a:p>
+            <a:r>
+              <a:rPr lang="fr-FR" sz="800" dirty="0" smtClean="0"/>
+              <a:t>         │</a:t>
+            </a:r>
+          </a:p>
+          <a:p>
+            <a:r>
+              <a:rPr lang="fr-FR" sz="800" dirty="0"/>
+              <a:t> </a:t>
+            </a:r>
+            <a:r>
+              <a:rPr lang="fr-FR" sz="800" dirty="0" smtClean="0"/>
+              <a:t>        └ a</a:t>
+            </a:r>
+          </a:p>
+          <a:p>
+            <a:r>
+              <a:rPr lang="fr-FR" sz="800" dirty="0"/>
+              <a:t> </a:t>
+            </a:r>
+            <a:r>
+              <a:rPr lang="fr-FR" sz="800" dirty="0" smtClean="0"/>
+              <a:t>            │</a:t>
+            </a:r>
+          </a:p>
+          <a:p>
+            <a:r>
+              <a:rPr lang="fr-FR" sz="800" dirty="0" smtClean="0"/>
+              <a:t>             └</a:t>
+            </a:r>
+            <a:r>
+              <a:rPr lang="fr-FR" sz="800" dirty="0"/>
+              <a:t> &amp;:</a:t>
+            </a:r>
+            <a:r>
+              <a:rPr lang="fr-FR" sz="800" dirty="0" err="1"/>
+              <a:t>hover</a:t>
+            </a:r>
+            <a:endParaRPr lang="fr-FR" sz="800" dirty="0"/>
+          </a:p>
+          <a:p>
+            <a:endParaRPr lang="fr-FR" sz="800" dirty="0" smtClean="0"/>
+          </a:p>
+        </p:txBody>
+      </p:sp>
+      <p:sp>
+        <p:nvSpPr>
+          <p:cNvPr id="9" name="ZoneTexte 8"/>
+          <p:cNvSpPr txBox="1"/>
+          <p:nvPr/>
+        </p:nvSpPr>
+        <p:spPr>
+          <a:xfrm>
+            <a:off x="1928794" y="1571612"/>
+            <a:ext cx="2000264" cy="2677656"/>
+          </a:xfrm>
+          <a:prstGeom prst="rect">
+            <a:avLst/>
+          </a:prstGeom>
+          <a:noFill/>
+        </p:spPr>
+        <p:txBody>
+          <a:bodyPr wrap="square" rtlCol="0">
+            <a:spAutoFit/>
+          </a:bodyPr>
+          <a:lstStyle/>
+          <a:p>
+            <a:r>
+              <a:rPr lang="fr-FR" sz="800" dirty="0" smtClean="0"/>
+              <a:t>.fonctionnement</a:t>
+            </a:r>
+          </a:p>
+          <a:p>
+            <a:r>
+              <a:rPr lang="fr-FR" sz="800" dirty="0" smtClean="0"/>
+              <a:t>         │</a:t>
+            </a:r>
+          </a:p>
+          <a:p>
+            <a:r>
+              <a:rPr lang="fr-FR" sz="800" dirty="0"/>
+              <a:t> </a:t>
+            </a:r>
+            <a:r>
+              <a:rPr lang="fr-FR" sz="800" dirty="0" smtClean="0"/>
+              <a:t>        └ &amp;</a:t>
+            </a:r>
+            <a:r>
+              <a:rPr lang="fr-FR" sz="800" dirty="0" err="1" smtClean="0"/>
+              <a:t>__div</a:t>
+            </a:r>
+            <a:endParaRPr lang="fr-FR" sz="800" dirty="0" smtClean="0"/>
+          </a:p>
+          <a:p>
+            <a:r>
+              <a:rPr lang="fr-FR" sz="800" dirty="0"/>
+              <a:t> </a:t>
+            </a:r>
+            <a:r>
+              <a:rPr lang="fr-FR" sz="800" dirty="0" smtClean="0"/>
+              <a:t>               │</a:t>
+            </a:r>
+          </a:p>
+          <a:p>
+            <a:r>
+              <a:rPr lang="fr-FR" sz="800" dirty="0" smtClean="0"/>
+              <a:t>                ├h2</a:t>
+            </a:r>
+          </a:p>
+          <a:p>
+            <a:r>
+              <a:rPr lang="fr-FR" sz="800" dirty="0" smtClean="0"/>
+              <a:t>                │</a:t>
+            </a:r>
+          </a:p>
+          <a:p>
+            <a:r>
+              <a:rPr lang="fr-FR" sz="800" dirty="0"/>
+              <a:t> </a:t>
+            </a:r>
+            <a:r>
+              <a:rPr lang="fr-FR" sz="800" dirty="0" smtClean="0"/>
+              <a:t>               └ </a:t>
+            </a:r>
+            <a:r>
+              <a:rPr lang="fr-FR" sz="800" dirty="0"/>
+              <a:t>&amp;</a:t>
+            </a:r>
+            <a:r>
+              <a:rPr lang="fr-FR" sz="800" dirty="0" err="1"/>
+              <a:t>__</a:t>
+            </a:r>
+            <a:r>
+              <a:rPr lang="fr-FR" sz="800" dirty="0" err="1" smtClean="0"/>
+              <a:t>derouler</a:t>
+            </a:r>
+            <a:endParaRPr lang="fr-FR" sz="800" dirty="0" smtClean="0"/>
+          </a:p>
+          <a:p>
+            <a:r>
+              <a:rPr lang="fr-FR" sz="800" dirty="0"/>
+              <a:t> </a:t>
+            </a:r>
+            <a:r>
+              <a:rPr lang="fr-FR" sz="800" dirty="0" smtClean="0"/>
+              <a:t>                           │</a:t>
+            </a:r>
+          </a:p>
+          <a:p>
+            <a:r>
+              <a:rPr lang="fr-FR" sz="800" dirty="0" smtClean="0"/>
+              <a:t>                            ├ li</a:t>
+            </a:r>
+          </a:p>
+          <a:p>
+            <a:r>
+              <a:rPr lang="fr-FR" sz="800" dirty="0" smtClean="0"/>
+              <a:t>                            │ │</a:t>
+            </a:r>
+            <a:endParaRPr lang="fr-FR" sz="800" dirty="0"/>
+          </a:p>
+          <a:p>
+            <a:r>
+              <a:rPr lang="fr-FR" sz="800" dirty="0" smtClean="0"/>
+              <a:t>                            │ ├</a:t>
+            </a:r>
+            <a:r>
+              <a:rPr lang="fr-FR" sz="800" dirty="0"/>
+              <a:t> @</a:t>
+            </a:r>
+            <a:r>
+              <a:rPr lang="fr-FR" sz="800" dirty="0" smtClean="0"/>
+              <a:t>media</a:t>
+            </a:r>
+          </a:p>
+          <a:p>
+            <a:r>
+              <a:rPr lang="fr-FR" sz="800" dirty="0" smtClean="0"/>
+              <a:t>                            │ │</a:t>
+            </a:r>
+          </a:p>
+          <a:p>
+            <a:r>
+              <a:rPr lang="fr-FR" sz="800" dirty="0" smtClean="0"/>
+              <a:t>                            │ └  </a:t>
+            </a:r>
+            <a:r>
+              <a:rPr lang="fr-FR" sz="800" dirty="0"/>
+              <a:t>a </a:t>
+            </a:r>
+            <a:endParaRPr lang="fr-FR" sz="800" dirty="0" smtClean="0"/>
+          </a:p>
+          <a:p>
+            <a:r>
+              <a:rPr lang="fr-FR" sz="800" dirty="0" smtClean="0"/>
+              <a:t>                            │     │</a:t>
+            </a:r>
+          </a:p>
+          <a:p>
+            <a:r>
+              <a:rPr lang="fr-FR" sz="800" dirty="0" smtClean="0"/>
+              <a:t>                            │     └ &amp;:</a:t>
+            </a:r>
+            <a:r>
+              <a:rPr lang="fr-FR" sz="800" dirty="0" err="1" smtClean="0"/>
+              <a:t>hover</a:t>
+            </a:r>
+            <a:endParaRPr lang="fr-FR" sz="800" dirty="0"/>
+          </a:p>
+          <a:p>
+            <a:r>
+              <a:rPr lang="fr-FR" sz="800" dirty="0" smtClean="0"/>
+              <a:t>                            │</a:t>
+            </a:r>
+          </a:p>
+          <a:p>
+            <a:r>
+              <a:rPr lang="fr-FR" sz="800" dirty="0" smtClean="0"/>
+              <a:t>                            │ </a:t>
+            </a:r>
+          </a:p>
+          <a:p>
+            <a:r>
+              <a:rPr lang="fr-FR" sz="800" dirty="0" smtClean="0"/>
+              <a:t>                            ├&amp;--</a:t>
+            </a:r>
+            <a:r>
+              <a:rPr lang="fr-FR" sz="800" dirty="0" err="1" smtClean="0"/>
+              <a:t>ico</a:t>
+            </a:r>
+            <a:endParaRPr lang="fr-FR" sz="800" dirty="0" smtClean="0"/>
+          </a:p>
+          <a:p>
+            <a:r>
+              <a:rPr lang="fr-FR" sz="800" dirty="0" smtClean="0"/>
+              <a:t>                            │</a:t>
+            </a:r>
+          </a:p>
+          <a:p>
+            <a:r>
+              <a:rPr lang="fr-FR" sz="800" dirty="0" smtClean="0"/>
+              <a:t>                            └</a:t>
+            </a:r>
+            <a:r>
+              <a:rPr lang="fr-FR" sz="800" dirty="0"/>
+              <a:t> </a:t>
+            </a:r>
+            <a:r>
+              <a:rPr lang="fr-FR" sz="800" dirty="0" smtClean="0"/>
+              <a:t>&amp;--nombre</a:t>
+            </a:r>
+            <a:endParaRPr lang="fr-FR" sz="800" dirty="0"/>
+          </a:p>
+          <a:p>
+            <a:endParaRPr lang="fr-FR" sz="800" dirty="0" smtClean="0"/>
+          </a:p>
+        </p:txBody>
+      </p:sp>
+      <p:sp>
+        <p:nvSpPr>
+          <p:cNvPr id="10" name="ZoneTexte 9"/>
+          <p:cNvSpPr txBox="1"/>
+          <p:nvPr/>
+        </p:nvSpPr>
+        <p:spPr>
+          <a:xfrm>
+            <a:off x="4000496" y="1571612"/>
+            <a:ext cx="2857520" cy="4401205"/>
+          </a:xfrm>
+          <a:prstGeom prst="rect">
+            <a:avLst/>
+          </a:prstGeom>
+          <a:noFill/>
+        </p:spPr>
+        <p:txBody>
+          <a:bodyPr wrap="square" rtlCol="0">
+            <a:spAutoFit/>
+          </a:bodyPr>
+          <a:lstStyle/>
+          <a:p>
+            <a:r>
+              <a:rPr lang="fr-FR" sz="800" dirty="0"/>
+              <a:t>.</a:t>
+            </a:r>
+            <a:r>
+              <a:rPr lang="fr-FR" sz="800" dirty="0" smtClean="0"/>
+              <a:t>restaurant</a:t>
+            </a:r>
+          </a:p>
+          <a:p>
+            <a:r>
+              <a:rPr lang="fr-FR" sz="800" dirty="0" smtClean="0"/>
+              <a:t>         │</a:t>
+            </a:r>
+          </a:p>
+          <a:p>
+            <a:r>
+              <a:rPr lang="fr-FR" sz="800" dirty="0"/>
+              <a:t> </a:t>
+            </a:r>
+            <a:r>
+              <a:rPr lang="fr-FR" sz="800" dirty="0" smtClean="0"/>
+              <a:t>        └ &amp;</a:t>
+            </a:r>
+            <a:r>
+              <a:rPr lang="fr-FR" sz="800" dirty="0" err="1" smtClean="0"/>
+              <a:t>__conteneur</a:t>
+            </a:r>
+            <a:endParaRPr lang="fr-FR" sz="800" dirty="0" smtClean="0"/>
+          </a:p>
+          <a:p>
+            <a:r>
+              <a:rPr lang="fr-FR" sz="800" dirty="0"/>
+              <a:t> </a:t>
+            </a:r>
+            <a:r>
+              <a:rPr lang="fr-FR" sz="800" dirty="0" smtClean="0"/>
+              <a:t>               │</a:t>
+            </a:r>
+          </a:p>
+          <a:p>
+            <a:r>
+              <a:rPr lang="fr-FR" sz="800" dirty="0" smtClean="0"/>
+              <a:t>                ├h2</a:t>
+            </a:r>
+          </a:p>
+          <a:p>
+            <a:r>
+              <a:rPr lang="fr-FR" sz="800" dirty="0" smtClean="0"/>
+              <a:t>                │</a:t>
+            </a:r>
+          </a:p>
+          <a:p>
+            <a:r>
+              <a:rPr lang="fr-FR" sz="800" dirty="0" smtClean="0"/>
+              <a:t>                ├ </a:t>
+            </a:r>
+            <a:r>
+              <a:rPr lang="fr-FR" sz="800" dirty="0" err="1" smtClean="0"/>
+              <a:t>ul</a:t>
+            </a:r>
+            <a:endParaRPr lang="fr-FR" sz="800" dirty="0" smtClean="0"/>
+          </a:p>
+          <a:p>
+            <a:r>
+              <a:rPr lang="fr-FR" sz="800" dirty="0"/>
+              <a:t> </a:t>
+            </a:r>
+            <a:r>
+              <a:rPr lang="fr-FR" sz="800" dirty="0" smtClean="0"/>
+              <a:t>               │ │</a:t>
+            </a:r>
+          </a:p>
+          <a:p>
+            <a:r>
+              <a:rPr lang="fr-FR" sz="800" dirty="0" smtClean="0"/>
+              <a:t>                │ └ li</a:t>
+            </a:r>
+          </a:p>
+          <a:p>
+            <a:r>
+              <a:rPr lang="fr-FR" sz="800" dirty="0" smtClean="0"/>
+              <a:t>                │     │</a:t>
+            </a:r>
+            <a:endParaRPr lang="fr-FR" sz="800" dirty="0"/>
+          </a:p>
+          <a:p>
+            <a:r>
+              <a:rPr lang="fr-FR" sz="800" dirty="0" smtClean="0"/>
+              <a:t>                │     ├ </a:t>
+            </a:r>
+            <a:r>
+              <a:rPr lang="fr-FR" sz="800" dirty="0"/>
+              <a:t>@</a:t>
+            </a:r>
+            <a:r>
+              <a:rPr lang="fr-FR" sz="800" dirty="0" smtClean="0"/>
+              <a:t>media</a:t>
+            </a:r>
+            <a:r>
+              <a:rPr lang="fr-FR" sz="800" dirty="0"/>
+              <a:t> (min-</a:t>
+            </a:r>
+            <a:r>
+              <a:rPr lang="fr-FR" sz="800" dirty="0" err="1"/>
+              <a:t>width</a:t>
+            </a:r>
+            <a:r>
+              <a:rPr lang="fr-FR" sz="800" dirty="0"/>
+              <a:t>: 820px</a:t>
+            </a:r>
+            <a:r>
+              <a:rPr lang="fr-FR" sz="800" dirty="0" smtClean="0"/>
+              <a:t>)</a:t>
+            </a:r>
+          </a:p>
+          <a:p>
+            <a:r>
+              <a:rPr lang="fr-FR" sz="800" dirty="0" smtClean="0"/>
+              <a:t>                │     │</a:t>
+            </a:r>
+          </a:p>
+          <a:p>
+            <a:r>
+              <a:rPr lang="fr-FR" sz="800" dirty="0" smtClean="0"/>
+              <a:t>                │     └ @media</a:t>
+            </a:r>
+            <a:r>
+              <a:rPr lang="fr-FR" sz="800" dirty="0"/>
+              <a:t> </a:t>
+            </a:r>
+            <a:r>
+              <a:rPr lang="fr-FR" sz="800" dirty="0" smtClean="0"/>
+              <a:t>(</a:t>
+            </a:r>
+            <a:r>
+              <a:rPr lang="fr-FR" sz="800" dirty="0"/>
+              <a:t>min-</a:t>
+            </a:r>
+            <a:r>
+              <a:rPr lang="fr-FR" sz="800" dirty="0" err="1"/>
+              <a:t>width</a:t>
+            </a:r>
+            <a:r>
+              <a:rPr lang="fr-FR" sz="800" dirty="0"/>
+              <a:t>: 992px</a:t>
+            </a:r>
+            <a:r>
+              <a:rPr lang="fr-FR" sz="800" dirty="0" smtClean="0"/>
+              <a:t>)</a:t>
+            </a:r>
+          </a:p>
+          <a:p>
+            <a:r>
+              <a:rPr lang="fr-FR" sz="800" dirty="0" smtClean="0"/>
+              <a:t>                │ </a:t>
+            </a:r>
+          </a:p>
+          <a:p>
+            <a:r>
+              <a:rPr lang="fr-FR" sz="800" dirty="0" smtClean="0"/>
+              <a:t>                └ </a:t>
+            </a:r>
+            <a:r>
+              <a:rPr lang="fr-FR" sz="800" dirty="0"/>
+              <a:t>&amp;</a:t>
+            </a:r>
+            <a:r>
+              <a:rPr lang="fr-FR" sz="800" dirty="0" err="1"/>
+              <a:t>__carte</a:t>
+            </a:r>
+            <a:r>
+              <a:rPr lang="fr-FR" sz="800" dirty="0"/>
+              <a:t> </a:t>
+            </a:r>
+            <a:endParaRPr lang="fr-FR" sz="800" dirty="0" smtClean="0"/>
+          </a:p>
+          <a:p>
+            <a:r>
+              <a:rPr lang="fr-FR" sz="800" dirty="0" smtClean="0"/>
+              <a:t>                           │</a:t>
+            </a:r>
+          </a:p>
+          <a:p>
+            <a:r>
+              <a:rPr lang="fr-FR" sz="800" dirty="0"/>
+              <a:t> </a:t>
+            </a:r>
+            <a:r>
+              <a:rPr lang="fr-FR" sz="800" dirty="0" smtClean="0"/>
+              <a:t>                          ├</a:t>
+            </a:r>
+            <a:r>
+              <a:rPr lang="fr-FR" sz="800" dirty="0"/>
+              <a:t>&amp;:</a:t>
+            </a:r>
+            <a:r>
+              <a:rPr lang="fr-FR" sz="800" dirty="0" err="1" smtClean="0"/>
+              <a:t>hover</a:t>
+            </a:r>
+            <a:endParaRPr lang="fr-FR" sz="800" dirty="0" smtClean="0"/>
+          </a:p>
+          <a:p>
+            <a:r>
+              <a:rPr lang="fr-FR" sz="800" dirty="0" smtClean="0"/>
+              <a:t>                           │</a:t>
+            </a:r>
+          </a:p>
+          <a:p>
+            <a:r>
+              <a:rPr lang="fr-FR" sz="800" dirty="0" smtClean="0"/>
+              <a:t>                           ├</a:t>
+            </a:r>
+            <a:r>
+              <a:rPr lang="fr-FR" sz="800" dirty="0"/>
+              <a:t>&amp;--</a:t>
+            </a:r>
+            <a:r>
+              <a:rPr lang="fr-FR" sz="800" dirty="0" err="1"/>
+              <a:t>img</a:t>
+            </a:r>
+            <a:endParaRPr lang="fr-FR" sz="800" dirty="0"/>
+          </a:p>
+          <a:p>
+            <a:r>
+              <a:rPr lang="fr-FR" sz="800" dirty="0" smtClean="0"/>
+              <a:t>                           │</a:t>
+            </a:r>
+          </a:p>
+          <a:p>
+            <a:r>
+              <a:rPr lang="fr-FR" sz="800" dirty="0" smtClean="0"/>
+              <a:t>                           ├</a:t>
+            </a:r>
+            <a:r>
+              <a:rPr lang="fr-FR" sz="800" dirty="0"/>
+              <a:t>&amp;--new</a:t>
+            </a:r>
+          </a:p>
+          <a:p>
+            <a:r>
+              <a:rPr lang="fr-FR" sz="800" dirty="0" smtClean="0"/>
+              <a:t>                           │</a:t>
+            </a:r>
+          </a:p>
+          <a:p>
+            <a:r>
+              <a:rPr lang="fr-FR" sz="800" dirty="0" smtClean="0"/>
+              <a:t>                           ├</a:t>
+            </a:r>
+            <a:r>
+              <a:rPr lang="fr-FR" sz="800" dirty="0"/>
+              <a:t>&amp;--</a:t>
+            </a:r>
+            <a:r>
+              <a:rPr lang="fr-FR" sz="800" dirty="0" smtClean="0"/>
+              <a:t>nom</a:t>
+            </a:r>
+          </a:p>
+          <a:p>
+            <a:r>
+              <a:rPr lang="fr-FR" sz="800" dirty="0" smtClean="0"/>
+              <a:t>                           │</a:t>
+            </a:r>
+          </a:p>
+          <a:p>
+            <a:r>
+              <a:rPr lang="fr-FR" sz="800" dirty="0" smtClean="0"/>
+              <a:t>                           ├</a:t>
+            </a:r>
+            <a:r>
+              <a:rPr lang="fr-FR" sz="800" dirty="0"/>
+              <a:t>&amp;--</a:t>
+            </a:r>
+            <a:r>
+              <a:rPr lang="fr-FR" sz="800" dirty="0" smtClean="0"/>
+              <a:t>lieu</a:t>
+            </a:r>
+          </a:p>
+          <a:p>
+            <a:r>
+              <a:rPr lang="fr-FR" sz="800" dirty="0" smtClean="0"/>
+              <a:t>                           │</a:t>
+            </a:r>
+          </a:p>
+          <a:p>
+            <a:r>
+              <a:rPr lang="fr-FR" sz="800" dirty="0" smtClean="0"/>
+              <a:t>                           ├</a:t>
+            </a:r>
+            <a:r>
+              <a:rPr lang="fr-FR" sz="800" dirty="0" err="1" smtClean="0"/>
+              <a:t>span</a:t>
+            </a:r>
+            <a:endParaRPr lang="fr-FR" sz="800" dirty="0" smtClean="0"/>
+          </a:p>
+          <a:p>
+            <a:r>
+              <a:rPr lang="fr-FR" sz="800" dirty="0" smtClean="0"/>
+              <a:t>                           │  │</a:t>
+            </a:r>
+          </a:p>
+          <a:p>
+            <a:r>
+              <a:rPr lang="fr-FR" sz="800" dirty="0" smtClean="0"/>
+              <a:t>                           │  └</a:t>
+            </a:r>
+            <a:r>
+              <a:rPr lang="fr-FR" sz="800" dirty="0"/>
+              <a:t> &amp;:</a:t>
+            </a:r>
+            <a:r>
+              <a:rPr lang="fr-FR" sz="800" dirty="0" smtClean="0"/>
+              <a:t>active</a:t>
+            </a:r>
+          </a:p>
+          <a:p>
+            <a:r>
+              <a:rPr lang="fr-FR" sz="800" dirty="0" smtClean="0"/>
+              <a:t>                           │</a:t>
+            </a:r>
+          </a:p>
+          <a:p>
+            <a:r>
+              <a:rPr lang="fr-FR" sz="800" dirty="0" smtClean="0"/>
+              <a:t>                           ├</a:t>
+            </a:r>
+            <a:r>
+              <a:rPr lang="fr-FR" sz="800" dirty="0"/>
+              <a:t>&amp;--</a:t>
+            </a:r>
+            <a:r>
+              <a:rPr lang="fr-FR" sz="800" dirty="0" smtClean="0"/>
+              <a:t>vide</a:t>
+            </a:r>
+          </a:p>
+          <a:p>
+            <a:r>
+              <a:rPr lang="fr-FR" sz="800" dirty="0" smtClean="0"/>
+              <a:t>                           │</a:t>
+            </a:r>
+          </a:p>
+          <a:p>
+            <a:r>
+              <a:rPr lang="fr-FR" sz="800" dirty="0" smtClean="0"/>
+              <a:t>                           └</a:t>
+            </a:r>
+            <a:r>
+              <a:rPr lang="fr-FR" sz="800" dirty="0"/>
+              <a:t> </a:t>
+            </a:r>
+            <a:r>
+              <a:rPr lang="fr-FR" sz="800" dirty="0" smtClean="0"/>
+              <a:t>&amp;--</a:t>
+            </a:r>
+            <a:r>
+              <a:rPr lang="fr-FR" sz="800" dirty="0"/>
+              <a:t>plein</a:t>
+            </a:r>
+          </a:p>
+          <a:p>
+            <a:endParaRPr lang="fr-FR" sz="800" dirty="0"/>
+          </a:p>
+          <a:p>
+            <a:endParaRPr lang="fr-FR" sz="800" dirty="0" smtClean="0"/>
+          </a:p>
+        </p:txBody>
+      </p:sp>
+      <p:sp>
+        <p:nvSpPr>
+          <p:cNvPr id="11" name="ZoneTexte 10"/>
+          <p:cNvSpPr txBox="1"/>
+          <p:nvPr/>
+        </p:nvSpPr>
+        <p:spPr>
+          <a:xfrm>
+            <a:off x="6715140" y="1571612"/>
+            <a:ext cx="1643074" cy="1938992"/>
+          </a:xfrm>
+          <a:prstGeom prst="rect">
+            <a:avLst/>
+          </a:prstGeom>
+          <a:noFill/>
+        </p:spPr>
+        <p:txBody>
+          <a:bodyPr wrap="square" rtlCol="0">
+            <a:spAutoFit/>
+          </a:bodyPr>
+          <a:lstStyle/>
+          <a:p>
+            <a:r>
+              <a:rPr lang="fr-FR" sz="800" dirty="0" smtClean="0"/>
+              <a:t>.</a:t>
+            </a:r>
+            <a:r>
+              <a:rPr lang="fr-FR" sz="800" dirty="0"/>
+              <a:t> .footer </a:t>
+            </a:r>
+            <a:endParaRPr lang="fr-FR" sz="800" dirty="0" smtClean="0"/>
+          </a:p>
+          <a:p>
+            <a:r>
+              <a:rPr lang="fr-FR" sz="800" dirty="0" smtClean="0"/>
+              <a:t>      │</a:t>
+            </a:r>
+          </a:p>
+          <a:p>
+            <a:r>
+              <a:rPr lang="fr-FR" sz="800" dirty="0" smtClean="0"/>
+              <a:t>      ├ conteneur</a:t>
+            </a:r>
+          </a:p>
+          <a:p>
+            <a:r>
+              <a:rPr lang="fr-FR" sz="800" dirty="0"/>
+              <a:t>  </a:t>
+            </a:r>
+            <a:r>
+              <a:rPr lang="fr-FR" sz="800" dirty="0" smtClean="0"/>
+              <a:t>    │ │</a:t>
+            </a:r>
+          </a:p>
+          <a:p>
+            <a:r>
+              <a:rPr lang="fr-FR" sz="800" dirty="0" smtClean="0"/>
+              <a:t>      │ └</a:t>
+            </a:r>
+            <a:r>
+              <a:rPr lang="fr-FR" sz="800" dirty="0"/>
+              <a:t> </a:t>
+            </a:r>
+            <a:r>
+              <a:rPr lang="fr-FR" sz="800" dirty="0" err="1" smtClean="0"/>
+              <a:t>img</a:t>
+            </a:r>
+            <a:endParaRPr lang="fr-FR" sz="800" dirty="0" smtClean="0"/>
+          </a:p>
+          <a:p>
+            <a:r>
+              <a:rPr lang="fr-FR" sz="800" dirty="0" smtClean="0"/>
+              <a:t>      │</a:t>
+            </a:r>
+            <a:endParaRPr lang="fr-FR" sz="800" dirty="0"/>
+          </a:p>
+          <a:p>
+            <a:r>
+              <a:rPr lang="fr-FR" sz="800" dirty="0" smtClean="0"/>
+              <a:t>      └</a:t>
+            </a:r>
+            <a:r>
+              <a:rPr lang="fr-FR" sz="800" dirty="0" err="1" smtClean="0"/>
+              <a:t>ul</a:t>
+            </a:r>
+            <a:endParaRPr lang="fr-FR" sz="800" dirty="0" smtClean="0"/>
+          </a:p>
+          <a:p>
+            <a:r>
+              <a:rPr lang="fr-FR" sz="800" dirty="0" smtClean="0"/>
+              <a:t>         │</a:t>
+            </a:r>
+          </a:p>
+          <a:p>
+            <a:r>
+              <a:rPr lang="fr-FR" sz="800" dirty="0" smtClean="0"/>
+              <a:t>         ├ a</a:t>
+            </a:r>
+            <a:endParaRPr lang="fr-FR" sz="800" dirty="0"/>
+          </a:p>
+          <a:p>
+            <a:r>
+              <a:rPr lang="fr-FR" sz="800" dirty="0" smtClean="0"/>
+              <a:t>         │</a:t>
+            </a:r>
+          </a:p>
+          <a:p>
+            <a:r>
+              <a:rPr lang="fr-FR" sz="800" dirty="0" smtClean="0"/>
+              <a:t>         ├ i</a:t>
+            </a:r>
+          </a:p>
+          <a:p>
+            <a:r>
+              <a:rPr lang="fr-FR" sz="800" dirty="0" smtClean="0"/>
+              <a:t>         │</a:t>
+            </a:r>
+          </a:p>
+          <a:p>
+            <a:r>
+              <a:rPr lang="fr-FR" sz="800" dirty="0" smtClean="0"/>
+              <a:t>         └</a:t>
+            </a:r>
+            <a:r>
+              <a:rPr lang="fr-FR" sz="800" dirty="0"/>
+              <a:t>.fa-hands-</a:t>
+            </a:r>
+            <a:r>
+              <a:rPr lang="fr-FR" sz="800" dirty="0" err="1"/>
+              <a:t>helping</a:t>
+            </a:r>
+            <a:endParaRPr lang="fr-FR" sz="800" dirty="0"/>
+          </a:p>
+          <a:p>
+            <a:endParaRPr lang="fr-FR" sz="800" dirty="0" smtClean="0"/>
+          </a:p>
+          <a:p>
+            <a:endParaRPr lang="fr-FR" sz="800" dirty="0" smtClean="0"/>
+          </a:p>
+        </p:txBody>
+      </p:sp>
+      <p:sp>
+        <p:nvSpPr>
+          <p:cNvPr id="12" name="ZoneTexte 11"/>
+          <p:cNvSpPr txBox="1"/>
+          <p:nvPr/>
+        </p:nvSpPr>
+        <p:spPr>
+          <a:xfrm>
+            <a:off x="571472" y="1571612"/>
+            <a:ext cx="1285884" cy="830997"/>
+          </a:xfrm>
+          <a:prstGeom prst="rect">
+            <a:avLst/>
+          </a:prstGeom>
+          <a:noFill/>
+        </p:spPr>
+        <p:txBody>
+          <a:bodyPr wrap="square" rtlCol="0">
+            <a:spAutoFit/>
+          </a:bodyPr>
+          <a:lstStyle/>
+          <a:p>
+            <a:r>
+              <a:rPr lang="fr-FR" sz="800" dirty="0" smtClean="0"/>
+              <a:t>     header</a:t>
+            </a:r>
+          </a:p>
+          <a:p>
+            <a:r>
+              <a:rPr lang="fr-FR" sz="800" dirty="0" smtClean="0"/>
+              <a:t>         │</a:t>
+            </a:r>
+          </a:p>
+          <a:p>
+            <a:r>
+              <a:rPr lang="fr-FR" sz="800" dirty="0"/>
+              <a:t> </a:t>
+            </a:r>
+            <a:r>
+              <a:rPr lang="fr-FR" sz="800" dirty="0" smtClean="0"/>
+              <a:t>        ├ </a:t>
+            </a:r>
+            <a:r>
+              <a:rPr lang="fr-FR" sz="800" dirty="0" err="1" smtClean="0"/>
+              <a:t>img</a:t>
+            </a:r>
+            <a:endParaRPr lang="fr-FR" sz="800" dirty="0" smtClean="0"/>
+          </a:p>
+          <a:p>
+            <a:r>
+              <a:rPr lang="fr-FR" sz="800" dirty="0" smtClean="0"/>
+              <a:t>         │</a:t>
+            </a:r>
+          </a:p>
+          <a:p>
+            <a:r>
+              <a:rPr lang="fr-FR" sz="800" dirty="0" smtClean="0"/>
+              <a:t>         └ h1</a:t>
+            </a:r>
+          </a:p>
+          <a:p>
+            <a:r>
+              <a:rPr lang="fr-FR" sz="800" dirty="0"/>
+              <a:t> </a:t>
+            </a:r>
+            <a:r>
+              <a:rPr lang="fr-FR" sz="800" dirty="0" smtClean="0"/>
+              <a:t>            </a:t>
+            </a:r>
+          </a:p>
+        </p:txBody>
+      </p:sp>
+      <p:sp>
+        <p:nvSpPr>
+          <p:cNvPr id="14" name="ZoneTexte 13"/>
+          <p:cNvSpPr txBox="1"/>
+          <p:nvPr/>
+        </p:nvSpPr>
+        <p:spPr>
+          <a:xfrm>
+            <a:off x="723872" y="1724012"/>
+            <a:ext cx="1285884" cy="830997"/>
+          </a:xfrm>
+          <a:prstGeom prst="rect">
+            <a:avLst/>
+          </a:prstGeom>
+          <a:noFill/>
+        </p:spPr>
+        <p:txBody>
+          <a:bodyPr wrap="square" rtlCol="0">
+            <a:spAutoFit/>
+          </a:bodyPr>
+          <a:lstStyle/>
+          <a:p>
+            <a:r>
+              <a:rPr lang="fr-FR" sz="800" dirty="0" smtClean="0"/>
+              <a:t>     header</a:t>
+            </a:r>
+          </a:p>
+          <a:p>
+            <a:r>
+              <a:rPr lang="fr-FR" sz="800" dirty="0" smtClean="0"/>
+              <a:t>         │</a:t>
+            </a:r>
+          </a:p>
+          <a:p>
+            <a:r>
+              <a:rPr lang="fr-FR" sz="800" dirty="0"/>
+              <a:t> </a:t>
+            </a:r>
+            <a:r>
+              <a:rPr lang="fr-FR" sz="800" dirty="0" smtClean="0"/>
+              <a:t>        ├ </a:t>
+            </a:r>
+            <a:r>
+              <a:rPr lang="fr-FR" sz="800" dirty="0" err="1" smtClean="0"/>
+              <a:t>img</a:t>
+            </a:r>
+            <a:endParaRPr lang="fr-FR" sz="800" dirty="0" smtClean="0"/>
+          </a:p>
+          <a:p>
+            <a:r>
+              <a:rPr lang="fr-FR" sz="800" dirty="0" smtClean="0"/>
+              <a:t>         │</a:t>
+            </a:r>
+          </a:p>
+          <a:p>
+            <a:r>
+              <a:rPr lang="fr-FR" sz="800" dirty="0" smtClean="0"/>
+              <a:t>         └ h1</a:t>
+            </a:r>
+          </a:p>
+          <a:p>
+            <a:r>
+              <a:rPr lang="fr-FR" sz="800" dirty="0"/>
+              <a:t> </a:t>
+            </a:r>
+            <a:r>
+              <a:rPr lang="fr-FR" sz="800" dirty="0" smtClean="0"/>
+              <a:t>            </a:t>
+            </a:r>
+          </a:p>
+        </p:txBody>
+      </p:sp>
+    </p:spTree>
+  </p:cSld>
+  <p:clrMapOvr>
+    <a:masterClrMapping/>
+  </p:clrMapOvr>
+</p:sld>
+</file>
+
+<file path=ppt/slides/slide13.xml><?xml version="1.0" encoding="utf-8"?>
+<p:sld xmlns:a="http://schemas.openxmlformats.org/drawingml/2006/main" xmlns:r="http://schemas.openxmlformats.org/officeDocument/2006/relationships" xmlns:p="http://schemas.openxmlformats.org/presentationml/2006/main">
+  <p:cSld>
+    <p:spTree>
+      <p:nvGrpSpPr>
+        <p:cNvPr id="1" name=""/>
+        <p:cNvGrpSpPr/>
+        <p:nvPr/>
+      </p:nvGrpSpPr>
+      <p:grpSpPr>
+        <a:xfrm>
+          <a:off x="0" y="0"/>
+          <a:ext cx="0" cy="0"/>
+          <a:chOff x="0" y="0"/>
+          <a:chExt cx="0" cy="0"/>
+        </a:xfrm>
+      </p:grpSpPr>
+      <p:sp>
+        <p:nvSpPr>
+          <p:cNvPr id="3" name="Titre 2"/>
+          <p:cNvSpPr>
+            <a:spLocks noGrp="1"/>
+          </p:cNvSpPr>
+          <p:nvPr>
+            <p:ph type="title"/>
+          </p:nvPr>
+        </p:nvSpPr>
+        <p:spPr/>
+        <p:txBody>
+          <a:bodyPr/>
+          <a:lstStyle/>
+          <a:p>
+            <a:pPr algn="ctr"/>
+            <a:r>
+              <a:rPr lang="fr-FR" dirty="0" smtClean="0"/>
+              <a:t>Page des restaurants</a:t>
+            </a:r>
+            <a:endParaRPr lang="fr-FR" dirty="0"/>
+          </a:p>
+        </p:txBody>
+      </p:sp>
+      <p:sp>
+        <p:nvSpPr>
+          <p:cNvPr id="5" name="ZoneTexte 4"/>
+          <p:cNvSpPr txBox="1"/>
+          <p:nvPr/>
+        </p:nvSpPr>
+        <p:spPr>
+          <a:xfrm>
+            <a:off x="214282" y="1428736"/>
+            <a:ext cx="1430200" cy="1446550"/>
+          </a:xfrm>
+          <a:prstGeom prst="rect">
+            <a:avLst/>
+          </a:prstGeom>
+          <a:noFill/>
+        </p:spPr>
+        <p:txBody>
+          <a:bodyPr wrap="none" rtlCol="0">
+            <a:spAutoFit/>
+          </a:bodyPr>
+          <a:lstStyle/>
+          <a:p>
+            <a:r>
+              <a:rPr lang="fr-FR" sz="800" dirty="0" smtClean="0"/>
+              <a:t>main-menu</a:t>
+            </a:r>
+          </a:p>
+          <a:p>
+            <a:r>
+              <a:rPr lang="fr-FR" sz="800" dirty="0" smtClean="0"/>
+              <a:t>       │</a:t>
+            </a:r>
+          </a:p>
+          <a:p>
+            <a:r>
+              <a:rPr lang="fr-FR" sz="800" dirty="0" smtClean="0"/>
+              <a:t>       └&amp;</a:t>
+            </a:r>
+            <a:r>
+              <a:rPr lang="fr-FR" sz="800" dirty="0" err="1" smtClean="0"/>
+              <a:t>__titre</a:t>
+            </a:r>
+            <a:endParaRPr lang="fr-FR" sz="800" dirty="0" smtClean="0"/>
+          </a:p>
+          <a:p>
+            <a:r>
+              <a:rPr lang="fr-FR" sz="800" dirty="0"/>
+              <a:t> </a:t>
+            </a:r>
+            <a:r>
+              <a:rPr lang="fr-FR" sz="800" dirty="0" smtClean="0"/>
+              <a:t>             │</a:t>
+            </a:r>
+          </a:p>
+          <a:p>
+            <a:r>
+              <a:rPr lang="fr-FR" sz="800" dirty="0" smtClean="0"/>
+              <a:t>              ├h1</a:t>
+            </a:r>
+          </a:p>
+          <a:p>
+            <a:r>
+              <a:rPr lang="fr-FR" sz="800" dirty="0" smtClean="0"/>
+              <a:t>              │</a:t>
+            </a:r>
+          </a:p>
+          <a:p>
+            <a:r>
+              <a:rPr lang="fr-FR" sz="800" dirty="0" smtClean="0"/>
+              <a:t>              └&amp;</a:t>
+            </a:r>
+            <a:r>
+              <a:rPr lang="fr-FR" sz="800" dirty="0" err="1" smtClean="0"/>
+              <a:t>__coeur</a:t>
+            </a:r>
+            <a:endParaRPr lang="fr-FR" sz="800" dirty="0" smtClean="0"/>
+          </a:p>
+          <a:p>
+            <a:r>
+              <a:rPr lang="fr-FR" sz="800" dirty="0" smtClean="0"/>
+              <a:t>                      │</a:t>
+            </a:r>
+          </a:p>
+          <a:p>
+            <a:r>
+              <a:rPr lang="fr-FR" sz="800" dirty="0" smtClean="0"/>
+              <a:t>                      ├&amp;--vide</a:t>
+            </a:r>
+          </a:p>
+          <a:p>
+            <a:r>
+              <a:rPr lang="fr-FR" sz="800" dirty="0" smtClean="0"/>
+              <a:t>                      │</a:t>
+            </a:r>
+          </a:p>
+          <a:p>
+            <a:r>
+              <a:rPr lang="fr-FR" sz="800" dirty="0" smtClean="0"/>
+              <a:t>                      └&amp;--plein</a:t>
+            </a:r>
+            <a:endParaRPr lang="fr-FR" sz="800" dirty="0"/>
+          </a:p>
+        </p:txBody>
+      </p:sp>
+      <p:sp>
+        <p:nvSpPr>
+          <p:cNvPr id="6" name="ZoneTexte 5"/>
+          <p:cNvSpPr txBox="1"/>
+          <p:nvPr/>
+        </p:nvSpPr>
+        <p:spPr>
+          <a:xfrm>
+            <a:off x="1857356" y="1428736"/>
+            <a:ext cx="4000528" cy="4401205"/>
+          </a:xfrm>
+          <a:prstGeom prst="rect">
+            <a:avLst/>
+          </a:prstGeom>
+          <a:noFill/>
+        </p:spPr>
+        <p:txBody>
+          <a:bodyPr wrap="square" rtlCol="0">
+            <a:spAutoFit/>
+          </a:bodyPr>
+          <a:lstStyle/>
+          <a:p>
+            <a:r>
+              <a:rPr lang="fr-FR" sz="800" dirty="0" smtClean="0"/>
+              <a:t>	.carte</a:t>
+            </a:r>
+          </a:p>
+          <a:p>
+            <a:r>
+              <a:rPr lang="fr-FR" sz="800" dirty="0" smtClean="0"/>
+              <a:t>	│</a:t>
+            </a:r>
+          </a:p>
+          <a:p>
+            <a:r>
+              <a:rPr lang="fr-FR" sz="800" dirty="0" smtClean="0"/>
+              <a:t>	├@media</a:t>
+            </a:r>
+          </a:p>
+          <a:p>
+            <a:r>
+              <a:rPr lang="fr-FR" sz="800" dirty="0" smtClean="0"/>
+              <a:t>	│</a:t>
+            </a:r>
+          </a:p>
+          <a:p>
+            <a:r>
+              <a:rPr lang="fr-FR" sz="800" dirty="0" smtClean="0"/>
+              <a:t>	└&amp;</a:t>
+            </a:r>
+            <a:r>
+              <a:rPr lang="fr-FR" sz="800" dirty="0" err="1" smtClean="0"/>
+              <a:t>__menu</a:t>
+            </a:r>
+            <a:endParaRPr lang="fr-FR" sz="800" dirty="0" smtClean="0"/>
+          </a:p>
+          <a:p>
+            <a:r>
+              <a:rPr lang="fr-FR" sz="800" dirty="0" smtClean="0"/>
+              <a:t>	         │</a:t>
+            </a:r>
+          </a:p>
+          <a:p>
+            <a:r>
+              <a:rPr lang="fr-FR" sz="800" dirty="0" smtClean="0"/>
+              <a:t>	         ├@media</a:t>
+            </a:r>
+          </a:p>
+          <a:p>
+            <a:r>
+              <a:rPr lang="fr-FR" sz="800" dirty="0" smtClean="0"/>
+              <a:t>	         │		</a:t>
+            </a:r>
+          </a:p>
+          <a:p>
+            <a:r>
+              <a:rPr lang="fr-FR" sz="800" dirty="0" smtClean="0"/>
+              <a:t>	         ├  h2</a:t>
+            </a:r>
+          </a:p>
+          <a:p>
+            <a:r>
+              <a:rPr lang="fr-FR" sz="800" dirty="0" smtClean="0"/>
+              <a:t>	         │  │</a:t>
+            </a:r>
+          </a:p>
+          <a:p>
+            <a:r>
+              <a:rPr lang="fr-FR" sz="800" dirty="0" smtClean="0"/>
+              <a:t>	         │  └&amp;</a:t>
+            </a:r>
+            <a:r>
+              <a:rPr lang="fr-FR" sz="800" dirty="0" err="1" smtClean="0"/>
+              <a:t>after</a:t>
+            </a:r>
+            <a:endParaRPr lang="fr-FR" sz="800" dirty="0" smtClean="0"/>
+          </a:p>
+          <a:p>
+            <a:r>
+              <a:rPr lang="fr-FR" sz="800" dirty="0" smtClean="0"/>
+              <a:t>	         │</a:t>
+            </a:r>
+          </a:p>
+          <a:p>
+            <a:r>
+              <a:rPr lang="fr-FR" sz="800" dirty="0" smtClean="0"/>
+              <a:t>	         ├&amp;plat</a:t>
+            </a:r>
+          </a:p>
+          <a:p>
+            <a:r>
+              <a:rPr lang="fr-FR" sz="800" dirty="0" smtClean="0"/>
+              <a:t>	         │  │</a:t>
+            </a:r>
+          </a:p>
+          <a:p>
+            <a:r>
+              <a:rPr lang="fr-FR" sz="800" dirty="0" smtClean="0"/>
+              <a:t>	         │  ├&amp;:</a:t>
+            </a:r>
+            <a:r>
+              <a:rPr lang="fr-FR" sz="800" dirty="0" err="1" smtClean="0"/>
+              <a:t>hover</a:t>
+            </a:r>
+            <a:r>
+              <a:rPr lang="fr-FR" sz="800" dirty="0" smtClean="0"/>
+              <a:t> .</a:t>
+            </a:r>
+            <a:r>
+              <a:rPr lang="fr-FR" sz="800" dirty="0" err="1" smtClean="0"/>
+              <a:t>carte__menu__plat__acc_prix</a:t>
+            </a:r>
+            <a:endParaRPr lang="fr-FR" sz="800" dirty="0" smtClean="0"/>
+          </a:p>
+          <a:p>
+            <a:r>
+              <a:rPr lang="fr-FR" sz="800" dirty="0" smtClean="0"/>
+              <a:t>	         │  │</a:t>
+            </a:r>
+          </a:p>
+          <a:p>
+            <a:r>
+              <a:rPr lang="fr-FR" sz="800" dirty="0" smtClean="0"/>
+              <a:t>	         │  ├&amp;:</a:t>
+            </a:r>
+            <a:r>
+              <a:rPr lang="fr-FR" sz="800" dirty="0" err="1" smtClean="0"/>
+              <a:t>hover</a:t>
+            </a:r>
+            <a:r>
+              <a:rPr lang="fr-FR" sz="800" dirty="0" smtClean="0"/>
+              <a:t> .</a:t>
+            </a:r>
+            <a:r>
+              <a:rPr lang="fr-FR" sz="800" dirty="0" err="1" smtClean="0"/>
+              <a:t>carte__menu__plat__cache</a:t>
+            </a:r>
+            <a:endParaRPr lang="fr-FR" sz="800" dirty="0" smtClean="0"/>
+          </a:p>
+          <a:p>
+            <a:r>
+              <a:rPr lang="fr-FR" sz="800" dirty="0" smtClean="0"/>
+              <a:t>	         │  │</a:t>
+            </a:r>
+          </a:p>
+          <a:p>
+            <a:r>
+              <a:rPr lang="fr-FR" sz="800" dirty="0" smtClean="0"/>
+              <a:t>	         │  ├&amp;:</a:t>
+            </a:r>
+            <a:r>
+              <a:rPr lang="fr-FR" sz="800" dirty="0" err="1" smtClean="0"/>
+              <a:t>hover</a:t>
+            </a:r>
+            <a:r>
+              <a:rPr lang="fr-FR" sz="800" dirty="0" smtClean="0"/>
+              <a:t> .</a:t>
+            </a:r>
+            <a:r>
+              <a:rPr lang="fr-FR" sz="800" dirty="0" err="1" smtClean="0"/>
+              <a:t>carte__menu__plat__cache</a:t>
+            </a:r>
+            <a:r>
+              <a:rPr lang="fr-FR" sz="800" dirty="0" smtClean="0"/>
+              <a:t>--check</a:t>
+            </a:r>
+          </a:p>
+          <a:p>
+            <a:r>
+              <a:rPr lang="fr-FR" sz="800" dirty="0" smtClean="0"/>
+              <a:t>	         │  │</a:t>
+            </a:r>
+          </a:p>
+          <a:p>
+            <a:r>
+              <a:rPr lang="fr-FR" sz="800" dirty="0" smtClean="0"/>
+              <a:t>	         │</a:t>
+            </a:r>
+            <a:r>
+              <a:rPr lang="fr-FR" sz="800" dirty="0"/>
+              <a:t> </a:t>
+            </a:r>
+            <a:r>
+              <a:rPr lang="fr-FR" sz="800" dirty="0" smtClean="0"/>
+              <a:t> ├ &amp;</a:t>
+            </a:r>
+            <a:r>
+              <a:rPr lang="fr-FR" sz="800" dirty="0" err="1" smtClean="0"/>
+              <a:t>__acc_prix</a:t>
+            </a:r>
+            <a:endParaRPr lang="fr-FR" sz="800" dirty="0" smtClean="0"/>
+          </a:p>
+          <a:p>
+            <a:r>
+              <a:rPr lang="fr-FR" sz="800" dirty="0" smtClean="0"/>
+              <a:t>	</a:t>
+            </a:r>
+            <a:r>
+              <a:rPr lang="fr-FR" sz="800" dirty="0"/>
+              <a:t> </a:t>
+            </a:r>
+            <a:r>
+              <a:rPr lang="fr-FR" sz="800" dirty="0" smtClean="0"/>
+              <a:t>        │</a:t>
+            </a:r>
+            <a:r>
+              <a:rPr lang="fr-FR" sz="800" dirty="0"/>
+              <a:t> </a:t>
+            </a:r>
+            <a:r>
+              <a:rPr lang="fr-FR" sz="800" dirty="0" smtClean="0"/>
+              <a:t> │         │</a:t>
+            </a:r>
+          </a:p>
+          <a:p>
+            <a:r>
+              <a:rPr lang="fr-FR" sz="800" dirty="0" smtClean="0"/>
+              <a:t>	         │</a:t>
+            </a:r>
+            <a:r>
+              <a:rPr lang="fr-FR" sz="800" dirty="0"/>
+              <a:t> </a:t>
+            </a:r>
+            <a:r>
+              <a:rPr lang="fr-FR" sz="800" dirty="0" smtClean="0"/>
+              <a:t> │         ├&amp;</a:t>
+            </a:r>
+            <a:r>
+              <a:rPr lang="fr-FR" sz="800" dirty="0" err="1" smtClean="0"/>
+              <a:t>__nom</a:t>
+            </a:r>
+            <a:r>
+              <a:rPr lang="fr-FR" sz="800" dirty="0" smtClean="0"/>
+              <a:t> </a:t>
+            </a:r>
+          </a:p>
+          <a:p>
+            <a:r>
+              <a:rPr lang="fr-FR" sz="800" dirty="0" smtClean="0"/>
+              <a:t>	         │  │</a:t>
+            </a:r>
+            <a:r>
+              <a:rPr lang="fr-FR" sz="800" dirty="0"/>
+              <a:t> </a:t>
+            </a:r>
+            <a:r>
+              <a:rPr lang="fr-FR" sz="800" dirty="0" smtClean="0"/>
+              <a:t>        │</a:t>
+            </a:r>
+            <a:r>
+              <a:rPr lang="fr-FR" sz="800" dirty="0"/>
+              <a:t> </a:t>
+            </a:r>
+            <a:r>
+              <a:rPr lang="fr-FR" sz="800" dirty="0" smtClean="0"/>
+              <a:t>   │</a:t>
+            </a:r>
+          </a:p>
+          <a:p>
+            <a:r>
+              <a:rPr lang="fr-FR" sz="800" dirty="0" smtClean="0"/>
+              <a:t>	         │  │</a:t>
+            </a:r>
+            <a:r>
+              <a:rPr lang="fr-FR" sz="800" dirty="0"/>
+              <a:t> </a:t>
+            </a:r>
+            <a:r>
+              <a:rPr lang="fr-FR" sz="800" dirty="0" smtClean="0"/>
+              <a:t>        │    ├&amp;--titre</a:t>
+            </a:r>
+          </a:p>
+          <a:p>
+            <a:r>
+              <a:rPr lang="fr-FR" sz="800" dirty="0" smtClean="0"/>
+              <a:t>	         │  │         │    │</a:t>
+            </a:r>
+          </a:p>
+          <a:p>
+            <a:r>
+              <a:rPr lang="fr-FR" sz="800" dirty="0" smtClean="0"/>
+              <a:t>	         │  │</a:t>
+            </a:r>
+            <a:r>
+              <a:rPr lang="fr-FR" sz="800" dirty="0"/>
+              <a:t> </a:t>
+            </a:r>
+            <a:r>
+              <a:rPr lang="fr-FR" sz="800" dirty="0" smtClean="0"/>
+              <a:t>        │    └&amp;--</a:t>
+            </a:r>
+            <a:r>
+              <a:rPr lang="fr-FR" sz="800" dirty="0" err="1" smtClean="0"/>
+              <a:t>acc</a:t>
+            </a:r>
+            <a:endParaRPr lang="fr-FR" sz="800" dirty="0" smtClean="0"/>
+          </a:p>
+          <a:p>
+            <a:r>
+              <a:rPr lang="fr-FR" sz="800" dirty="0" smtClean="0"/>
+              <a:t>	         │  │         │</a:t>
+            </a:r>
+          </a:p>
+          <a:p>
+            <a:r>
+              <a:rPr lang="fr-FR" sz="800" dirty="0" smtClean="0"/>
+              <a:t>	         │  │</a:t>
+            </a:r>
+            <a:r>
+              <a:rPr lang="fr-FR" sz="800" dirty="0"/>
+              <a:t> </a:t>
+            </a:r>
+            <a:r>
+              <a:rPr lang="fr-FR" sz="800" dirty="0" smtClean="0"/>
+              <a:t>        └&amp;--prix </a:t>
+            </a:r>
+          </a:p>
+          <a:p>
+            <a:r>
+              <a:rPr lang="fr-FR" sz="800" dirty="0" smtClean="0"/>
+              <a:t>	         │  │</a:t>
+            </a:r>
+          </a:p>
+          <a:p>
+            <a:r>
+              <a:rPr lang="fr-FR" sz="800" dirty="0" smtClean="0"/>
+              <a:t>	         │  └&amp;</a:t>
+            </a:r>
+            <a:r>
+              <a:rPr lang="fr-FR" sz="800" dirty="0" err="1" smtClean="0"/>
+              <a:t>__cache</a:t>
+            </a:r>
+            <a:endParaRPr lang="fr-FR" sz="800" dirty="0" smtClean="0"/>
+          </a:p>
+          <a:p>
+            <a:r>
+              <a:rPr lang="fr-FR" sz="800" dirty="0" smtClean="0"/>
+              <a:t>	         │</a:t>
+            </a:r>
+            <a:r>
+              <a:rPr lang="fr-FR" sz="800" dirty="0"/>
+              <a:t> </a:t>
+            </a:r>
+            <a:r>
+              <a:rPr lang="fr-FR" sz="800" dirty="0" smtClean="0"/>
+              <a:t>           │</a:t>
+            </a:r>
+          </a:p>
+          <a:p>
+            <a:r>
+              <a:rPr lang="fr-FR" sz="800" dirty="0" smtClean="0"/>
+              <a:t>	         │</a:t>
+            </a:r>
+            <a:r>
+              <a:rPr lang="fr-FR" sz="800" dirty="0"/>
+              <a:t> </a:t>
+            </a:r>
+            <a:r>
+              <a:rPr lang="fr-FR" sz="800" dirty="0" smtClean="0"/>
+              <a:t>           └&amp;--check</a:t>
+            </a:r>
+          </a:p>
+          <a:p>
+            <a:r>
+              <a:rPr lang="fr-FR" sz="800" dirty="0" smtClean="0"/>
+              <a:t>	         │</a:t>
+            </a:r>
+          </a:p>
+          <a:p>
+            <a:r>
+              <a:rPr lang="fr-FR" sz="800" dirty="0" smtClean="0"/>
+              <a:t>	         └tout les .anime</a:t>
+            </a:r>
+            <a:endParaRPr lang="fr-FR" sz="800" dirty="0"/>
+          </a:p>
+        </p:txBody>
+      </p:sp>
+      <p:sp>
+        <p:nvSpPr>
+          <p:cNvPr id="7" name="ZoneTexte 6"/>
+          <p:cNvSpPr txBox="1"/>
+          <p:nvPr/>
+        </p:nvSpPr>
+        <p:spPr>
+          <a:xfrm>
+            <a:off x="5857884" y="1357298"/>
+            <a:ext cx="1521570" cy="1077218"/>
+          </a:xfrm>
+          <a:prstGeom prst="rect">
+            <a:avLst/>
+          </a:prstGeom>
+          <a:noFill/>
+        </p:spPr>
+        <p:txBody>
+          <a:bodyPr wrap="none" rtlCol="0">
+            <a:spAutoFit/>
+          </a:bodyPr>
+          <a:lstStyle/>
+          <a:p>
+            <a:r>
+              <a:rPr lang="fr-FR" sz="800" dirty="0" smtClean="0"/>
+              <a:t>.commander</a:t>
+            </a:r>
+          </a:p>
+          <a:p>
+            <a:r>
+              <a:rPr lang="fr-FR" sz="800" dirty="0" smtClean="0"/>
+              <a:t>        │</a:t>
+            </a:r>
+          </a:p>
+          <a:p>
+            <a:r>
+              <a:rPr lang="fr-FR" sz="800" dirty="0" smtClean="0"/>
+              <a:t>        ├.</a:t>
+            </a:r>
+            <a:r>
+              <a:rPr lang="fr-FR" sz="800" dirty="0" err="1" smtClean="0"/>
+              <a:t>fas.fa-check-circle</a:t>
+            </a:r>
+            <a:endParaRPr lang="fr-FR" sz="800" dirty="0" smtClean="0"/>
+          </a:p>
+          <a:p>
+            <a:r>
+              <a:rPr lang="fr-FR" sz="800" dirty="0" smtClean="0"/>
+              <a:t>        │</a:t>
+            </a:r>
+          </a:p>
+          <a:p>
+            <a:r>
+              <a:rPr lang="fr-FR" sz="800" dirty="0" smtClean="0"/>
+              <a:t>        └ &gt; a</a:t>
+            </a:r>
+          </a:p>
+          <a:p>
+            <a:r>
+              <a:rPr lang="fr-FR" sz="800" dirty="0"/>
+              <a:t> </a:t>
+            </a:r>
+            <a:r>
+              <a:rPr lang="fr-FR" sz="800" dirty="0" smtClean="0"/>
+              <a:t>             │</a:t>
+            </a:r>
+          </a:p>
+          <a:p>
+            <a:r>
+              <a:rPr lang="fr-FR" sz="800" dirty="0"/>
+              <a:t> </a:t>
+            </a:r>
+            <a:r>
+              <a:rPr lang="fr-FR" sz="800" dirty="0" smtClean="0"/>
+              <a:t>             └&amp;:</a:t>
+            </a:r>
+            <a:r>
+              <a:rPr lang="fr-FR" sz="800" dirty="0" err="1" smtClean="0"/>
+              <a:t>hover</a:t>
+            </a:r>
+            <a:endParaRPr lang="fr-FR" sz="800" dirty="0" smtClean="0"/>
+          </a:p>
+          <a:p>
+            <a:endParaRPr lang="fr-FR" sz="800" dirty="0"/>
+          </a:p>
+        </p:txBody>
+      </p:sp>
+    </p:spTree>
+  </p:cSld>
+  <p:clrMapOvr>
+    <a:masterClrMapping/>
+  </p:clrMapOvr>
+</p:sld>
+</file>
+
+<file path=ppt/slides/slide14.xml><?xml version="1.0" encoding="utf-8"?>
+<p:sld xmlns:a="http://schemas.openxmlformats.org/drawingml/2006/main" xmlns:r="http://schemas.openxmlformats.org/officeDocument/2006/relationships" xmlns:p="http://schemas.openxmlformats.org/presentationml/2006/main">
+  <p:cSld>
+    <p:spTree>
+      <p:nvGrpSpPr>
+        <p:cNvPr id="1" name=""/>
+        <p:cNvGrpSpPr/>
+        <p:nvPr/>
+      </p:nvGrpSpPr>
+      <p:grpSpPr>
+        <a:xfrm>
+          <a:off x="0" y="0"/>
+          <a:ext cx="0" cy="0"/>
+          <a:chOff x="0" y="0"/>
+          <a:chExt cx="0" cy="0"/>
+        </a:xfrm>
+      </p:grpSpPr>
+      <p:sp>
+        <p:nvSpPr>
+          <p:cNvPr id="2" name="Espace réservé du contenu 1"/>
+          <p:cNvSpPr>
+            <a:spLocks noGrp="1"/>
+          </p:cNvSpPr>
+          <p:nvPr>
+            <p:ph idx="1"/>
+          </p:nvPr>
+        </p:nvSpPr>
+        <p:spPr/>
+        <p:txBody>
+          <a:bodyPr>
+            <a:normAutofit/>
+          </a:bodyPr>
+          <a:lstStyle/>
+          <a:p>
+            <a:r>
+              <a:rPr lang="fr-FR" sz="1600" dirty="0" smtClean="0"/>
+              <a:t>Bien que cela ne soit pas demandé J’ai fait une maquette avec adobe XD qui ce ma permis de voir comment j’allais aborder la version desktop et tablette</a:t>
+            </a:r>
+          </a:p>
+          <a:p>
+            <a:pPr>
+              <a:buNone/>
+            </a:pPr>
+            <a:r>
+              <a:rPr lang="fr-FR" sz="1600" dirty="0" smtClean="0"/>
+              <a:t>	ce dernier et disponible a l’adresse suivante:</a:t>
+            </a:r>
+          </a:p>
+          <a:p>
+            <a:pPr lvl="1"/>
+            <a:r>
+              <a:rPr lang="fr-FR" sz="1200" dirty="0" smtClean="0">
+                <a:hlinkClick r:id="rId2"/>
+              </a:rPr>
+              <a:t>https</a:t>
+            </a:r>
+            <a:r>
+              <a:rPr lang="fr-FR" sz="1200" smtClean="0">
+                <a:hlinkClick r:id="rId2"/>
+              </a:rPr>
+              <a:t>://</a:t>
+            </a:r>
+            <a:r>
+              <a:rPr lang="fr-FR" sz="1200" smtClean="0">
+                <a:hlinkClick r:id="rId2"/>
+              </a:rPr>
+              <a:t>xd.adobe.com/view/7e8a14be-37be-4a5c-a9c6-4c89e4239e44-2bd9/screen/d8e09926-0c19-4669-ac35-6cb3dd332c93?fullscreen&amp;hints=off</a:t>
+            </a:r>
+            <a:r>
+              <a:rPr lang="fr-FR" sz="1200" smtClean="0"/>
+              <a:t> .</a:t>
+            </a:r>
+            <a:endParaRPr lang="fr-FR" sz="1200" dirty="0"/>
+          </a:p>
+        </p:txBody>
+      </p:sp>
+      <p:sp>
+        <p:nvSpPr>
+          <p:cNvPr id="3" name="Titre 2"/>
+          <p:cNvSpPr>
+            <a:spLocks noGrp="1"/>
+          </p:cNvSpPr>
+          <p:nvPr>
+            <p:ph type="title"/>
+          </p:nvPr>
+        </p:nvSpPr>
+        <p:spPr/>
+        <p:txBody>
+          <a:bodyPr>
+            <a:normAutofit/>
+          </a:bodyPr>
+          <a:lstStyle/>
+          <a:p>
+            <a:r>
+              <a:rPr lang="fr-FR" dirty="0" smtClean="0"/>
+              <a:t>Lien adobe </a:t>
+            </a:r>
+            <a:r>
+              <a:rPr lang="fr-FR" dirty="0" err="1" smtClean="0"/>
+              <a:t>xd</a:t>
+            </a:r>
+            <a:r>
+              <a:rPr lang="fr-FR" dirty="0" smtClean="0"/>
+              <a:t> du site </a:t>
+            </a:r>
+            <a:endParaRPr lang="fr-FR" dirty="0"/>
+          </a:p>
+        </p:txBody>
+      </p:sp>
+    </p:spTree>
+  </p:cSld>
+  <p:clrMapOvr>
+    <a:masterClrMapping/>
+  </p:clrMapOvr>
+</p:sld>
+</file>
+
+<file path=ppt/slides/slide2.xml><?xml version="1.0" encoding="utf-8"?>
+<p:sld xmlns:a="http://schemas.openxmlformats.org/drawingml/2006/main" xmlns:r="http://schemas.openxmlformats.org/officeDocument/2006/relationships" xmlns:p="http://schemas.openxmlformats.org/presentationml/2006/main">
+  <p:cSld>
+    <p:spTree>
+      <p:nvGrpSpPr>
+        <p:cNvPr id="1" name=""/>
+        <p:cNvGrpSpPr/>
+        <p:nvPr/>
+      </p:nvGrpSpPr>
+      <p:grpSpPr>
+        <a:xfrm>
+          <a:off x="0" y="0"/>
+          <a:ext cx="0" cy="0"/>
+          <a:chOff x="0" y="0"/>
+          <a:chExt cx="0" cy="0"/>
+        </a:xfrm>
+      </p:grpSpPr>
+      <p:sp>
+        <p:nvSpPr>
+          <p:cNvPr id="2" name="Espace réservé du contenu 1"/>
+          <p:cNvSpPr>
+            <a:spLocks noGrp="1"/>
+          </p:cNvSpPr>
+          <p:nvPr>
+            <p:ph idx="1"/>
+          </p:nvPr>
+        </p:nvSpPr>
+        <p:spPr/>
+        <p:txBody>
+          <a:bodyPr>
+            <a:normAutofit/>
+          </a:bodyPr>
+          <a:lstStyle/>
+          <a:p>
+            <a:r>
+              <a:rPr lang="fr-FR" sz="1600" dirty="0" smtClean="0"/>
+              <a:t>Pour ce projet je viens d’être recruté chez </a:t>
+            </a:r>
+            <a:r>
+              <a:rPr lang="fr-FR" sz="1600" dirty="0" err="1" smtClean="0"/>
+              <a:t>Ohmyfood</a:t>
+            </a:r>
+            <a:r>
+              <a:rPr lang="fr-FR" sz="1600" dirty="0" smtClean="0"/>
+              <a:t>!, en tant que développeur junior.</a:t>
+            </a:r>
+          </a:p>
+          <a:p>
+            <a:r>
+              <a:rPr lang="fr-FR" sz="1600" dirty="0" err="1" smtClean="0"/>
+              <a:t>Ohmyfood</a:t>
+            </a:r>
+            <a:r>
+              <a:rPr lang="fr-FR" sz="1600" dirty="0" smtClean="0"/>
+              <a:t>! est une jeune startup qui veut s'imposer sur le marché de la restauration. L'objectif est de développer un site 100% mobile qui répertorie les menus de restaurants gastronomiques.</a:t>
+            </a:r>
+          </a:p>
+          <a:p>
+            <a:r>
+              <a:rPr lang="fr-FR" sz="1600" dirty="0" smtClean="0"/>
+              <a:t> En plus des systèmes classiques de réservation, les clients pourront composer le menu de leur repas pour que les plats soient prêts à leur arrivée.</a:t>
+            </a:r>
+          </a:p>
+          <a:p>
+            <a:r>
+              <a:rPr lang="fr-FR" sz="1600" dirty="0" smtClean="0"/>
+              <a:t>Pour ce projet, tout mon code seras </a:t>
+            </a:r>
+            <a:r>
+              <a:rPr lang="fr-FR" sz="1600" dirty="0" err="1" smtClean="0"/>
+              <a:t>versionnez</a:t>
+            </a:r>
+            <a:r>
+              <a:rPr lang="fr-FR" sz="1600" dirty="0" smtClean="0"/>
+              <a:t> sur </a:t>
+            </a:r>
+            <a:r>
+              <a:rPr lang="fr-FR" sz="1600" dirty="0" err="1" smtClean="0"/>
+              <a:t>Github</a:t>
+            </a:r>
+            <a:r>
+              <a:rPr lang="fr-FR" sz="1600" dirty="0" smtClean="0"/>
+              <a:t> avec des </a:t>
+            </a:r>
+            <a:r>
+              <a:rPr lang="fr-FR" sz="1600" dirty="0" err="1" smtClean="0"/>
+              <a:t>commits</a:t>
+            </a:r>
+            <a:r>
+              <a:rPr lang="fr-FR" sz="1600" dirty="0" smtClean="0"/>
+              <a:t> réguliers pour suivre son avancement et publier le site en ligne plus facilement.</a:t>
+            </a:r>
+          </a:p>
+          <a:p>
+            <a:endParaRPr lang="fr-FR" dirty="0"/>
+          </a:p>
+        </p:txBody>
+      </p:sp>
+      <p:sp>
+        <p:nvSpPr>
+          <p:cNvPr id="3" name="Titre 2"/>
+          <p:cNvSpPr>
+            <a:spLocks noGrp="1"/>
+          </p:cNvSpPr>
+          <p:nvPr>
+            <p:ph type="title"/>
+          </p:nvPr>
+        </p:nvSpPr>
+        <p:spPr/>
+        <p:txBody>
+          <a:bodyPr/>
+          <a:lstStyle/>
+          <a:p>
+            <a:r>
+              <a:rPr lang="fr-FR" b="0" dirty="0" smtClean="0"/>
+              <a:t>Présentation du projet</a:t>
+            </a:r>
+            <a:endParaRPr lang="fr-FR" dirty="0"/>
+          </a:p>
+        </p:txBody>
+      </p:sp>
+    </p:spTree>
+  </p:cSld>
+  <p:clrMapOvr>
+    <a:masterClrMapping/>
+  </p:clrMapOvr>
+</p:sld>
+</file>
+
 <file path=ppt/slides/slide3.xml><?xml version="1.0" encoding="utf-8"?>
 <p:sld xmlns:a="http://schemas.openxmlformats.org/drawingml/2006/main" xmlns:r="http://schemas.openxmlformats.org/officeDocument/2006/relationships" xmlns:p="http://schemas.openxmlformats.org/presentationml/2006/main">
   <p:cSld>
@@ -4801,6 +6983,130 @@
       </p:grpSpPr>
       <p:sp>
         <p:nvSpPr>
+          <p:cNvPr id="2" name="Espace réservé du contenu 1"/>
+          <p:cNvSpPr>
+            <a:spLocks noGrp="1"/>
+          </p:cNvSpPr>
+          <p:nvPr>
+            <p:ph idx="1"/>
+          </p:nvPr>
+        </p:nvSpPr>
+        <p:spPr/>
+        <p:txBody>
+          <a:bodyPr>
+            <a:normAutofit fontScale="92500" lnSpcReduction="10000"/>
+          </a:bodyPr>
+          <a:lstStyle/>
+          <a:p>
+            <a:r>
+              <a:rPr lang="fr-FR" sz="1600" dirty="0" smtClean="0"/>
+              <a:t>Tout le code doit être </a:t>
+            </a:r>
+            <a:r>
+              <a:rPr lang="fr-FR" sz="1600" dirty="0" err="1" smtClean="0"/>
+              <a:t>versionné</a:t>
+            </a:r>
+            <a:r>
+              <a:rPr lang="fr-FR" sz="1600" dirty="0" smtClean="0"/>
+              <a:t> sur </a:t>
+            </a:r>
+            <a:r>
+              <a:rPr lang="fr-FR" sz="1600" dirty="0" err="1" smtClean="0"/>
+              <a:t>GitHub</a:t>
+            </a:r>
+            <a:r>
+              <a:rPr lang="fr-FR" sz="1600" dirty="0" smtClean="0"/>
+              <a:t> et le site devra être accessible sur </a:t>
+            </a:r>
+            <a:r>
+              <a:rPr lang="fr-FR" sz="1600" dirty="0" err="1" smtClean="0"/>
+              <a:t>Github</a:t>
+            </a:r>
+            <a:r>
+              <a:rPr lang="fr-FR" sz="1600" dirty="0" smtClean="0"/>
+              <a:t> Pages une fois terminé.(</a:t>
+            </a:r>
+            <a:r>
+              <a:rPr lang="fr-FR" sz="1600" dirty="0" smtClean="0">
+                <a:hlinkClick r:id="rId2"/>
+              </a:rPr>
+              <a:t>https://github.com/gwenaelgressier/GwenaelGressier_03_22022022</a:t>
+            </a:r>
+            <a:r>
+              <a:rPr lang="fr-FR" sz="1600" dirty="0" smtClean="0"/>
+              <a:t>)</a:t>
+            </a:r>
+          </a:p>
+          <a:p>
+            <a:r>
+              <a:rPr lang="fr-FR" sz="1600" dirty="0" smtClean="0"/>
+              <a:t>Aucun framework ou de JavaScript.</a:t>
+            </a:r>
+          </a:p>
+          <a:p>
+            <a:r>
+              <a:rPr lang="fr-FR" sz="1600" dirty="0" smtClean="0"/>
+              <a:t>Au survol, la couleur de fond des boutons principaux devra légèrement s’éclaircir . L’ombre portée devra également être plus visible.</a:t>
+            </a:r>
+          </a:p>
+          <a:p>
+            <a:r>
+              <a:rPr lang="fr-FR" sz="1600" dirty="0" smtClean="0"/>
+              <a:t> À terme, les visiteurs pourront sauvegarder leurs menus préférés. Pour ça, un bouton en forme de cœur est présent sur la </a:t>
+            </a:r>
+            <a:r>
+              <a:rPr lang="fr-FR" sz="1600" dirty="0" err="1" smtClean="0"/>
+              <a:t>maquette.Il</a:t>
+            </a:r>
+            <a:r>
+              <a:rPr lang="fr-FR" sz="1600" dirty="0" smtClean="0"/>
+              <a:t> devra se remplir progressivement. </a:t>
+            </a:r>
+          </a:p>
+          <a:p>
+            <a:r>
+              <a:rPr lang="fr-FR" sz="1600" dirty="0" smtClean="0"/>
+              <a:t>un “</a:t>
+            </a:r>
+            <a:r>
+              <a:rPr lang="fr-FR" sz="1600" dirty="0" err="1" smtClean="0"/>
+              <a:t>loading</a:t>
+            </a:r>
+            <a:r>
+              <a:rPr lang="fr-FR" sz="1600" dirty="0" smtClean="0"/>
+              <a:t> </a:t>
+            </a:r>
+            <a:r>
+              <a:rPr lang="fr-FR" sz="1600" dirty="0" err="1" smtClean="0"/>
+              <a:t>spinner</a:t>
+            </a:r>
+            <a:r>
+              <a:rPr lang="fr-FR" sz="1600" dirty="0" smtClean="0"/>
+              <a:t>” sera nécessaire. Sur cette maquette pendant 1 à 3 secondes quand on arrive sur la page d'accueil.</a:t>
+            </a:r>
+          </a:p>
+          <a:p>
+            <a:r>
+              <a:rPr lang="fr-FR" sz="1600" dirty="0" smtClean="0"/>
+              <a:t>À l’arrivée sur la page, les plats devront apparaître progressivement avec un léger décalage dans le temps.</a:t>
+            </a:r>
+          </a:p>
+          <a:p>
+            <a:r>
+              <a:rPr lang="fr-FR" sz="1600" dirty="0" smtClean="0"/>
+              <a:t>Le visiteur peut ajouter les plats qu'il souhaite à sa commande en cliquant dessus. Cela fait apparaître une petite coche à droite du plat. Cette coche devra coulisser de la droite vers la gauche. </a:t>
+            </a:r>
+          </a:p>
+          <a:p>
+            <a:r>
+              <a:rPr lang="fr-FR" sz="1600" dirty="0" smtClean="0"/>
+              <a:t> Si l’intitulé du plat est trop long, il devra être rogné avec des points de suspension. </a:t>
+            </a:r>
+          </a:p>
+        </p:txBody>
+      </p:sp>
+      <p:sp>
+        <p:nvSpPr>
           <p:cNvPr id="3" name="Titre 2"/>
           <p:cNvSpPr>
             <a:spLocks noGrp="1"/>
@@ -4814,1116 +7120,15 @@
           <a:bodyPr/>
           <a:lstStyle/>
           <a:p>
-            <a:pPr algn="ctr"/>
+            <a:r>
+              <a:rPr lang="fr-FR" dirty="0" err="1" smtClean="0"/>
+              <a:t>Spéciﬁcations</a:t>
+            </a:r>
             <a:r>
               <a:rPr lang="fr-FR" dirty="0" smtClean="0"/>
-              <a:t>Page index</a:t>
+              <a:t> fonctionnelles:</a:t>
             </a:r>
             <a:endParaRPr lang="fr-FR" dirty="0"/>
-          </a:p>
-        </p:txBody>
-      </p:sp>
-      <p:sp>
-        <p:nvSpPr>
-          <p:cNvPr id="7" name="ZoneTexte 6"/>
-          <p:cNvSpPr txBox="1"/>
-          <p:nvPr/>
-        </p:nvSpPr>
-        <p:spPr>
-          <a:xfrm>
-            <a:off x="6929454" y="4071942"/>
-            <a:ext cx="1928826" cy="954107"/>
-          </a:xfrm>
-          <a:prstGeom prst="rect">
-            <a:avLst/>
-          </a:prstGeom>
-          <a:noFill/>
-        </p:spPr>
-        <p:txBody>
-          <a:bodyPr wrap="square" rtlCol="0">
-            <a:spAutoFit/>
-          </a:bodyPr>
-          <a:lstStyle/>
-          <a:p>
-            <a:r>
-              <a:rPr lang="fr-FR" sz="800" dirty="0" smtClean="0"/>
-              <a:t> .</a:t>
-            </a:r>
-            <a:r>
-              <a:rPr lang="en-US" sz="800" dirty="0" smtClean="0"/>
-              <a:t> centre</a:t>
-            </a:r>
-            <a:endParaRPr lang="fr-FR" sz="800" dirty="0" smtClean="0"/>
-          </a:p>
-          <a:p>
-            <a:r>
-              <a:rPr lang="fr-FR" sz="800" dirty="0" smtClean="0"/>
-              <a:t>         │</a:t>
-            </a:r>
-          </a:p>
-          <a:p>
-            <a:r>
-              <a:rPr lang="fr-FR" sz="800" dirty="0" smtClean="0"/>
-              <a:t>         ├ &amp;</a:t>
-            </a:r>
-            <a:r>
-              <a:rPr lang="en-US" sz="800" dirty="0" smtClean="0"/>
-              <a:t>__</a:t>
-            </a:r>
-            <a:r>
-              <a:rPr lang="en-US" sz="800" dirty="0" err="1" smtClean="0"/>
-              <a:t>anneau</a:t>
-            </a:r>
-            <a:endParaRPr lang="fr-FR" sz="800" dirty="0" smtClean="0"/>
-          </a:p>
-          <a:p>
-            <a:r>
-              <a:rPr lang="fr-FR" sz="800" dirty="0" smtClean="0"/>
-              <a:t>         │          │</a:t>
-            </a:r>
-          </a:p>
-          <a:p>
-            <a:r>
-              <a:rPr lang="fr-FR" sz="800" dirty="0" smtClean="0"/>
-              <a:t>         │          └  &amp;:</a:t>
-            </a:r>
-            <a:r>
-              <a:rPr lang="fr-FR" sz="800" smtClean="0"/>
-              <a:t>before</a:t>
-            </a:r>
-            <a:endParaRPr lang="fr-FR" sz="800" dirty="0" smtClean="0"/>
-          </a:p>
-          <a:p>
-            <a:r>
-              <a:rPr lang="fr-FR" sz="800" dirty="0" smtClean="0"/>
-              <a:t>         │</a:t>
-            </a:r>
-          </a:p>
-          <a:p>
-            <a:r>
-              <a:rPr lang="fr-FR" sz="800" dirty="0" smtClean="0"/>
-              <a:t>         └</a:t>
-            </a:r>
-            <a:r>
-              <a:rPr lang="fr-FR" sz="800" dirty="0" err="1" smtClean="0"/>
-              <a:t>span</a:t>
-            </a:r>
-            <a:endParaRPr lang="fr-FR" sz="800" dirty="0" smtClean="0"/>
-          </a:p>
-        </p:txBody>
-      </p:sp>
-      <p:sp>
-        <p:nvSpPr>
-          <p:cNvPr id="8" name="ZoneTexte 7"/>
-          <p:cNvSpPr txBox="1"/>
-          <p:nvPr/>
-        </p:nvSpPr>
-        <p:spPr>
-          <a:xfrm>
-            <a:off x="571472" y="3500438"/>
-            <a:ext cx="1285884" cy="1323439"/>
-          </a:xfrm>
-          <a:prstGeom prst="rect">
-            <a:avLst/>
-          </a:prstGeom>
-          <a:noFill/>
-        </p:spPr>
-        <p:txBody>
-          <a:bodyPr wrap="square" rtlCol="0">
-            <a:spAutoFit/>
-          </a:bodyPr>
-          <a:lstStyle/>
-          <a:p>
-            <a:r>
-              <a:rPr lang="fr-FR" sz="800" dirty="0" smtClean="0"/>
-              <a:t> . .</a:t>
-            </a:r>
-            <a:r>
-              <a:rPr lang="fr-FR" sz="800" dirty="0" err="1" smtClean="0"/>
-              <a:t>complement</a:t>
-            </a:r>
-            <a:endParaRPr lang="fr-FR" sz="800" dirty="0" smtClean="0"/>
-          </a:p>
-          <a:p>
-            <a:r>
-              <a:rPr lang="fr-FR" sz="800" dirty="0" smtClean="0"/>
-              <a:t>         │</a:t>
-            </a:r>
-          </a:p>
-          <a:p>
-            <a:r>
-              <a:rPr lang="fr-FR" sz="800" dirty="0"/>
-              <a:t> </a:t>
-            </a:r>
-            <a:r>
-              <a:rPr lang="fr-FR" sz="800" dirty="0" smtClean="0"/>
-              <a:t>        ├ h2</a:t>
-            </a:r>
-          </a:p>
-          <a:p>
-            <a:r>
-              <a:rPr lang="fr-FR" sz="800" dirty="0"/>
-              <a:t> </a:t>
-            </a:r>
-            <a:r>
-              <a:rPr lang="fr-FR" sz="800" dirty="0" smtClean="0"/>
-              <a:t>        │</a:t>
-            </a:r>
-          </a:p>
-          <a:p>
-            <a:r>
-              <a:rPr lang="fr-FR" sz="800" dirty="0" smtClean="0"/>
-              <a:t>         ├p</a:t>
-            </a:r>
-          </a:p>
-          <a:p>
-            <a:r>
-              <a:rPr lang="fr-FR" sz="800" dirty="0" smtClean="0"/>
-              <a:t>         │</a:t>
-            </a:r>
-          </a:p>
-          <a:p>
-            <a:r>
-              <a:rPr lang="fr-FR" sz="800" dirty="0"/>
-              <a:t> </a:t>
-            </a:r>
-            <a:r>
-              <a:rPr lang="fr-FR" sz="800" dirty="0" smtClean="0"/>
-              <a:t>        └ a</a:t>
-            </a:r>
-          </a:p>
-          <a:p>
-            <a:r>
-              <a:rPr lang="fr-FR" sz="800" dirty="0"/>
-              <a:t> </a:t>
-            </a:r>
-            <a:r>
-              <a:rPr lang="fr-FR" sz="800" dirty="0" smtClean="0"/>
-              <a:t>            │</a:t>
-            </a:r>
-          </a:p>
-          <a:p>
-            <a:r>
-              <a:rPr lang="fr-FR" sz="800" dirty="0" smtClean="0"/>
-              <a:t>             └</a:t>
-            </a:r>
-            <a:r>
-              <a:rPr lang="fr-FR" sz="800" dirty="0"/>
-              <a:t> &amp;:</a:t>
-            </a:r>
-            <a:r>
-              <a:rPr lang="fr-FR" sz="800" dirty="0" err="1"/>
-              <a:t>hover</a:t>
-            </a:r>
-            <a:endParaRPr lang="fr-FR" sz="800" dirty="0"/>
-          </a:p>
-          <a:p>
-            <a:endParaRPr lang="fr-FR" sz="800" dirty="0" smtClean="0"/>
-          </a:p>
-        </p:txBody>
-      </p:sp>
-      <p:sp>
-        <p:nvSpPr>
-          <p:cNvPr id="9" name="ZoneTexte 8"/>
-          <p:cNvSpPr txBox="1"/>
-          <p:nvPr/>
-        </p:nvSpPr>
-        <p:spPr>
-          <a:xfrm>
-            <a:off x="1928794" y="1571612"/>
-            <a:ext cx="2000264" cy="2677656"/>
-          </a:xfrm>
-          <a:prstGeom prst="rect">
-            <a:avLst/>
-          </a:prstGeom>
-          <a:noFill/>
-        </p:spPr>
-        <p:txBody>
-          <a:bodyPr wrap="square" rtlCol="0">
-            <a:spAutoFit/>
-          </a:bodyPr>
-          <a:lstStyle/>
-          <a:p>
-            <a:r>
-              <a:rPr lang="fr-FR" sz="800" dirty="0" smtClean="0"/>
-              <a:t>.fonctionnement</a:t>
-            </a:r>
-          </a:p>
-          <a:p>
-            <a:r>
-              <a:rPr lang="fr-FR" sz="800" dirty="0" smtClean="0"/>
-              <a:t>         │</a:t>
-            </a:r>
-          </a:p>
-          <a:p>
-            <a:r>
-              <a:rPr lang="fr-FR" sz="800" dirty="0"/>
-              <a:t> </a:t>
-            </a:r>
-            <a:r>
-              <a:rPr lang="fr-FR" sz="800" dirty="0" smtClean="0"/>
-              <a:t>        └ &amp;</a:t>
-            </a:r>
-            <a:r>
-              <a:rPr lang="fr-FR" sz="800" dirty="0" err="1" smtClean="0"/>
-              <a:t>__div</a:t>
-            </a:r>
-            <a:endParaRPr lang="fr-FR" sz="800" dirty="0" smtClean="0"/>
-          </a:p>
-          <a:p>
-            <a:r>
-              <a:rPr lang="fr-FR" sz="800" dirty="0"/>
-              <a:t> </a:t>
-            </a:r>
-            <a:r>
-              <a:rPr lang="fr-FR" sz="800" dirty="0" smtClean="0"/>
-              <a:t>               │</a:t>
-            </a:r>
-          </a:p>
-          <a:p>
-            <a:r>
-              <a:rPr lang="fr-FR" sz="800" dirty="0" smtClean="0"/>
-              <a:t>                ├h2</a:t>
-            </a:r>
-          </a:p>
-          <a:p>
-            <a:r>
-              <a:rPr lang="fr-FR" sz="800" dirty="0" smtClean="0"/>
-              <a:t>                │</a:t>
-            </a:r>
-          </a:p>
-          <a:p>
-            <a:r>
-              <a:rPr lang="fr-FR" sz="800" dirty="0"/>
-              <a:t> </a:t>
-            </a:r>
-            <a:r>
-              <a:rPr lang="fr-FR" sz="800" dirty="0" smtClean="0"/>
-              <a:t>               └ </a:t>
-            </a:r>
-            <a:r>
-              <a:rPr lang="fr-FR" sz="800" dirty="0"/>
-              <a:t>&amp;</a:t>
-            </a:r>
-            <a:r>
-              <a:rPr lang="fr-FR" sz="800" dirty="0" err="1"/>
-              <a:t>__</a:t>
-            </a:r>
-            <a:r>
-              <a:rPr lang="fr-FR" sz="800" dirty="0" err="1" smtClean="0"/>
-              <a:t>derouler</a:t>
-            </a:r>
-            <a:endParaRPr lang="fr-FR" sz="800" dirty="0" smtClean="0"/>
-          </a:p>
-          <a:p>
-            <a:r>
-              <a:rPr lang="fr-FR" sz="800" dirty="0"/>
-              <a:t> </a:t>
-            </a:r>
-            <a:r>
-              <a:rPr lang="fr-FR" sz="800" dirty="0" smtClean="0"/>
-              <a:t>                           │</a:t>
-            </a:r>
-          </a:p>
-          <a:p>
-            <a:r>
-              <a:rPr lang="fr-FR" sz="800" dirty="0" smtClean="0"/>
-              <a:t>                            ├ li</a:t>
-            </a:r>
-          </a:p>
-          <a:p>
-            <a:r>
-              <a:rPr lang="fr-FR" sz="800" dirty="0" smtClean="0"/>
-              <a:t>                            │ │</a:t>
-            </a:r>
-            <a:endParaRPr lang="fr-FR" sz="800" dirty="0"/>
-          </a:p>
-          <a:p>
-            <a:r>
-              <a:rPr lang="fr-FR" sz="800" dirty="0" smtClean="0"/>
-              <a:t>                            │ ├</a:t>
-            </a:r>
-            <a:r>
-              <a:rPr lang="fr-FR" sz="800" dirty="0"/>
-              <a:t> @</a:t>
-            </a:r>
-            <a:r>
-              <a:rPr lang="fr-FR" sz="800" dirty="0" smtClean="0"/>
-              <a:t>media</a:t>
-            </a:r>
-          </a:p>
-          <a:p>
-            <a:r>
-              <a:rPr lang="fr-FR" sz="800" dirty="0" smtClean="0"/>
-              <a:t>                            │ │</a:t>
-            </a:r>
-          </a:p>
-          <a:p>
-            <a:r>
-              <a:rPr lang="fr-FR" sz="800" dirty="0" smtClean="0"/>
-              <a:t>                            │ └  </a:t>
-            </a:r>
-            <a:r>
-              <a:rPr lang="fr-FR" sz="800" dirty="0"/>
-              <a:t>a </a:t>
-            </a:r>
-            <a:endParaRPr lang="fr-FR" sz="800" dirty="0" smtClean="0"/>
-          </a:p>
-          <a:p>
-            <a:r>
-              <a:rPr lang="fr-FR" sz="800" dirty="0" smtClean="0"/>
-              <a:t>                            │     │</a:t>
-            </a:r>
-          </a:p>
-          <a:p>
-            <a:r>
-              <a:rPr lang="fr-FR" sz="800" dirty="0" smtClean="0"/>
-              <a:t>                            │     └ &amp;:</a:t>
-            </a:r>
-            <a:r>
-              <a:rPr lang="fr-FR" sz="800" dirty="0" err="1" smtClean="0"/>
-              <a:t>hover</a:t>
-            </a:r>
-            <a:endParaRPr lang="fr-FR" sz="800" dirty="0"/>
-          </a:p>
-          <a:p>
-            <a:r>
-              <a:rPr lang="fr-FR" sz="800" dirty="0" smtClean="0"/>
-              <a:t>                            │</a:t>
-            </a:r>
-          </a:p>
-          <a:p>
-            <a:r>
-              <a:rPr lang="fr-FR" sz="800" dirty="0" smtClean="0"/>
-              <a:t>                            │ </a:t>
-            </a:r>
-          </a:p>
-          <a:p>
-            <a:r>
-              <a:rPr lang="fr-FR" sz="800" dirty="0" smtClean="0"/>
-              <a:t>                            ├&amp;--</a:t>
-            </a:r>
-            <a:r>
-              <a:rPr lang="fr-FR" sz="800" dirty="0" err="1" smtClean="0"/>
-              <a:t>ico</a:t>
-            </a:r>
-            <a:endParaRPr lang="fr-FR" sz="800" dirty="0" smtClean="0"/>
-          </a:p>
-          <a:p>
-            <a:r>
-              <a:rPr lang="fr-FR" sz="800" dirty="0" smtClean="0"/>
-              <a:t>                            │</a:t>
-            </a:r>
-          </a:p>
-          <a:p>
-            <a:r>
-              <a:rPr lang="fr-FR" sz="800" dirty="0" smtClean="0"/>
-              <a:t>                            └</a:t>
-            </a:r>
-            <a:r>
-              <a:rPr lang="fr-FR" sz="800" dirty="0"/>
-              <a:t> </a:t>
-            </a:r>
-            <a:r>
-              <a:rPr lang="fr-FR" sz="800" dirty="0" smtClean="0"/>
-              <a:t>&amp;--nombre</a:t>
-            </a:r>
-            <a:endParaRPr lang="fr-FR" sz="800" dirty="0"/>
-          </a:p>
-          <a:p>
-            <a:endParaRPr lang="fr-FR" sz="800" dirty="0" smtClean="0"/>
-          </a:p>
-        </p:txBody>
-      </p:sp>
-      <p:sp>
-        <p:nvSpPr>
-          <p:cNvPr id="10" name="ZoneTexte 9"/>
-          <p:cNvSpPr txBox="1"/>
-          <p:nvPr/>
-        </p:nvSpPr>
-        <p:spPr>
-          <a:xfrm>
-            <a:off x="4000496" y="1571612"/>
-            <a:ext cx="2857520" cy="4401205"/>
-          </a:xfrm>
-          <a:prstGeom prst="rect">
-            <a:avLst/>
-          </a:prstGeom>
-          <a:noFill/>
-        </p:spPr>
-        <p:txBody>
-          <a:bodyPr wrap="square" rtlCol="0">
-            <a:spAutoFit/>
-          </a:bodyPr>
-          <a:lstStyle/>
-          <a:p>
-            <a:r>
-              <a:rPr lang="fr-FR" sz="800" dirty="0"/>
-              <a:t>.</a:t>
-            </a:r>
-            <a:r>
-              <a:rPr lang="fr-FR" sz="800" dirty="0" smtClean="0"/>
-              <a:t>restaurant</a:t>
-            </a:r>
-          </a:p>
-          <a:p>
-            <a:r>
-              <a:rPr lang="fr-FR" sz="800" dirty="0" smtClean="0"/>
-              <a:t>         │</a:t>
-            </a:r>
-          </a:p>
-          <a:p>
-            <a:r>
-              <a:rPr lang="fr-FR" sz="800" dirty="0"/>
-              <a:t> </a:t>
-            </a:r>
-            <a:r>
-              <a:rPr lang="fr-FR" sz="800" dirty="0" smtClean="0"/>
-              <a:t>        └ </a:t>
-            </a:r>
-            <a:r>
-              <a:rPr lang="fr-FR" sz="800" dirty="0" smtClean="0"/>
-              <a:t>&amp;</a:t>
-            </a:r>
-            <a:r>
-              <a:rPr lang="fr-FR" sz="800" dirty="0" err="1" smtClean="0"/>
-              <a:t>__conteneur</a:t>
-            </a:r>
-            <a:endParaRPr lang="fr-FR" sz="800" dirty="0" smtClean="0"/>
-          </a:p>
-          <a:p>
-            <a:r>
-              <a:rPr lang="fr-FR" sz="800" dirty="0"/>
-              <a:t> </a:t>
-            </a:r>
-            <a:r>
-              <a:rPr lang="fr-FR" sz="800" dirty="0" smtClean="0"/>
-              <a:t>               │</a:t>
-            </a:r>
-          </a:p>
-          <a:p>
-            <a:r>
-              <a:rPr lang="fr-FR" sz="800" dirty="0" smtClean="0"/>
-              <a:t>                ├h2</a:t>
-            </a:r>
-          </a:p>
-          <a:p>
-            <a:r>
-              <a:rPr lang="fr-FR" sz="800" dirty="0" smtClean="0"/>
-              <a:t>                │</a:t>
-            </a:r>
-          </a:p>
-          <a:p>
-            <a:r>
-              <a:rPr lang="fr-FR" sz="800" dirty="0" smtClean="0"/>
-              <a:t>                ├ </a:t>
-            </a:r>
-            <a:r>
-              <a:rPr lang="fr-FR" sz="800" dirty="0" err="1" smtClean="0"/>
-              <a:t>ul</a:t>
-            </a:r>
-            <a:endParaRPr lang="fr-FR" sz="800" dirty="0" smtClean="0"/>
-          </a:p>
-          <a:p>
-            <a:r>
-              <a:rPr lang="fr-FR" sz="800" dirty="0"/>
-              <a:t> </a:t>
-            </a:r>
-            <a:r>
-              <a:rPr lang="fr-FR" sz="800" dirty="0" smtClean="0"/>
-              <a:t>               │ │</a:t>
-            </a:r>
-          </a:p>
-          <a:p>
-            <a:r>
-              <a:rPr lang="fr-FR" sz="800" dirty="0" smtClean="0"/>
-              <a:t>                │ └ li</a:t>
-            </a:r>
-          </a:p>
-          <a:p>
-            <a:r>
-              <a:rPr lang="fr-FR" sz="800" dirty="0" smtClean="0"/>
-              <a:t>                │     │</a:t>
-            </a:r>
-            <a:endParaRPr lang="fr-FR" sz="800" dirty="0"/>
-          </a:p>
-          <a:p>
-            <a:r>
-              <a:rPr lang="fr-FR" sz="800" dirty="0" smtClean="0"/>
-              <a:t>                │     ├ </a:t>
-            </a:r>
-            <a:r>
-              <a:rPr lang="fr-FR" sz="800" dirty="0"/>
-              <a:t>@</a:t>
-            </a:r>
-            <a:r>
-              <a:rPr lang="fr-FR" sz="800" dirty="0" smtClean="0"/>
-              <a:t>media</a:t>
-            </a:r>
-            <a:r>
-              <a:rPr lang="fr-FR" sz="800" dirty="0"/>
-              <a:t> (min-</a:t>
-            </a:r>
-            <a:r>
-              <a:rPr lang="fr-FR" sz="800" dirty="0" err="1"/>
-              <a:t>width</a:t>
-            </a:r>
-            <a:r>
-              <a:rPr lang="fr-FR" sz="800" dirty="0"/>
-              <a:t>: 820px</a:t>
-            </a:r>
-            <a:r>
-              <a:rPr lang="fr-FR" sz="800" dirty="0" smtClean="0"/>
-              <a:t>)</a:t>
-            </a:r>
-          </a:p>
-          <a:p>
-            <a:r>
-              <a:rPr lang="fr-FR" sz="800" dirty="0" smtClean="0"/>
-              <a:t>                │     │</a:t>
-            </a:r>
-          </a:p>
-          <a:p>
-            <a:r>
-              <a:rPr lang="fr-FR" sz="800" dirty="0" smtClean="0"/>
-              <a:t>                │     └ @media</a:t>
-            </a:r>
-            <a:r>
-              <a:rPr lang="fr-FR" sz="800" dirty="0"/>
-              <a:t> </a:t>
-            </a:r>
-            <a:r>
-              <a:rPr lang="fr-FR" sz="800" dirty="0" smtClean="0"/>
-              <a:t>(</a:t>
-            </a:r>
-            <a:r>
-              <a:rPr lang="fr-FR" sz="800" dirty="0"/>
-              <a:t>min-</a:t>
-            </a:r>
-            <a:r>
-              <a:rPr lang="fr-FR" sz="800" dirty="0" err="1"/>
-              <a:t>width</a:t>
-            </a:r>
-            <a:r>
-              <a:rPr lang="fr-FR" sz="800" dirty="0"/>
-              <a:t>: 992px</a:t>
-            </a:r>
-            <a:r>
-              <a:rPr lang="fr-FR" sz="800" dirty="0" smtClean="0"/>
-              <a:t>)</a:t>
-            </a:r>
-          </a:p>
-          <a:p>
-            <a:r>
-              <a:rPr lang="fr-FR" sz="800" dirty="0" smtClean="0"/>
-              <a:t>                │ </a:t>
-            </a:r>
-          </a:p>
-          <a:p>
-            <a:r>
-              <a:rPr lang="fr-FR" sz="800" dirty="0" smtClean="0"/>
-              <a:t>                └ </a:t>
-            </a:r>
-            <a:r>
-              <a:rPr lang="fr-FR" sz="800" dirty="0"/>
-              <a:t>&amp;</a:t>
-            </a:r>
-            <a:r>
-              <a:rPr lang="fr-FR" sz="800" dirty="0" err="1"/>
-              <a:t>__carte</a:t>
-            </a:r>
-            <a:r>
-              <a:rPr lang="fr-FR" sz="800" dirty="0"/>
-              <a:t> </a:t>
-            </a:r>
-            <a:endParaRPr lang="fr-FR" sz="800" dirty="0" smtClean="0"/>
-          </a:p>
-          <a:p>
-            <a:r>
-              <a:rPr lang="fr-FR" sz="800" dirty="0" smtClean="0"/>
-              <a:t>                           │</a:t>
-            </a:r>
-          </a:p>
-          <a:p>
-            <a:r>
-              <a:rPr lang="fr-FR" sz="800" dirty="0"/>
-              <a:t> </a:t>
-            </a:r>
-            <a:r>
-              <a:rPr lang="fr-FR" sz="800" dirty="0" smtClean="0"/>
-              <a:t>                          ├</a:t>
-            </a:r>
-            <a:r>
-              <a:rPr lang="fr-FR" sz="800" dirty="0"/>
-              <a:t>&amp;:</a:t>
-            </a:r>
-            <a:r>
-              <a:rPr lang="fr-FR" sz="800" dirty="0" err="1" smtClean="0"/>
-              <a:t>hover</a:t>
-            </a:r>
-            <a:endParaRPr lang="fr-FR" sz="800" dirty="0" smtClean="0"/>
-          </a:p>
-          <a:p>
-            <a:r>
-              <a:rPr lang="fr-FR" sz="800" dirty="0" smtClean="0"/>
-              <a:t>                           │</a:t>
-            </a:r>
-          </a:p>
-          <a:p>
-            <a:r>
-              <a:rPr lang="fr-FR" sz="800" dirty="0" smtClean="0"/>
-              <a:t>                           ├</a:t>
-            </a:r>
-            <a:r>
-              <a:rPr lang="fr-FR" sz="800" dirty="0"/>
-              <a:t>&amp;--</a:t>
-            </a:r>
-            <a:r>
-              <a:rPr lang="fr-FR" sz="800" dirty="0" err="1"/>
-              <a:t>img</a:t>
-            </a:r>
-            <a:endParaRPr lang="fr-FR" sz="800" dirty="0"/>
-          </a:p>
-          <a:p>
-            <a:r>
-              <a:rPr lang="fr-FR" sz="800" dirty="0" smtClean="0"/>
-              <a:t>                           │</a:t>
-            </a:r>
-          </a:p>
-          <a:p>
-            <a:r>
-              <a:rPr lang="fr-FR" sz="800" dirty="0" smtClean="0"/>
-              <a:t>                           ├</a:t>
-            </a:r>
-            <a:r>
-              <a:rPr lang="fr-FR" sz="800" dirty="0"/>
-              <a:t>&amp;--new</a:t>
-            </a:r>
-          </a:p>
-          <a:p>
-            <a:r>
-              <a:rPr lang="fr-FR" sz="800" dirty="0" smtClean="0"/>
-              <a:t>                           │</a:t>
-            </a:r>
-          </a:p>
-          <a:p>
-            <a:r>
-              <a:rPr lang="fr-FR" sz="800" dirty="0" smtClean="0"/>
-              <a:t>                           ├</a:t>
-            </a:r>
-            <a:r>
-              <a:rPr lang="fr-FR" sz="800" dirty="0"/>
-              <a:t>&amp;--</a:t>
-            </a:r>
-            <a:r>
-              <a:rPr lang="fr-FR" sz="800" dirty="0" smtClean="0"/>
-              <a:t>nom</a:t>
-            </a:r>
-          </a:p>
-          <a:p>
-            <a:r>
-              <a:rPr lang="fr-FR" sz="800" dirty="0" smtClean="0"/>
-              <a:t>                           │</a:t>
-            </a:r>
-          </a:p>
-          <a:p>
-            <a:r>
-              <a:rPr lang="fr-FR" sz="800" dirty="0" smtClean="0"/>
-              <a:t>                           ├</a:t>
-            </a:r>
-            <a:r>
-              <a:rPr lang="fr-FR" sz="800" dirty="0"/>
-              <a:t>&amp;--</a:t>
-            </a:r>
-            <a:r>
-              <a:rPr lang="fr-FR" sz="800" dirty="0" smtClean="0"/>
-              <a:t>lieu</a:t>
-            </a:r>
-          </a:p>
-          <a:p>
-            <a:r>
-              <a:rPr lang="fr-FR" sz="800" dirty="0" smtClean="0"/>
-              <a:t>                           │</a:t>
-            </a:r>
-          </a:p>
-          <a:p>
-            <a:r>
-              <a:rPr lang="fr-FR" sz="800" dirty="0" smtClean="0"/>
-              <a:t>                           ├</a:t>
-            </a:r>
-            <a:r>
-              <a:rPr lang="fr-FR" sz="800" dirty="0" err="1" smtClean="0"/>
-              <a:t>span</a:t>
-            </a:r>
-            <a:endParaRPr lang="fr-FR" sz="800" dirty="0" smtClean="0"/>
-          </a:p>
-          <a:p>
-            <a:r>
-              <a:rPr lang="fr-FR" sz="800" dirty="0" smtClean="0"/>
-              <a:t>                           │  │</a:t>
-            </a:r>
-          </a:p>
-          <a:p>
-            <a:r>
-              <a:rPr lang="fr-FR" sz="800" dirty="0" smtClean="0"/>
-              <a:t>                           │  └</a:t>
-            </a:r>
-            <a:r>
-              <a:rPr lang="fr-FR" sz="800" dirty="0"/>
-              <a:t> &amp;:</a:t>
-            </a:r>
-            <a:r>
-              <a:rPr lang="fr-FR" sz="800" dirty="0" smtClean="0"/>
-              <a:t>active</a:t>
-            </a:r>
-          </a:p>
-          <a:p>
-            <a:r>
-              <a:rPr lang="fr-FR" sz="800" dirty="0" smtClean="0"/>
-              <a:t>                           │</a:t>
-            </a:r>
-          </a:p>
-          <a:p>
-            <a:r>
-              <a:rPr lang="fr-FR" sz="800" dirty="0" smtClean="0"/>
-              <a:t>                           ├</a:t>
-            </a:r>
-            <a:r>
-              <a:rPr lang="fr-FR" sz="800" dirty="0"/>
-              <a:t>&amp;--</a:t>
-            </a:r>
-            <a:r>
-              <a:rPr lang="fr-FR" sz="800" dirty="0" smtClean="0"/>
-              <a:t>vide</a:t>
-            </a:r>
-          </a:p>
-          <a:p>
-            <a:r>
-              <a:rPr lang="fr-FR" sz="800" dirty="0" smtClean="0"/>
-              <a:t>                           │</a:t>
-            </a:r>
-          </a:p>
-          <a:p>
-            <a:r>
-              <a:rPr lang="fr-FR" sz="800" dirty="0" smtClean="0"/>
-              <a:t>                           └</a:t>
-            </a:r>
-            <a:r>
-              <a:rPr lang="fr-FR" sz="800" dirty="0"/>
-              <a:t> </a:t>
-            </a:r>
-            <a:r>
-              <a:rPr lang="fr-FR" sz="800" dirty="0" smtClean="0"/>
-              <a:t>&amp;--</a:t>
-            </a:r>
-            <a:r>
-              <a:rPr lang="fr-FR" sz="800" dirty="0"/>
-              <a:t>plein</a:t>
-            </a:r>
-          </a:p>
-          <a:p>
-            <a:endParaRPr lang="fr-FR" sz="800" dirty="0"/>
-          </a:p>
-          <a:p>
-            <a:endParaRPr lang="fr-FR" sz="800" dirty="0" smtClean="0"/>
-          </a:p>
-        </p:txBody>
-      </p:sp>
-      <p:sp>
-        <p:nvSpPr>
-          <p:cNvPr id="11" name="ZoneTexte 10"/>
-          <p:cNvSpPr txBox="1"/>
-          <p:nvPr/>
-        </p:nvSpPr>
-        <p:spPr>
-          <a:xfrm>
-            <a:off x="6715140" y="1571612"/>
-            <a:ext cx="1643074" cy="1938992"/>
-          </a:xfrm>
-          <a:prstGeom prst="rect">
-            <a:avLst/>
-          </a:prstGeom>
-          <a:noFill/>
-        </p:spPr>
-        <p:txBody>
-          <a:bodyPr wrap="square" rtlCol="0">
-            <a:spAutoFit/>
-          </a:bodyPr>
-          <a:lstStyle/>
-          <a:p>
-            <a:r>
-              <a:rPr lang="fr-FR" sz="800" dirty="0" smtClean="0"/>
-              <a:t>.</a:t>
-            </a:r>
-            <a:r>
-              <a:rPr lang="fr-FR" sz="800" dirty="0"/>
-              <a:t> .</a:t>
-            </a:r>
-            <a:r>
-              <a:rPr lang="fr-FR" sz="800" dirty="0" err="1"/>
-              <a:t>footer</a:t>
-            </a:r>
-            <a:r>
-              <a:rPr lang="fr-FR" sz="800" dirty="0"/>
-              <a:t> </a:t>
-            </a:r>
-            <a:endParaRPr lang="fr-FR" sz="800" dirty="0" smtClean="0"/>
-          </a:p>
-          <a:p>
-            <a:r>
-              <a:rPr lang="fr-FR" sz="800" dirty="0" smtClean="0"/>
-              <a:t>      │</a:t>
-            </a:r>
-          </a:p>
-          <a:p>
-            <a:r>
-              <a:rPr lang="fr-FR" sz="800" dirty="0" smtClean="0"/>
-              <a:t>      ├ </a:t>
-            </a:r>
-            <a:r>
-              <a:rPr lang="fr-FR" sz="800" dirty="0" smtClean="0"/>
-              <a:t>conteneur</a:t>
-            </a:r>
-            <a:endParaRPr lang="fr-FR" sz="800" dirty="0" smtClean="0"/>
-          </a:p>
-          <a:p>
-            <a:r>
-              <a:rPr lang="fr-FR" sz="800" dirty="0"/>
-              <a:t>  </a:t>
-            </a:r>
-            <a:r>
-              <a:rPr lang="fr-FR" sz="800" dirty="0" smtClean="0"/>
-              <a:t>    │ │</a:t>
-            </a:r>
-          </a:p>
-          <a:p>
-            <a:r>
-              <a:rPr lang="fr-FR" sz="800" dirty="0" smtClean="0"/>
-              <a:t>      │ └</a:t>
-            </a:r>
-            <a:r>
-              <a:rPr lang="fr-FR" sz="800" dirty="0"/>
-              <a:t> </a:t>
-            </a:r>
-            <a:r>
-              <a:rPr lang="fr-FR" sz="800" dirty="0" err="1" smtClean="0"/>
-              <a:t>img</a:t>
-            </a:r>
-            <a:endParaRPr lang="fr-FR" sz="800" dirty="0" smtClean="0"/>
-          </a:p>
-          <a:p>
-            <a:r>
-              <a:rPr lang="fr-FR" sz="800" dirty="0" smtClean="0"/>
-              <a:t>      │</a:t>
-            </a:r>
-            <a:endParaRPr lang="fr-FR" sz="800" dirty="0"/>
-          </a:p>
-          <a:p>
-            <a:r>
-              <a:rPr lang="fr-FR" sz="800" dirty="0" smtClean="0"/>
-              <a:t>      └</a:t>
-            </a:r>
-            <a:r>
-              <a:rPr lang="fr-FR" sz="800" dirty="0" err="1" smtClean="0"/>
-              <a:t>ul</a:t>
-            </a:r>
-            <a:endParaRPr lang="fr-FR" sz="800" dirty="0" smtClean="0"/>
-          </a:p>
-          <a:p>
-            <a:r>
-              <a:rPr lang="fr-FR" sz="800" dirty="0" smtClean="0"/>
-              <a:t>         │</a:t>
-            </a:r>
-          </a:p>
-          <a:p>
-            <a:r>
-              <a:rPr lang="fr-FR" sz="800" dirty="0" smtClean="0"/>
-              <a:t>         ├ a</a:t>
-            </a:r>
-            <a:endParaRPr lang="fr-FR" sz="800" dirty="0"/>
-          </a:p>
-          <a:p>
-            <a:r>
-              <a:rPr lang="fr-FR" sz="800" dirty="0" smtClean="0"/>
-              <a:t>         │</a:t>
-            </a:r>
-          </a:p>
-          <a:p>
-            <a:r>
-              <a:rPr lang="fr-FR" sz="800" dirty="0" smtClean="0"/>
-              <a:t>         ├ i</a:t>
-            </a:r>
-          </a:p>
-          <a:p>
-            <a:r>
-              <a:rPr lang="fr-FR" sz="800" dirty="0" smtClean="0"/>
-              <a:t>         │</a:t>
-            </a:r>
-          </a:p>
-          <a:p>
-            <a:r>
-              <a:rPr lang="fr-FR" sz="800" dirty="0" smtClean="0"/>
-              <a:t>         └</a:t>
-            </a:r>
-            <a:r>
-              <a:rPr lang="fr-FR" sz="800" dirty="0"/>
-              <a:t>.fa-hands-</a:t>
-            </a:r>
-            <a:r>
-              <a:rPr lang="fr-FR" sz="800" dirty="0" err="1"/>
-              <a:t>helping</a:t>
-            </a:r>
-            <a:endParaRPr lang="fr-FR" sz="800" dirty="0"/>
-          </a:p>
-          <a:p>
-            <a:endParaRPr lang="fr-FR" sz="800" dirty="0" smtClean="0"/>
-          </a:p>
-          <a:p>
-            <a:endParaRPr lang="fr-FR" sz="800" dirty="0" smtClean="0"/>
-          </a:p>
-        </p:txBody>
-      </p:sp>
-      <p:sp>
-        <p:nvSpPr>
-          <p:cNvPr id="12" name="ZoneTexte 11"/>
-          <p:cNvSpPr txBox="1"/>
-          <p:nvPr/>
-        </p:nvSpPr>
-        <p:spPr>
-          <a:xfrm>
-            <a:off x="571472" y="1571612"/>
-            <a:ext cx="1285884" cy="830997"/>
-          </a:xfrm>
-          <a:prstGeom prst="rect">
-            <a:avLst/>
-          </a:prstGeom>
-          <a:noFill/>
-        </p:spPr>
-        <p:txBody>
-          <a:bodyPr wrap="square" rtlCol="0">
-            <a:spAutoFit/>
-          </a:bodyPr>
-          <a:lstStyle/>
-          <a:p>
-            <a:r>
-              <a:rPr lang="fr-FR" sz="800" dirty="0" smtClean="0"/>
-              <a:t>     header</a:t>
-            </a:r>
-          </a:p>
-          <a:p>
-            <a:r>
-              <a:rPr lang="fr-FR" sz="800" dirty="0" smtClean="0"/>
-              <a:t>         │</a:t>
-            </a:r>
-          </a:p>
-          <a:p>
-            <a:r>
-              <a:rPr lang="fr-FR" sz="800" dirty="0"/>
-              <a:t> </a:t>
-            </a:r>
-            <a:r>
-              <a:rPr lang="fr-FR" sz="800" dirty="0" smtClean="0"/>
-              <a:t>        ├ </a:t>
-            </a:r>
-            <a:r>
-              <a:rPr lang="fr-FR" sz="800" dirty="0" err="1" smtClean="0"/>
-              <a:t>img</a:t>
-            </a:r>
-            <a:endParaRPr lang="fr-FR" sz="800" dirty="0" smtClean="0"/>
-          </a:p>
-          <a:p>
-            <a:r>
-              <a:rPr lang="fr-FR" sz="800" dirty="0" smtClean="0"/>
-              <a:t>         │</a:t>
-            </a:r>
-          </a:p>
-          <a:p>
-            <a:r>
-              <a:rPr lang="fr-FR" sz="800" dirty="0" smtClean="0"/>
-              <a:t>         └ h1</a:t>
-            </a:r>
-          </a:p>
-          <a:p>
-            <a:r>
-              <a:rPr lang="fr-FR" sz="800" dirty="0"/>
-              <a:t> </a:t>
-            </a:r>
-            <a:r>
-              <a:rPr lang="fr-FR" sz="800" dirty="0" smtClean="0"/>
-              <a:t>            </a:t>
-            </a:r>
-          </a:p>
-        </p:txBody>
-      </p:sp>
-      <p:sp>
-        <p:nvSpPr>
-          <p:cNvPr id="14" name="ZoneTexte 13"/>
-          <p:cNvSpPr txBox="1"/>
-          <p:nvPr/>
-        </p:nvSpPr>
-        <p:spPr>
-          <a:xfrm>
-            <a:off x="723872" y="1724012"/>
-            <a:ext cx="1285884" cy="830997"/>
-          </a:xfrm>
-          <a:prstGeom prst="rect">
-            <a:avLst/>
-          </a:prstGeom>
-          <a:noFill/>
-        </p:spPr>
-        <p:txBody>
-          <a:bodyPr wrap="square" rtlCol="0">
-            <a:spAutoFit/>
-          </a:bodyPr>
-          <a:lstStyle/>
-          <a:p>
-            <a:r>
-              <a:rPr lang="fr-FR" sz="800" dirty="0" smtClean="0"/>
-              <a:t>     header</a:t>
-            </a:r>
-          </a:p>
-          <a:p>
-            <a:r>
-              <a:rPr lang="fr-FR" sz="800" dirty="0" smtClean="0"/>
-              <a:t>         │</a:t>
-            </a:r>
-          </a:p>
-          <a:p>
-            <a:r>
-              <a:rPr lang="fr-FR" sz="800" dirty="0"/>
-              <a:t> </a:t>
-            </a:r>
-            <a:r>
-              <a:rPr lang="fr-FR" sz="800" dirty="0" smtClean="0"/>
-              <a:t>        ├ </a:t>
-            </a:r>
-            <a:r>
-              <a:rPr lang="fr-FR" sz="800" dirty="0" err="1" smtClean="0"/>
-              <a:t>img</a:t>
-            </a:r>
-            <a:endParaRPr lang="fr-FR" sz="800" dirty="0" smtClean="0"/>
-          </a:p>
-          <a:p>
-            <a:r>
-              <a:rPr lang="fr-FR" sz="800" dirty="0" smtClean="0"/>
-              <a:t>         │</a:t>
-            </a:r>
-          </a:p>
-          <a:p>
-            <a:r>
-              <a:rPr lang="fr-FR" sz="800" dirty="0" smtClean="0"/>
-              <a:t>         └ h1</a:t>
-            </a:r>
-          </a:p>
-          <a:p>
-            <a:r>
-              <a:rPr lang="fr-FR" sz="800" dirty="0"/>
-              <a:t> </a:t>
-            </a:r>
-            <a:r>
-              <a:rPr lang="fr-FR" sz="800" dirty="0" smtClean="0"/>
-              <a:t>            </a:t>
-            </a:r>
           </a:p>
         </p:txBody>
       </p:sp>
@@ -5954,6 +7159,139 @@
       </p:grpSpPr>
       <p:sp>
         <p:nvSpPr>
+          <p:cNvPr id="2" name="Espace réservé du contenu 1"/>
+          <p:cNvSpPr>
+            <a:spLocks noGrp="1"/>
+          </p:cNvSpPr>
+          <p:nvPr>
+            <p:ph idx="1"/>
+          </p:nvPr>
+        </p:nvSpPr>
+        <p:spPr/>
+        <p:txBody>
+          <a:bodyPr>
+            <a:normAutofit lnSpcReduction="10000"/>
+          </a:bodyPr>
+          <a:lstStyle/>
+          <a:p>
+            <a:r>
+              <a:rPr lang="fr-FR" sz="1500" dirty="0" smtClean="0"/>
+              <a:t>La polices utiliser seras:</a:t>
+            </a:r>
+          </a:p>
+          <a:p>
+            <a:pPr lvl="1"/>
+            <a:r>
+              <a:rPr lang="fr-FR" sz="1500" dirty="0" smtClean="0"/>
+              <a:t>Logo et titres: </a:t>
+            </a:r>
+            <a:r>
+              <a:rPr lang="fr-FR" sz="1500" dirty="0" err="1" smtClean="0"/>
+              <a:t>Shrikhand</a:t>
+            </a:r>
+            <a:r>
+              <a:rPr lang="fr-FR" sz="1500" dirty="0" smtClean="0"/>
+              <a:t>.</a:t>
+            </a:r>
+          </a:p>
+          <a:p>
+            <a:pPr lvl="1"/>
+            <a:r>
+              <a:rPr lang="fr-FR" sz="1500" dirty="0" smtClean="0"/>
+              <a:t>Texte: </a:t>
+            </a:r>
+            <a:r>
+              <a:rPr lang="fr-FR" sz="1500" dirty="0" err="1" smtClean="0"/>
+              <a:t>Roboto</a:t>
+            </a:r>
+            <a:r>
+              <a:rPr lang="fr-FR" sz="1500" dirty="0" smtClean="0"/>
+              <a:t>.</a:t>
+            </a:r>
+          </a:p>
+          <a:p>
+            <a:r>
+              <a:rPr lang="fr-FR" sz="1500" dirty="0" smtClean="0"/>
+              <a:t>Les couleurs serons:</a:t>
+            </a:r>
+          </a:p>
+          <a:p>
+            <a:pPr lvl="1"/>
+            <a:r>
+              <a:rPr lang="fr-FR" sz="1500" dirty="0" smtClean="0"/>
+              <a:t>Primaire:#9356DC.</a:t>
+            </a:r>
+          </a:p>
+          <a:p>
+            <a:pPr lvl="1"/>
+            <a:r>
+              <a:rPr lang="fr-FR" sz="1500" dirty="0" smtClean="0"/>
+              <a:t>Secondaire:#FF79DA.</a:t>
+            </a:r>
+          </a:p>
+          <a:p>
+            <a:pPr lvl="1"/>
+            <a:r>
+              <a:rPr lang="fr-FR" sz="1500" dirty="0" smtClean="0"/>
+              <a:t>Tertiaire:#99E2D0.</a:t>
+            </a:r>
+          </a:p>
+          <a:p>
+            <a:r>
+              <a:rPr lang="fr-FR" sz="1500" dirty="0" smtClean="0"/>
+              <a:t>le site sera développé en utilisant l’approche mobile-first.</a:t>
+            </a:r>
+          </a:p>
+          <a:p>
+            <a:r>
+              <a:rPr lang="fr-FR" sz="1500" dirty="0" err="1" smtClean="0"/>
+              <a:t>Aﬃchage</a:t>
+            </a:r>
+            <a:r>
+              <a:rPr lang="fr-FR" sz="1500" dirty="0" smtClean="0"/>
+              <a:t> de la localisation des restaurants. À terme il sera possible de choisir sa localisation.</a:t>
+            </a:r>
+          </a:p>
+          <a:p>
+            <a:r>
+              <a:rPr lang="fr-FR" sz="1500" dirty="0" smtClean="0"/>
+              <a:t>Une section contenant les 4 menus sous forme de cartes. Au clic sur la carte, l’utilisateur est redirigé vers la page du menu.</a:t>
+            </a:r>
+          </a:p>
+          <a:p>
+            <a:r>
+              <a:rPr lang="fr-FR" sz="1500" dirty="0" smtClean="0"/>
+              <a:t>Le footer est identique sur toutes les pages. Au clic sur “Contact”, un renvoi vers une adresse mail est effectué.</a:t>
+            </a:r>
+            <a:r>
+              <a:rPr lang="pt-BR" sz="1500" dirty="0" smtClean="0"/>
+              <a:t> (pour se fair j’ai utilisé href=</a:t>
+            </a:r>
+            <a:r>
+              <a:rPr lang="pt-BR" sz="1500" dirty="0" smtClean="0">
+                <a:hlinkClick r:id="rId2"/>
+              </a:rPr>
+              <a:t>mailto:votrenom@bidule.com</a:t>
+            </a:r>
+            <a:r>
+              <a:rPr lang="pt-BR" sz="1500" dirty="0" smtClean="0"/>
+              <a:t>)</a:t>
+            </a:r>
+            <a:endParaRPr lang="fr-FR" sz="1500" dirty="0" smtClean="0"/>
+          </a:p>
+          <a:p>
+            <a:r>
+              <a:rPr lang="fr-FR" sz="1500" dirty="0" smtClean="0"/>
+              <a:t>Le header est présent sur toutes les pages. Sur la page d’accueil, il contient le logo du site. Sur les pages de menu, il contient en plus un bouton de retour vers la page d’accueil</a:t>
+            </a:r>
+          </a:p>
+          <a:p>
+            <a:endParaRPr lang="fr-FR" sz="2000" dirty="0"/>
+          </a:p>
+        </p:txBody>
+      </p:sp>
+      <p:sp>
+        <p:nvSpPr>
           <p:cNvPr id="3" name="Titre 2"/>
           <p:cNvSpPr>
             <a:spLocks noGrp="1"/>
@@ -5967,599 +7305,1321 @@
           <a:bodyPr/>
           <a:lstStyle/>
           <a:p>
-            <a:pPr algn="ctr"/>
+            <a:r>
+              <a:rPr lang="fr-FR" dirty="0" err="1" smtClean="0"/>
+              <a:t>Spéciﬁcations</a:t>
+            </a:r>
             <a:r>
               <a:rPr lang="fr-FR" dirty="0" smtClean="0"/>
-              <a:t>Page des restaurants</a:t>
+              <a:t> techniques:</a:t>
             </a:r>
             <a:endParaRPr lang="fr-FR" dirty="0"/>
           </a:p>
         </p:txBody>
       </p:sp>
-      <p:sp>
-        <p:nvSpPr>
-          <p:cNvPr id="5" name="ZoneTexte 4"/>
-          <p:cNvSpPr txBox="1"/>
-          <p:nvPr/>
-        </p:nvSpPr>
-        <p:spPr>
-          <a:xfrm>
-            <a:off x="214282" y="1428736"/>
-            <a:ext cx="1430200" cy="1446550"/>
-          </a:xfrm>
-          <a:prstGeom prst="rect">
-            <a:avLst/>
-          </a:prstGeom>
-          <a:noFill/>
-        </p:spPr>
-        <p:txBody>
-          <a:bodyPr wrap="none" rtlCol="0">
-            <a:spAutoFit/>
+    </p:spTree>
+  </p:cSld>
+  <p:clrMapOvr>
+    <a:masterClrMapping/>
+  </p:clrMapOvr>
+</p:sld>
+</file>
+
+<file path=ppt/slides/slide5.xml><?xml version="1.0" encoding="utf-8"?>
+<p:sld xmlns:a="http://schemas.openxmlformats.org/drawingml/2006/main" xmlns:r="http://schemas.openxmlformats.org/officeDocument/2006/relationships" xmlns:p="http://schemas.openxmlformats.org/presentationml/2006/main">
+  <p:cSld>
+    <p:spTree>
+      <p:nvGrpSpPr>
+        <p:cNvPr id="1" name=""/>
+        <p:cNvGrpSpPr/>
+        <p:nvPr/>
+      </p:nvGrpSpPr>
+      <p:grpSpPr>
+        <a:xfrm>
+          <a:off x="0" y="0"/>
+          <a:ext cx="0" cy="0"/>
+          <a:chOff x="0" y="0"/>
+          <a:chExt cx="0" cy="0"/>
+        </a:xfrm>
+      </p:grpSpPr>
+      <p:sp>
+        <p:nvSpPr>
+          <p:cNvPr id="2" name="Espace réservé du contenu 1"/>
+          <p:cNvSpPr>
+            <a:spLocks noGrp="1"/>
+          </p:cNvSpPr>
+          <p:nvPr>
+            <p:ph idx="1"/>
+          </p:nvPr>
+        </p:nvSpPr>
+        <p:spPr/>
+        <p:txBody>
+          <a:bodyPr>
+            <a:normAutofit/>
           </a:bodyPr>
           <a:lstStyle/>
           <a:p>
             <a:r>
-              <a:rPr lang="fr-FR" sz="800" dirty="0" smtClean="0"/>
-              <a:t>main-menu</a:t>
-            </a:r>
-          </a:p>
-          <a:p>
-            <a:r>
-              <a:rPr lang="fr-FR" sz="800" dirty="0" smtClean="0"/>
-              <a:t>       │</a:t>
-            </a:r>
-          </a:p>
-          <a:p>
-            <a:r>
-              <a:rPr lang="fr-FR" sz="800" dirty="0" smtClean="0"/>
-              <a:t>       └&amp;</a:t>
-            </a:r>
-            <a:r>
-              <a:rPr lang="fr-FR" sz="800" dirty="0" err="1" smtClean="0"/>
-              <a:t>__titre</a:t>
-            </a:r>
-            <a:endParaRPr lang="fr-FR" sz="800" dirty="0" smtClean="0"/>
-          </a:p>
-          <a:p>
-            <a:r>
-              <a:rPr lang="fr-FR" sz="800" dirty="0"/>
-              <a:t> </a:t>
-            </a:r>
-            <a:r>
-              <a:rPr lang="fr-FR" sz="800" dirty="0" smtClean="0"/>
-              <a:t>             │</a:t>
-            </a:r>
-          </a:p>
-          <a:p>
-            <a:r>
-              <a:rPr lang="fr-FR" sz="800" dirty="0" smtClean="0"/>
-              <a:t>              ├h1</a:t>
-            </a:r>
-          </a:p>
-          <a:p>
-            <a:r>
-              <a:rPr lang="fr-FR" sz="800" dirty="0" smtClean="0"/>
-              <a:t>              │</a:t>
-            </a:r>
-          </a:p>
-          <a:p>
-            <a:r>
-              <a:rPr lang="fr-FR" sz="800" dirty="0" smtClean="0"/>
-              <a:t>              └&amp;</a:t>
-            </a:r>
-            <a:r>
-              <a:rPr lang="fr-FR" sz="800" dirty="0" err="1" smtClean="0"/>
-              <a:t>__coeur</a:t>
-            </a:r>
-            <a:endParaRPr lang="fr-FR" sz="800" dirty="0" smtClean="0"/>
-          </a:p>
-          <a:p>
-            <a:r>
-              <a:rPr lang="fr-FR" sz="800" dirty="0" smtClean="0"/>
-              <a:t>                      │</a:t>
-            </a:r>
-          </a:p>
-          <a:p>
-            <a:r>
-              <a:rPr lang="fr-FR" sz="800" dirty="0" smtClean="0"/>
-              <a:t>                      ├&amp;--vide</a:t>
-            </a:r>
-          </a:p>
-          <a:p>
-            <a:r>
-              <a:rPr lang="fr-FR" sz="800" dirty="0" smtClean="0"/>
-              <a:t>                      │</a:t>
-            </a:r>
-          </a:p>
-          <a:p>
-            <a:r>
-              <a:rPr lang="fr-FR" sz="800" dirty="0" smtClean="0"/>
-              <a:t>                      └&amp;--plein</a:t>
-            </a:r>
-            <a:endParaRPr lang="fr-FR" sz="800" dirty="0"/>
-          </a:p>
-        </p:txBody>
-      </p:sp>
-      <p:sp>
-        <p:nvSpPr>
-          <p:cNvPr id="6" name="ZoneTexte 5"/>
-          <p:cNvSpPr txBox="1"/>
-          <p:nvPr/>
-        </p:nvSpPr>
-        <p:spPr>
-          <a:xfrm>
-            <a:off x="1857356" y="1428736"/>
-            <a:ext cx="4000528" cy="4401205"/>
-          </a:xfrm>
-          <a:prstGeom prst="rect">
-            <a:avLst/>
-          </a:prstGeom>
-          <a:noFill/>
-        </p:spPr>
-        <p:txBody>
-          <a:bodyPr wrap="square" rtlCol="0">
-            <a:spAutoFit/>
+              <a:rPr lang="fr-FR" sz="1600" dirty="0" smtClean="0"/>
+              <a:t>En ce qui concerne mais bouton </a:t>
+            </a:r>
+          </a:p>
+          <a:p>
+            <a:r>
+              <a:rPr lang="fr-FR" sz="1600" dirty="0" smtClean="0"/>
+              <a:t>pour le dégrader j’applique  un:</a:t>
+            </a:r>
+          </a:p>
+          <a:p>
+            <a:pPr lvl="1"/>
+            <a:r>
+              <a:rPr lang="fr-FR" sz="1200" dirty="0" smtClean="0"/>
+              <a:t>background: </a:t>
+            </a:r>
+            <a:r>
+              <a:rPr lang="fr-FR" sz="1200" dirty="0" err="1" smtClean="0"/>
+              <a:t>linear</a:t>
+            </a:r>
+            <a:r>
+              <a:rPr lang="fr-FR" sz="1200" dirty="0" smtClean="0"/>
+              <a:t>-gradient(164deg, #ff79da 0%, #9356dc 80%)</a:t>
+            </a:r>
+          </a:p>
+          <a:p>
+            <a:pPr lvl="1"/>
+            <a:r>
+              <a:rPr lang="fr-FR" sz="1200" dirty="0" smtClean="0"/>
+              <a:t>Je me suis servie du site https://cssgradient.io/ </a:t>
+            </a:r>
+          </a:p>
+          <a:p>
+            <a:pPr lvl="1">
+              <a:buNone/>
+            </a:pPr>
+            <a:r>
+              <a:rPr lang="fr-FR" sz="1200" dirty="0" smtClean="0"/>
+              <a:t>	pour faire mes essaie pour que cela corresponde le plus possible à ma maquette.</a:t>
+            </a:r>
+          </a:p>
+          <a:p>
+            <a:r>
+              <a:rPr lang="fr-FR" sz="1600" dirty="0" smtClean="0"/>
+              <a:t>En se qui concerne la box </a:t>
+            </a:r>
+            <a:r>
+              <a:rPr lang="fr-FR" sz="1600" dirty="0" err="1" smtClean="0"/>
+              <a:t>shadow</a:t>
+            </a:r>
+            <a:r>
+              <a:rPr lang="fr-FR" sz="1600" dirty="0" smtClean="0"/>
+              <a:t> j’applique :</a:t>
+            </a:r>
+          </a:p>
+          <a:p>
+            <a:pPr lvl="1"/>
+            <a:r>
+              <a:rPr lang="fr-FR" sz="1200" dirty="0" smtClean="0"/>
+              <a:t>box-</a:t>
+            </a:r>
+            <a:r>
+              <a:rPr lang="fr-FR" sz="1200" dirty="0" err="1" smtClean="0"/>
+              <a:t>shadow</a:t>
+            </a:r>
+            <a:r>
+              <a:rPr lang="fr-FR" sz="1200" dirty="0" smtClean="0"/>
+              <a:t>: </a:t>
+            </a:r>
+            <a:r>
+              <a:rPr lang="fr-FR" sz="1200" dirty="0" err="1" smtClean="0"/>
+              <a:t>rgb</a:t>
+            </a:r>
+            <a:r>
+              <a:rPr lang="fr-FR" sz="1200" dirty="0" smtClean="0"/>
+              <a:t>(50 </a:t>
+            </a:r>
+            <a:r>
+              <a:rPr lang="fr-FR" sz="1200" dirty="0" err="1" smtClean="0"/>
+              <a:t>50</a:t>
+            </a:r>
+            <a:r>
+              <a:rPr lang="fr-FR" sz="1200" dirty="0" smtClean="0"/>
+              <a:t> 93 / 25%) 0px 30px 60px -12px, </a:t>
+            </a:r>
+            <a:r>
+              <a:rPr lang="fr-FR" sz="1200" dirty="0" err="1" smtClean="0"/>
+              <a:t>rgb</a:t>
+            </a:r>
+            <a:r>
+              <a:rPr lang="fr-FR" sz="1200" dirty="0" smtClean="0"/>
+              <a:t>(0 0 0 / 30%) 0px 18px 36px -18px;</a:t>
+            </a:r>
+          </a:p>
+          <a:p>
+            <a:pPr lvl="1"/>
+            <a:r>
+              <a:rPr lang="fr-FR" sz="1200" dirty="0" smtClean="0"/>
+              <a:t>Je me suis servie du site </a:t>
+            </a:r>
+            <a:r>
+              <a:rPr lang="fr-FR" sz="1200" dirty="0" smtClean="0">
+                <a:hlinkClick r:id="rId2"/>
+              </a:rPr>
+              <a:t>https://getcssscan.com/css-box-shadow-examples</a:t>
+            </a:r>
+            <a:r>
+              <a:rPr lang="fr-FR" sz="1200" dirty="0" smtClean="0"/>
+              <a:t>.</a:t>
+            </a:r>
+          </a:p>
+          <a:p>
+            <a:r>
+              <a:rPr lang="fr-FR" sz="1600" dirty="0" smtClean="0"/>
+              <a:t> Pour l’ éclaircissement du  bouton j’utilise un:</a:t>
+            </a:r>
+          </a:p>
+          <a:p>
+            <a:pPr lvl="1"/>
+            <a:r>
+              <a:rPr lang="fr-FR" sz="1200" dirty="0" err="1" smtClean="0"/>
+              <a:t>filter</a:t>
+            </a:r>
+            <a:r>
+              <a:rPr lang="fr-FR" sz="1200" dirty="0" smtClean="0"/>
+              <a:t>: </a:t>
+            </a:r>
+            <a:r>
+              <a:rPr lang="fr-FR" sz="1200" dirty="0" err="1" smtClean="0"/>
+              <a:t>brightness</a:t>
+            </a:r>
+            <a:r>
+              <a:rPr lang="fr-FR" sz="1200" dirty="0" smtClean="0"/>
+              <a:t>(1.1);</a:t>
+            </a:r>
+            <a:endParaRPr lang="fr-FR" sz="1200" dirty="0"/>
+          </a:p>
+        </p:txBody>
+      </p:sp>
+      <p:sp>
+        <p:nvSpPr>
+          <p:cNvPr id="3" name="Titre 2"/>
+          <p:cNvSpPr>
+            <a:spLocks noGrp="1"/>
+          </p:cNvSpPr>
+          <p:nvPr>
+            <p:ph type="title"/>
+          </p:nvPr>
+        </p:nvSpPr>
+        <p:spPr/>
+        <p:txBody>
+          <a:bodyPr/>
+          <a:lstStyle/>
+          <a:p>
+            <a:r>
+              <a:rPr lang="fr-FR" sz="4400" dirty="0" smtClean="0"/>
+              <a:t>Les boutons principaux</a:t>
+            </a:r>
+            <a:endParaRPr lang="fr-FR" dirty="0"/>
+          </a:p>
+        </p:txBody>
+      </p:sp>
+    </p:spTree>
+  </p:cSld>
+  <p:clrMapOvr>
+    <a:masterClrMapping/>
+  </p:clrMapOvr>
+</p:sld>
+</file>
+
+<file path=ppt/slides/slide6.xml><?xml version="1.0" encoding="utf-8"?>
+<p:sld xmlns:a="http://schemas.openxmlformats.org/drawingml/2006/main" xmlns:r="http://schemas.openxmlformats.org/officeDocument/2006/relationships" xmlns:p="http://schemas.openxmlformats.org/presentationml/2006/main">
+  <p:cSld>
+    <p:spTree>
+      <p:nvGrpSpPr>
+        <p:cNvPr id="1" name=""/>
+        <p:cNvGrpSpPr/>
+        <p:nvPr/>
+      </p:nvGrpSpPr>
+      <p:grpSpPr>
+        <a:xfrm>
+          <a:off x="0" y="0"/>
+          <a:ext cx="0" cy="0"/>
+          <a:chOff x="0" y="0"/>
+          <a:chExt cx="0" cy="0"/>
+        </a:xfrm>
+      </p:grpSpPr>
+      <p:sp>
+        <p:nvSpPr>
+          <p:cNvPr id="2" name="Espace réservé du contenu 1"/>
+          <p:cNvSpPr>
+            <a:spLocks noGrp="1"/>
+          </p:cNvSpPr>
+          <p:nvPr>
+            <p:ph idx="1"/>
+          </p:nvPr>
+        </p:nvSpPr>
+        <p:spPr/>
+        <p:txBody>
+          <a:bodyPr>
+            <a:normAutofit fontScale="92500" lnSpcReduction="20000"/>
           </a:bodyPr>
           <a:lstStyle/>
           <a:p>
             <a:r>
-              <a:rPr lang="fr-FR" sz="800" dirty="0" smtClean="0"/>
-              <a:t>	.carte</a:t>
-            </a:r>
-          </a:p>
-          <a:p>
-            <a:r>
-              <a:rPr lang="fr-FR" sz="800" dirty="0" smtClean="0"/>
-              <a:t>	│</a:t>
-            </a:r>
-          </a:p>
-          <a:p>
-            <a:r>
-              <a:rPr lang="fr-FR" sz="800" dirty="0" smtClean="0"/>
-              <a:t>	├@media</a:t>
-            </a:r>
-          </a:p>
-          <a:p>
-            <a:r>
-              <a:rPr lang="fr-FR" sz="800" dirty="0" smtClean="0"/>
-              <a:t>	│</a:t>
-            </a:r>
-          </a:p>
-          <a:p>
-            <a:r>
-              <a:rPr lang="fr-FR" sz="800" dirty="0" smtClean="0"/>
-              <a:t>	└&amp;</a:t>
-            </a:r>
-            <a:r>
-              <a:rPr lang="fr-FR" sz="800" dirty="0" err="1" smtClean="0"/>
-              <a:t>__menu</a:t>
-            </a:r>
-            <a:endParaRPr lang="fr-FR" sz="800" dirty="0" smtClean="0"/>
-          </a:p>
-          <a:p>
-            <a:r>
-              <a:rPr lang="fr-FR" sz="800" dirty="0" smtClean="0"/>
-              <a:t>	         │</a:t>
-            </a:r>
-          </a:p>
-          <a:p>
-            <a:r>
-              <a:rPr lang="fr-FR" sz="800" dirty="0" smtClean="0"/>
-              <a:t>	         ├@media</a:t>
-            </a:r>
-          </a:p>
-          <a:p>
-            <a:r>
-              <a:rPr lang="fr-FR" sz="800" dirty="0" smtClean="0"/>
-              <a:t>	         │		</a:t>
-            </a:r>
-          </a:p>
-          <a:p>
-            <a:r>
-              <a:rPr lang="fr-FR" sz="800" dirty="0" smtClean="0"/>
-              <a:t>	         ├  h2</a:t>
-            </a:r>
-          </a:p>
-          <a:p>
-            <a:r>
-              <a:rPr lang="fr-FR" sz="800" dirty="0" smtClean="0"/>
-              <a:t>	         │  │</a:t>
-            </a:r>
-          </a:p>
-          <a:p>
-            <a:r>
-              <a:rPr lang="fr-FR" sz="800" dirty="0" smtClean="0"/>
-              <a:t>	         │  └&amp;</a:t>
-            </a:r>
-            <a:r>
-              <a:rPr lang="fr-FR" sz="800" dirty="0" err="1" smtClean="0"/>
-              <a:t>after</a:t>
-            </a:r>
-            <a:endParaRPr lang="fr-FR" sz="800" dirty="0" smtClean="0"/>
-          </a:p>
-          <a:p>
-            <a:r>
-              <a:rPr lang="fr-FR" sz="800" dirty="0" smtClean="0"/>
-              <a:t>	         │</a:t>
-            </a:r>
-          </a:p>
-          <a:p>
-            <a:r>
-              <a:rPr lang="fr-FR" sz="800" dirty="0" smtClean="0"/>
-              <a:t>	         ├&amp;plat</a:t>
-            </a:r>
-          </a:p>
-          <a:p>
-            <a:r>
-              <a:rPr lang="fr-FR" sz="800" dirty="0" smtClean="0"/>
-              <a:t>	         │  │</a:t>
-            </a:r>
-          </a:p>
-          <a:p>
-            <a:r>
-              <a:rPr lang="fr-FR" sz="800" dirty="0" smtClean="0"/>
-              <a:t>	         │  ├&amp;:</a:t>
-            </a:r>
-            <a:r>
-              <a:rPr lang="fr-FR" sz="800" dirty="0" err="1" smtClean="0"/>
+              <a:rPr lang="fr-FR" sz="1900" dirty="0" smtClean="0"/>
+              <a:t>En ce qui concerne les </a:t>
+            </a:r>
+            <a:r>
+              <a:rPr lang="fr-FR" sz="1900" dirty="0" err="1" smtClean="0"/>
+              <a:t>likes</a:t>
+            </a:r>
+            <a:r>
+              <a:rPr lang="fr-FR" sz="1900" dirty="0" smtClean="0"/>
+              <a:t>:</a:t>
+            </a:r>
+          </a:p>
+          <a:p>
+            <a:r>
+              <a:rPr lang="fr-FR" sz="1900" dirty="0" smtClean="0"/>
+              <a:t>J’ai imbriquer mes 2 logos de cœur en position: </a:t>
+            </a:r>
+            <a:r>
+              <a:rPr lang="fr-FR" sz="1900" dirty="0" err="1" smtClean="0"/>
+              <a:t>absolute</a:t>
+            </a:r>
+            <a:r>
+              <a:rPr lang="fr-FR" sz="1900" dirty="0" smtClean="0"/>
+              <a:t>; pour pouvoir les superposer et le placer a l’endroit souhaiter sur ma carte.</a:t>
+            </a:r>
+          </a:p>
+          <a:p>
+            <a:r>
+              <a:rPr lang="fr-FR" sz="1900" dirty="0" smtClean="0"/>
+              <a:t>Pour le 2</a:t>
+            </a:r>
+            <a:r>
+              <a:rPr lang="fr-FR" sz="1900" baseline="30000" dirty="0" smtClean="0"/>
+              <a:t>nd</a:t>
+            </a:r>
+            <a:r>
+              <a:rPr lang="fr-FR" sz="1900" dirty="0" smtClean="0"/>
+              <a:t> cœur je lui ai appliquer un </a:t>
+            </a:r>
+            <a:r>
+              <a:rPr lang="fr-FR" sz="1900" dirty="0" err="1" smtClean="0"/>
+              <a:t>opacity</a:t>
+            </a:r>
+            <a:r>
+              <a:rPr lang="fr-FR" sz="1900" dirty="0" smtClean="0"/>
+              <a:t>: 0;pour que il soit invisible </a:t>
+            </a:r>
+          </a:p>
+          <a:p>
+            <a:r>
+              <a:rPr lang="fr-FR" sz="1900" dirty="0" smtClean="0"/>
+              <a:t>En ce qui concerne le </a:t>
+            </a:r>
+            <a:r>
+              <a:rPr lang="fr-FR" sz="1900" dirty="0" err="1" smtClean="0"/>
               <a:t>hover</a:t>
             </a:r>
             <a:r>
-              <a:rPr lang="fr-FR" sz="800" dirty="0" smtClean="0"/>
-              <a:t> .</a:t>
-            </a:r>
-            <a:r>
-              <a:rPr lang="fr-FR" sz="800" dirty="0" err="1" smtClean="0"/>
-              <a:t>carte__menu__plat__acc_prix</a:t>
-            </a:r>
-            <a:endParaRPr lang="fr-FR" sz="800" dirty="0" smtClean="0"/>
-          </a:p>
-          <a:p>
-            <a:r>
-              <a:rPr lang="fr-FR" sz="800" dirty="0" smtClean="0"/>
-              <a:t>	         │  │</a:t>
-            </a:r>
-          </a:p>
-          <a:p>
-            <a:r>
-              <a:rPr lang="fr-FR" sz="800" dirty="0" smtClean="0"/>
-              <a:t>	         │  ├&amp;:</a:t>
-            </a:r>
-            <a:r>
-              <a:rPr lang="fr-FR" sz="800" dirty="0" err="1" smtClean="0"/>
-              <a:t>hover</a:t>
-            </a:r>
-            <a:r>
-              <a:rPr lang="fr-FR" sz="800" dirty="0" smtClean="0"/>
-              <a:t> .</a:t>
-            </a:r>
-            <a:r>
-              <a:rPr lang="fr-FR" sz="800" dirty="0" err="1" smtClean="0"/>
-              <a:t>carte__menu__plat__cache</a:t>
-            </a:r>
-            <a:endParaRPr lang="fr-FR" sz="800" dirty="0" smtClean="0"/>
-          </a:p>
-          <a:p>
-            <a:r>
-              <a:rPr lang="fr-FR" sz="800" dirty="0" smtClean="0"/>
-              <a:t>	         │  │</a:t>
-            </a:r>
-          </a:p>
-          <a:p>
-            <a:r>
-              <a:rPr lang="fr-FR" sz="800" dirty="0" smtClean="0"/>
-              <a:t>	         │  ├&amp;:</a:t>
-            </a:r>
-            <a:r>
-              <a:rPr lang="fr-FR" sz="800" dirty="0" err="1" smtClean="0"/>
-              <a:t>hover</a:t>
-            </a:r>
-            <a:r>
-              <a:rPr lang="fr-FR" sz="800" dirty="0" smtClean="0"/>
-              <a:t> .</a:t>
-            </a:r>
-            <a:r>
-              <a:rPr lang="fr-FR" sz="800" dirty="0" err="1" smtClean="0"/>
-              <a:t>carte__menu__plat__cache</a:t>
-            </a:r>
-            <a:r>
-              <a:rPr lang="fr-FR" sz="800" dirty="0" smtClean="0"/>
-              <a:t>--check</a:t>
-            </a:r>
-          </a:p>
-          <a:p>
-            <a:r>
-              <a:rPr lang="fr-FR" sz="800" dirty="0" smtClean="0"/>
-              <a:t>	         │  │</a:t>
-            </a:r>
-          </a:p>
-          <a:p>
-            <a:r>
-              <a:rPr lang="fr-FR" sz="800" dirty="0" smtClean="0"/>
-              <a:t>	         │</a:t>
-            </a:r>
-            <a:r>
-              <a:rPr lang="fr-FR" sz="800" dirty="0"/>
+              <a:rPr lang="fr-FR" sz="1900" dirty="0" smtClean="0"/>
+              <a:t>:</a:t>
+            </a:r>
+          </a:p>
+          <a:p>
+            <a:r>
+              <a:rPr lang="fr-FR" sz="1900" dirty="0" smtClean="0"/>
+              <a:t>Pour le 1</a:t>
+            </a:r>
+            <a:r>
+              <a:rPr lang="fr-FR" sz="1900" baseline="30000" dirty="0" smtClean="0"/>
+              <a:t>er</a:t>
+            </a:r>
+            <a:r>
+              <a:rPr lang="fr-FR" sz="1900" dirty="0" smtClean="0"/>
+              <a:t> cœur je lui applique :</a:t>
+            </a:r>
+          </a:p>
+          <a:p>
+            <a:pPr lvl="1"/>
+            <a:r>
+              <a:rPr lang="en-US" sz="1500" dirty="0" smtClean="0"/>
+              <a:t>color: transparent;</a:t>
+            </a:r>
+          </a:p>
+          <a:p>
+            <a:pPr lvl="1"/>
+            <a:r>
+              <a:rPr lang="en-US" sz="1500" dirty="0" smtClean="0"/>
+              <a:t>transition: all 0.5s;</a:t>
+            </a:r>
+            <a:endParaRPr lang="fr-FR" sz="1500" dirty="0" smtClean="0"/>
+          </a:p>
+          <a:p>
+            <a:r>
+              <a:rPr lang="fr-FR" sz="1900" dirty="0" smtClean="0"/>
+              <a:t>Et pour le 2em je lui ai </a:t>
+            </a:r>
+            <a:r>
+              <a:rPr lang="fr-FR" sz="1900" dirty="0" err="1" smtClean="0"/>
+              <a:t>aplliqué</a:t>
+            </a:r>
+            <a:r>
+              <a:rPr lang="fr-FR" sz="1900" dirty="0" smtClean="0"/>
+              <a:t>:</a:t>
+            </a:r>
+            <a:r>
+              <a:rPr lang="en-US" dirty="0" smtClean="0"/>
+              <a:t>	</a:t>
+            </a:r>
+          </a:p>
+          <a:p>
+            <a:pPr lvl="1"/>
+            <a:r>
+              <a:rPr lang="en-US" sz="1500" dirty="0" smtClean="0"/>
+              <a:t>background: linear-gradient(164deg, #ff79da 0%, #9356dc 80%);</a:t>
+            </a:r>
+          </a:p>
+          <a:p>
+            <a:pPr lvl="1">
+              <a:buNone/>
+            </a:pPr>
+            <a:r>
+              <a:rPr lang="en-US" sz="1500" dirty="0" smtClean="0"/>
+              <a:t>	(</a:t>
+            </a:r>
+            <a:r>
+              <a:rPr lang="en-US" sz="1500" dirty="0" err="1" smtClean="0"/>
+              <a:t>même</a:t>
+            </a:r>
+            <a:r>
+              <a:rPr lang="en-US" sz="1500" dirty="0" smtClean="0"/>
               <a:t> </a:t>
             </a:r>
             <a:r>
-              <a:rPr lang="fr-FR" sz="800" dirty="0" smtClean="0"/>
-              <a:t> ├ &amp;</a:t>
-            </a:r>
-            <a:r>
-              <a:rPr lang="fr-FR" sz="800" dirty="0" err="1" smtClean="0"/>
-              <a:t>__acc_prix</a:t>
-            </a:r>
-            <a:endParaRPr lang="fr-FR" sz="800" dirty="0" smtClean="0"/>
-          </a:p>
-          <a:p>
-            <a:r>
-              <a:rPr lang="fr-FR" sz="800" dirty="0" smtClean="0"/>
-              <a:t>	</a:t>
-            </a:r>
-            <a:r>
-              <a:rPr lang="fr-FR" sz="800" dirty="0"/>
+              <a:rPr lang="en-US" sz="1500" dirty="0" err="1" smtClean="0"/>
+              <a:t>couleur</a:t>
+            </a:r>
+            <a:r>
+              <a:rPr lang="en-US" sz="1500" dirty="0" smtClean="0"/>
               <a:t> </a:t>
             </a:r>
             <a:r>
-              <a:rPr lang="fr-FR" sz="800" dirty="0" smtClean="0"/>
-              <a:t>        │</a:t>
-            </a:r>
-            <a:r>
-              <a:rPr lang="fr-FR" sz="800" dirty="0"/>
+              <a:rPr lang="en-US" sz="1500" dirty="0" err="1" smtClean="0"/>
+              <a:t>que</a:t>
+            </a:r>
+            <a:r>
+              <a:rPr lang="en-US" sz="1500" dirty="0" smtClean="0"/>
+              <a:t> le </a:t>
+            </a:r>
+            <a:r>
+              <a:rPr lang="en-US" sz="1500" dirty="0" err="1" smtClean="0"/>
+              <a:t>bouton</a:t>
+            </a:r>
+            <a:r>
+              <a:rPr lang="en-US" sz="1500" dirty="0" smtClean="0"/>
+              <a:t>)</a:t>
+            </a:r>
+          </a:p>
+          <a:p>
+            <a:pPr lvl="1"/>
+            <a:r>
+              <a:rPr lang="en-US" sz="1500" dirty="0" smtClean="0"/>
+              <a:t>background-clip: text;(</a:t>
+            </a:r>
+            <a:r>
+              <a:rPr lang="fr-FR" sz="1600" dirty="0" smtClean="0"/>
+              <a:t>L'arrière-plan est limité (rogné) au texte en premier plan.)</a:t>
+            </a:r>
+            <a:endParaRPr lang="en-US" sz="1500" dirty="0" smtClean="0"/>
+          </a:p>
+          <a:p>
+            <a:pPr lvl="1"/>
+            <a:r>
+              <a:rPr lang="en-US" sz="1500" u="sng" dirty="0" smtClean="0"/>
+              <a:t>-</a:t>
+            </a:r>
+            <a:r>
+              <a:rPr lang="en-US" sz="1500" u="sng" dirty="0" err="1" smtClean="0"/>
+              <a:t>webkit</a:t>
+            </a:r>
+            <a:r>
+              <a:rPr lang="en-US" sz="1500" u="sng" dirty="0" smtClean="0"/>
+              <a:t>-background-clip</a:t>
+            </a:r>
+            <a:r>
+              <a:rPr lang="en-US" sz="1500" dirty="0" smtClean="0"/>
+              <a:t>: text;(prefix </a:t>
+            </a:r>
+            <a:r>
+              <a:rPr lang="en-US" sz="1500" dirty="0" err="1" smtClean="0"/>
+              <a:t>vendeur</a:t>
+            </a:r>
+            <a:r>
+              <a:rPr lang="en-US" sz="1500" dirty="0" smtClean="0"/>
+              <a:t> pour chrome ,</a:t>
+            </a:r>
+            <a:r>
+              <a:rPr lang="en-US" sz="1500" dirty="0" err="1" smtClean="0"/>
+              <a:t>safarie</a:t>
+            </a:r>
+            <a:r>
+              <a:rPr lang="en-US" sz="1500" dirty="0" smtClean="0"/>
+              <a:t> ,android…)</a:t>
+            </a:r>
+          </a:p>
+          <a:p>
+            <a:pPr lvl="1"/>
+            <a:r>
+              <a:rPr lang="en-US" sz="1500" dirty="0" smtClean="0"/>
+              <a:t>color: transparent;(</a:t>
+            </a:r>
+            <a:r>
+              <a:rPr lang="en-US" sz="1500" dirty="0" err="1" smtClean="0"/>
+              <a:t>couleur</a:t>
+            </a:r>
+            <a:r>
+              <a:rPr lang="en-US" sz="1500" dirty="0" smtClean="0"/>
+              <a:t> de </a:t>
+            </a:r>
+            <a:r>
+              <a:rPr lang="en-US" sz="1500" dirty="0" err="1" smtClean="0"/>
+              <a:t>mon</a:t>
+            </a:r>
+            <a:r>
+              <a:rPr lang="en-US" sz="1500" dirty="0" smtClean="0"/>
               <a:t> </a:t>
             </a:r>
             <a:r>
-              <a:rPr lang="fr-FR" sz="800" dirty="0" smtClean="0"/>
-              <a:t> │         │</a:t>
-            </a:r>
-          </a:p>
-          <a:p>
-            <a:r>
-              <a:rPr lang="fr-FR" sz="800" dirty="0" smtClean="0"/>
-              <a:t>	         │</a:t>
-            </a:r>
-            <a:r>
-              <a:rPr lang="fr-FR" sz="800" dirty="0"/>
+              <a:rPr lang="en-US" sz="1500" dirty="0" err="1" smtClean="0"/>
+              <a:t>texte</a:t>
+            </a:r>
+            <a:r>
+              <a:rPr lang="en-US" sz="1500" dirty="0" smtClean="0"/>
+              <a:t>)</a:t>
+            </a:r>
+          </a:p>
+          <a:p>
+            <a:r>
+              <a:rPr lang="en-US" sz="1700" dirty="0" smtClean="0"/>
+              <a:t>Et </a:t>
+            </a:r>
+            <a:r>
+              <a:rPr lang="en-US" sz="1700" dirty="0" err="1" smtClean="0"/>
+              <a:t>lors</a:t>
+            </a:r>
+            <a:r>
+              <a:rPr lang="en-US" sz="1700" dirty="0" smtClean="0"/>
+              <a:t> du hover </a:t>
+            </a:r>
+            <a:r>
+              <a:rPr lang="en-US" sz="1700" dirty="0" err="1" smtClean="0"/>
+              <a:t>sont</a:t>
+            </a:r>
+            <a:r>
+              <a:rPr lang="en-US" sz="1700" dirty="0" smtClean="0"/>
               <a:t> </a:t>
             </a:r>
             <a:r>
-              <a:rPr lang="fr-FR" sz="800" dirty="0" smtClean="0"/>
-              <a:t> │         ├&amp;</a:t>
-            </a:r>
-            <a:r>
-              <a:rPr lang="fr-FR" sz="800" dirty="0" err="1" smtClean="0"/>
-              <a:t>__nom</a:t>
-            </a:r>
-            <a:r>
-              <a:rPr lang="fr-FR" sz="800" dirty="0" smtClean="0"/>
-              <a:t> </a:t>
-            </a:r>
-          </a:p>
-          <a:p>
-            <a:r>
-              <a:rPr lang="fr-FR" sz="800" dirty="0" smtClean="0"/>
-              <a:t>	         │  │</a:t>
-            </a:r>
-            <a:r>
-              <a:rPr lang="fr-FR" sz="800" dirty="0"/>
-              <a:t> </a:t>
-            </a:r>
-            <a:r>
-              <a:rPr lang="fr-FR" sz="800" dirty="0" smtClean="0"/>
-              <a:t>        │</a:t>
-            </a:r>
-            <a:r>
-              <a:rPr lang="fr-FR" sz="800" dirty="0"/>
-              <a:t> </a:t>
-            </a:r>
-            <a:r>
-              <a:rPr lang="fr-FR" sz="800" dirty="0" smtClean="0"/>
-              <a:t>   │</a:t>
-            </a:r>
-          </a:p>
-          <a:p>
-            <a:r>
-              <a:rPr lang="fr-FR" sz="800" dirty="0" smtClean="0"/>
-              <a:t>	         │  │</a:t>
-            </a:r>
-            <a:r>
-              <a:rPr lang="fr-FR" sz="800" dirty="0"/>
-              <a:t> </a:t>
-            </a:r>
-            <a:r>
-              <a:rPr lang="fr-FR" sz="800" dirty="0" smtClean="0"/>
-              <a:t>        │    ├&amp;--titre</a:t>
-            </a:r>
-          </a:p>
-          <a:p>
-            <a:r>
-              <a:rPr lang="fr-FR" sz="800" dirty="0" smtClean="0"/>
-              <a:t>	         │  │         │    │</a:t>
-            </a:r>
-          </a:p>
-          <a:p>
-            <a:r>
-              <a:rPr lang="fr-FR" sz="800" dirty="0" smtClean="0"/>
-              <a:t>	         │  │</a:t>
-            </a:r>
-            <a:r>
-              <a:rPr lang="fr-FR" sz="800" dirty="0"/>
-              <a:t> </a:t>
-            </a:r>
-            <a:r>
-              <a:rPr lang="fr-FR" sz="800" dirty="0" smtClean="0"/>
-              <a:t>        │    └&amp;--</a:t>
-            </a:r>
-            <a:r>
-              <a:rPr lang="fr-FR" sz="800" dirty="0" err="1" smtClean="0"/>
-              <a:t>acc</a:t>
-            </a:r>
-            <a:endParaRPr lang="fr-FR" sz="800" dirty="0" smtClean="0"/>
-          </a:p>
-          <a:p>
-            <a:r>
-              <a:rPr lang="fr-FR" sz="800" dirty="0" smtClean="0"/>
-              <a:t>	         │  │         │</a:t>
-            </a:r>
-          </a:p>
-          <a:p>
-            <a:r>
-              <a:rPr lang="fr-FR" sz="800" dirty="0" smtClean="0"/>
-              <a:t>	         │  │</a:t>
-            </a:r>
-            <a:r>
-              <a:rPr lang="fr-FR" sz="800" dirty="0"/>
-              <a:t> </a:t>
-            </a:r>
-            <a:r>
-              <a:rPr lang="fr-FR" sz="800" dirty="0" smtClean="0"/>
-              <a:t>        └&amp;--prix </a:t>
-            </a:r>
-          </a:p>
-          <a:p>
-            <a:r>
-              <a:rPr lang="fr-FR" sz="800" dirty="0" smtClean="0"/>
-              <a:t>	         │  │</a:t>
-            </a:r>
-          </a:p>
-          <a:p>
-            <a:r>
-              <a:rPr lang="fr-FR" sz="800" dirty="0" smtClean="0"/>
-              <a:t>	         │  └&amp;</a:t>
-            </a:r>
-            <a:r>
-              <a:rPr lang="fr-FR" sz="800" dirty="0" err="1" smtClean="0"/>
-              <a:t>__cache</a:t>
-            </a:r>
-            <a:endParaRPr lang="fr-FR" sz="800" dirty="0" smtClean="0"/>
-          </a:p>
-          <a:p>
-            <a:r>
-              <a:rPr lang="fr-FR" sz="800" dirty="0" smtClean="0"/>
-              <a:t>	         │</a:t>
-            </a:r>
-            <a:r>
-              <a:rPr lang="fr-FR" sz="800" dirty="0"/>
-              <a:t> </a:t>
-            </a:r>
-            <a:r>
-              <a:rPr lang="fr-FR" sz="800" dirty="0" smtClean="0"/>
-              <a:t>           │</a:t>
-            </a:r>
-          </a:p>
-          <a:p>
-            <a:r>
-              <a:rPr lang="fr-FR" sz="800" dirty="0" smtClean="0"/>
-              <a:t>	         │</a:t>
-            </a:r>
-            <a:r>
-              <a:rPr lang="fr-FR" sz="800" dirty="0"/>
-              <a:t> </a:t>
-            </a:r>
-            <a:r>
-              <a:rPr lang="fr-FR" sz="800" dirty="0" smtClean="0"/>
-              <a:t>           └&amp;--check</a:t>
-            </a:r>
-          </a:p>
-          <a:p>
-            <a:r>
-              <a:rPr lang="fr-FR" sz="800" dirty="0" smtClean="0"/>
-              <a:t>	         │</a:t>
-            </a:r>
-          </a:p>
-          <a:p>
-            <a:r>
-              <a:rPr lang="fr-FR" sz="800" dirty="0" smtClean="0"/>
-              <a:t>	         └tout les .anime</a:t>
-            </a:r>
-            <a:endParaRPr lang="fr-FR" sz="800" dirty="0"/>
-          </a:p>
-        </p:txBody>
-      </p:sp>
-      <p:sp>
-        <p:nvSpPr>
-          <p:cNvPr id="7" name="ZoneTexte 6"/>
-          <p:cNvSpPr txBox="1"/>
-          <p:nvPr/>
-        </p:nvSpPr>
-        <p:spPr>
-          <a:xfrm>
-            <a:off x="5857884" y="1357298"/>
-            <a:ext cx="1521570" cy="1077218"/>
-          </a:xfrm>
-          <a:prstGeom prst="rect">
-            <a:avLst/>
-          </a:prstGeom>
-          <a:noFill/>
-        </p:spPr>
-        <p:txBody>
-          <a:bodyPr wrap="none" rtlCol="0">
-            <a:spAutoFit/>
+              <a:rPr lang="fr-FR" sz="1700" dirty="0" err="1" smtClean="0"/>
+              <a:t>opacity</a:t>
+            </a:r>
+            <a:r>
+              <a:rPr lang="fr-FR" sz="1700" dirty="0" smtClean="0"/>
+              <a:t> passe a 1 avec une </a:t>
+            </a:r>
+            <a:r>
+              <a:rPr lang="en-US" sz="1700" dirty="0" smtClean="0"/>
+              <a:t>transition: all 0.5s.</a:t>
+            </a:r>
+            <a:endParaRPr lang="fr-FR" sz="1700" dirty="0" smtClean="0"/>
+          </a:p>
+          <a:p>
+            <a:pPr lvl="1"/>
+            <a:endParaRPr lang="en-US" sz="1500" dirty="0" smtClean="0"/>
+          </a:p>
+          <a:p>
+            <a:endParaRPr lang="fr-FR" dirty="0"/>
+          </a:p>
+        </p:txBody>
+      </p:sp>
+      <p:sp>
+        <p:nvSpPr>
+          <p:cNvPr id="3" name="Titre 2"/>
+          <p:cNvSpPr>
+            <a:spLocks noGrp="1"/>
+          </p:cNvSpPr>
+          <p:nvPr>
+            <p:ph type="title"/>
+          </p:nvPr>
+        </p:nvSpPr>
+        <p:spPr/>
+        <p:txBody>
+          <a:bodyPr/>
+          <a:lstStyle/>
+          <a:p>
+            <a:r>
+              <a:rPr lang="fr-FR" sz="4400" dirty="0" smtClean="0"/>
+              <a:t>Le bouton en forme de cœur</a:t>
+            </a:r>
+            <a:endParaRPr lang="fr-FR" dirty="0"/>
+          </a:p>
+        </p:txBody>
+      </p:sp>
+    </p:spTree>
+  </p:cSld>
+  <p:clrMapOvr>
+    <a:masterClrMapping/>
+  </p:clrMapOvr>
+</p:sld>
+</file>
+
+<file path=ppt/slides/slide7.xml><?xml version="1.0" encoding="utf-8"?>
+<p:sld xmlns:a="http://schemas.openxmlformats.org/drawingml/2006/main" xmlns:r="http://schemas.openxmlformats.org/officeDocument/2006/relationships" xmlns:p="http://schemas.openxmlformats.org/presentationml/2006/main">
+  <p:cSld>
+    <p:spTree>
+      <p:nvGrpSpPr>
+        <p:cNvPr id="1" name=""/>
+        <p:cNvGrpSpPr/>
+        <p:nvPr/>
+      </p:nvGrpSpPr>
+      <p:grpSpPr>
+        <a:xfrm>
+          <a:off x="0" y="0"/>
+          <a:ext cx="0" cy="0"/>
+          <a:chOff x="0" y="0"/>
+          <a:chExt cx="0" cy="0"/>
+        </a:xfrm>
+      </p:grpSpPr>
+      <p:sp>
+        <p:nvSpPr>
+          <p:cNvPr id="2" name="Espace réservé du contenu 1"/>
+          <p:cNvSpPr>
+            <a:spLocks noGrp="1"/>
+          </p:cNvSpPr>
+          <p:nvPr>
+            <p:ph idx="1"/>
+          </p:nvPr>
+        </p:nvSpPr>
+        <p:spPr/>
+        <p:txBody>
+          <a:bodyPr>
+            <a:normAutofit lnSpcReduction="10000"/>
           </a:bodyPr>
           <a:lstStyle/>
           <a:p>
             <a:r>
-              <a:rPr lang="fr-FR" sz="800" dirty="0" smtClean="0"/>
-              <a:t>.commander</a:t>
-            </a:r>
-          </a:p>
-          <a:p>
-            <a:r>
-              <a:rPr lang="fr-FR" sz="800" dirty="0" smtClean="0"/>
-              <a:t>        │</a:t>
-            </a:r>
-          </a:p>
-          <a:p>
-            <a:r>
-              <a:rPr lang="fr-FR" sz="800" dirty="0" smtClean="0"/>
-              <a:t>        ├.</a:t>
-            </a:r>
-            <a:r>
-              <a:rPr lang="fr-FR" sz="800" dirty="0" err="1" smtClean="0"/>
-              <a:t>fas.fa-check-circle</a:t>
-            </a:r>
-            <a:endParaRPr lang="fr-FR" sz="800" dirty="0" smtClean="0"/>
-          </a:p>
-          <a:p>
-            <a:r>
-              <a:rPr lang="fr-FR" sz="800" dirty="0" smtClean="0"/>
-              <a:t>        │</a:t>
-            </a:r>
-          </a:p>
-          <a:p>
-            <a:r>
-              <a:rPr lang="fr-FR" sz="800" dirty="0" smtClean="0"/>
-              <a:t>        └ &gt; a</a:t>
-            </a:r>
-          </a:p>
-          <a:p>
-            <a:r>
-              <a:rPr lang="fr-FR" sz="800" dirty="0"/>
+              <a:rPr lang="fr-FR" sz="1600" dirty="0" smtClean="0"/>
+              <a:t>Pour se dernier j’ai fait quelque chose d’</a:t>
+            </a:r>
+            <a:r>
+              <a:rPr lang="fr-FR" sz="1600" dirty="0" err="1" smtClean="0"/>
+              <a:t>asser</a:t>
+            </a:r>
+            <a:r>
+              <a:rPr lang="fr-FR" sz="1600" dirty="0" smtClean="0"/>
+              <a:t> simple j’ai imbriquer une </a:t>
+            </a:r>
+            <a:r>
+              <a:rPr lang="fr-FR" sz="1600" dirty="0" err="1" smtClean="0"/>
+              <a:t>span</a:t>
+            </a:r>
+            <a:r>
+              <a:rPr lang="fr-FR" sz="1600" dirty="0" smtClean="0"/>
+              <a:t> et une </a:t>
+            </a:r>
+            <a:r>
+              <a:rPr lang="fr-FR" sz="1600" dirty="0" err="1" smtClean="0"/>
+              <a:t>div</a:t>
+            </a:r>
+            <a:r>
+              <a:rPr lang="fr-FR" sz="1600" dirty="0" smtClean="0"/>
+              <a:t> dans une div.</a:t>
+            </a:r>
+          </a:p>
+          <a:p>
+            <a:r>
+              <a:rPr lang="fr-FR" sz="1600" dirty="0" smtClean="0"/>
+              <a:t>La </a:t>
+            </a:r>
+            <a:r>
+              <a:rPr lang="fr-FR" sz="1600" dirty="0" err="1" smtClean="0"/>
+              <a:t>span</a:t>
+            </a:r>
+            <a:r>
+              <a:rPr lang="fr-FR" sz="1600" dirty="0" smtClean="0"/>
+              <a:t> ne </a:t>
+            </a:r>
+            <a:r>
+              <a:rPr lang="fr-FR" sz="1600" dirty="0" err="1" smtClean="0"/>
+              <a:t>contien</a:t>
+            </a:r>
+            <a:r>
+              <a:rPr lang="fr-FR" sz="1600" dirty="0" smtClean="0"/>
+              <a:t> que « chargement …» et les 2 autre </a:t>
+            </a:r>
+            <a:r>
+              <a:rPr lang="fr-FR" sz="1600" dirty="0" err="1" smtClean="0"/>
+              <a:t>div</a:t>
+            </a:r>
+            <a:r>
+              <a:rPr lang="fr-FR" sz="1600" dirty="0" smtClean="0"/>
+              <a:t> son vide.</a:t>
+            </a:r>
+          </a:p>
+          <a:p>
+            <a:pPr>
+              <a:buNone/>
+            </a:pPr>
+            <a:r>
+              <a:rPr lang="fr-FR" sz="1600" dirty="0" smtClean="0"/>
+              <a:t>	J’applique a mon </a:t>
+            </a:r>
+            <a:r>
+              <a:rPr lang="fr-FR" sz="1600" dirty="0" err="1" smtClean="0"/>
+              <a:t>span</a:t>
+            </a:r>
+            <a:r>
+              <a:rPr lang="fr-FR" sz="1600" dirty="0" smtClean="0"/>
+              <a:t> une couleur blanche et je fait une animation avec une </a:t>
+            </a:r>
+            <a:r>
+              <a:rPr lang="fr-FR" sz="1600" dirty="0" err="1" smtClean="0"/>
+              <a:t>keyframe</a:t>
+            </a:r>
+            <a:r>
+              <a:rPr lang="fr-FR" sz="1600" dirty="0" smtClean="0"/>
+              <a:t> « </a:t>
+            </a:r>
+            <a:r>
+              <a:rPr lang="fr-FR" sz="1600" dirty="0" err="1" smtClean="0"/>
+              <a:t>text</a:t>
+            </a:r>
+            <a:r>
+              <a:rPr lang="fr-FR" sz="1600" dirty="0" smtClean="0"/>
+              <a:t> »qui a 50% du temps de l’animation la fait passé a noir</a:t>
+            </a:r>
+          </a:p>
+          <a:p>
+            <a:r>
+              <a:rPr lang="fr-FR" sz="1600" dirty="0" smtClean="0"/>
+              <a:t>En ce qui concerne ma </a:t>
+            </a:r>
+            <a:r>
+              <a:rPr lang="fr-FR" sz="1600" dirty="0" err="1" smtClean="0"/>
+              <a:t>div</a:t>
+            </a:r>
+            <a:r>
+              <a:rPr lang="fr-FR" sz="1600" dirty="0" smtClean="0"/>
+              <a:t> « centre » je lui est mis:</a:t>
+            </a:r>
+          </a:p>
+          <a:p>
+            <a:pPr lvl="1"/>
+            <a:r>
+              <a:rPr lang="en-US" sz="1200" dirty="0" smtClean="0"/>
+              <a:t>position: fixed;</a:t>
+            </a:r>
+          </a:p>
+          <a:p>
+            <a:pPr lvl="1"/>
+            <a:r>
+              <a:rPr lang="en-US" sz="1200" dirty="0" smtClean="0"/>
+              <a:t>height: 100%;</a:t>
+            </a:r>
+          </a:p>
+          <a:p>
+            <a:pPr lvl="1"/>
+            <a:r>
+              <a:rPr lang="en-US" sz="1200" dirty="0" smtClean="0"/>
+              <a:t>width: 100%;</a:t>
+            </a:r>
+          </a:p>
+          <a:p>
+            <a:pPr lvl="1"/>
+            <a:r>
+              <a:rPr lang="fr-FR" sz="1200" dirty="0" smtClean="0"/>
+              <a:t>z-index: 3;</a:t>
+            </a:r>
+          </a:p>
+          <a:p>
+            <a:r>
+              <a:rPr lang="fr-FR" sz="1600" dirty="0" smtClean="0"/>
+              <a:t>Pour pouvoir la recouvrir ma page principal</a:t>
+            </a:r>
+          </a:p>
+          <a:p>
+            <a:r>
+              <a:rPr lang="en-US" sz="1600" dirty="0" err="1" smtClean="0"/>
+              <a:t>L’animation</a:t>
+            </a:r>
+            <a:r>
+              <a:rPr lang="en-US" sz="1600" dirty="0" smtClean="0"/>
+              <a:t>: </a:t>
+            </a:r>
+            <a:r>
+              <a:rPr lang="en-US" sz="1600" dirty="0" err="1" smtClean="0"/>
+              <a:t>fondu</a:t>
+            </a:r>
+            <a:r>
+              <a:rPr lang="en-US" sz="1600" dirty="0" smtClean="0"/>
+              <a:t> 2s 3s forwards;</a:t>
+            </a:r>
+          </a:p>
+          <a:p>
+            <a:pPr lvl="1"/>
+            <a:r>
+              <a:rPr lang="en-US" sz="1200" dirty="0" smtClean="0"/>
+              <a:t>Apelles un </a:t>
+            </a:r>
+            <a:r>
+              <a:rPr lang="en-US" sz="1200" dirty="0" err="1" smtClean="0"/>
+              <a:t>keyframe</a:t>
+            </a:r>
+            <a:r>
+              <a:rPr lang="en-US" sz="1200" dirty="0" smtClean="0"/>
+              <a:t> qui fait </a:t>
+            </a:r>
+            <a:r>
+              <a:rPr lang="fr-FR" sz="1200" dirty="0" smtClean="0"/>
+              <a:t>disparaitre</a:t>
+            </a:r>
+            <a:r>
+              <a:rPr lang="fr-FR" sz="1200" b="1" dirty="0" smtClean="0"/>
               <a:t> </a:t>
             </a:r>
             <a:r>
-              <a:rPr lang="fr-FR" sz="800" dirty="0" smtClean="0"/>
-              <a:t>             │</a:t>
-            </a:r>
-          </a:p>
-          <a:p>
-            <a:r>
-              <a:rPr lang="fr-FR" sz="800" dirty="0"/>
+              <a:rPr lang="en-US" sz="1200" dirty="0" smtClean="0"/>
+              <a:t>ma page entre la 2em et 3em seconds.</a:t>
+            </a:r>
+            <a:endParaRPr lang="fr-FR" sz="1200" dirty="0" smtClean="0"/>
+          </a:p>
+          <a:p>
+            <a:r>
+              <a:rPr lang="fr-FR" sz="1600" dirty="0" smtClean="0"/>
+              <a:t>Pour ma </a:t>
+            </a:r>
+            <a:r>
+              <a:rPr lang="fr-FR" sz="1600" dirty="0" err="1" smtClean="0"/>
+              <a:t>div</a:t>
+            </a:r>
+            <a:r>
+              <a:rPr lang="fr-FR" sz="1600" dirty="0" smtClean="0"/>
+              <a:t> « </a:t>
+            </a:r>
+            <a:r>
+              <a:rPr lang="fr-FR" sz="1600" dirty="0" err="1" smtClean="0"/>
+              <a:t>centre__anneau</a:t>
+            </a:r>
+            <a:r>
+              <a:rPr lang="fr-FR" sz="1600" dirty="0" smtClean="0"/>
+              <a:t> »</a:t>
+            </a:r>
+          </a:p>
+          <a:p>
+            <a:r>
+              <a:rPr lang="fr-FR" sz="1600" dirty="0" smtClean="0"/>
+              <a:t>Je </a:t>
+            </a:r>
+            <a:r>
+              <a:rPr lang="fr-FR" sz="1600" dirty="0" err="1" smtClean="0"/>
+              <a:t>mesaussi</a:t>
+            </a:r>
+            <a:r>
+              <a:rPr lang="fr-FR" sz="1600" dirty="0" smtClean="0"/>
+              <a:t> une </a:t>
+            </a:r>
+            <a:r>
+              <a:rPr lang="fr-FR" sz="1600" dirty="0" err="1" smtClean="0"/>
+              <a:t>keyframe</a:t>
+            </a:r>
+            <a:r>
+              <a:rPr lang="fr-FR" sz="1600" dirty="0" smtClean="0"/>
+              <a:t> à sont animation à la quelle j’applique 3rotate avec des box </a:t>
+            </a:r>
+            <a:r>
+              <a:rPr lang="fr-FR" sz="1600" dirty="0" err="1" smtClean="0"/>
+              <a:t>shadow</a:t>
+            </a:r>
+            <a:r>
+              <a:rPr lang="fr-FR" sz="1600" dirty="0" smtClean="0"/>
+              <a:t> qui on les 3 couleur de mon cahier des charge </a:t>
+            </a:r>
+          </a:p>
+          <a:p>
+            <a:r>
+              <a:rPr lang="fr-FR" sz="1600" dirty="0" smtClean="0"/>
+              <a:t>J’applique un </a:t>
+            </a:r>
+            <a:r>
+              <a:rPr lang="fr-FR" sz="1600" dirty="0" err="1" smtClean="0"/>
+              <a:t>before</a:t>
+            </a:r>
+            <a:r>
+              <a:rPr lang="fr-FR" sz="1600" dirty="0" smtClean="0"/>
+              <a:t> sur mon centre anneau pour avoir cette impression de cercle brumeux</a:t>
+            </a:r>
+            <a:endParaRPr lang="fr-FR" sz="1600" dirty="0"/>
+          </a:p>
+        </p:txBody>
+      </p:sp>
+      <p:sp>
+        <p:nvSpPr>
+          <p:cNvPr id="3" name="Titre 2"/>
+          <p:cNvSpPr>
+            <a:spLocks noGrp="1"/>
+          </p:cNvSpPr>
+          <p:nvPr>
+            <p:ph type="title"/>
+          </p:nvPr>
+        </p:nvSpPr>
+        <p:spPr/>
+        <p:txBody>
+          <a:bodyPr/>
+          <a:lstStyle/>
+          <a:p>
+            <a:r>
+              <a:rPr lang="fr-FR" dirty="0" smtClean="0"/>
+              <a:t>Le </a:t>
+            </a:r>
+            <a:r>
+              <a:rPr lang="fr-FR" dirty="0" err="1" smtClean="0"/>
+              <a:t>loading</a:t>
+            </a:r>
+            <a:r>
+              <a:rPr lang="fr-FR" dirty="0" smtClean="0"/>
               <a:t> </a:t>
             </a:r>
             <a:r>
-              <a:rPr lang="fr-FR" sz="800" dirty="0" smtClean="0"/>
-              <a:t>             └&amp;:</a:t>
-            </a:r>
-            <a:r>
-              <a:rPr lang="fr-FR" sz="800" dirty="0" err="1" smtClean="0"/>
+              <a:rPr lang="fr-FR" dirty="0" err="1" smtClean="0"/>
+              <a:t>spinner</a:t>
+            </a:r>
+            <a:endParaRPr lang="fr-FR" dirty="0"/>
+          </a:p>
+        </p:txBody>
+      </p:sp>
+    </p:spTree>
+  </p:cSld>
+  <p:clrMapOvr>
+    <a:masterClrMapping/>
+  </p:clrMapOvr>
+</p:sld>
+</file>
+
+<file path=ppt/slides/slide8.xml><?xml version="1.0" encoding="utf-8"?>
+<p:sld xmlns:a="http://schemas.openxmlformats.org/drawingml/2006/main" xmlns:r="http://schemas.openxmlformats.org/officeDocument/2006/relationships" xmlns:p="http://schemas.openxmlformats.org/presentationml/2006/main">
+  <p:cSld>
+    <p:spTree>
+      <p:nvGrpSpPr>
+        <p:cNvPr id="1" name=""/>
+        <p:cNvGrpSpPr/>
+        <p:nvPr/>
+      </p:nvGrpSpPr>
+      <p:grpSpPr>
+        <a:xfrm>
+          <a:off x="0" y="0"/>
+          <a:ext cx="0" cy="0"/>
+          <a:chOff x="0" y="0"/>
+          <a:chExt cx="0" cy="0"/>
+        </a:xfrm>
+      </p:grpSpPr>
+      <p:sp>
+        <p:nvSpPr>
+          <p:cNvPr id="2" name="Espace réservé du contenu 1"/>
+          <p:cNvSpPr>
+            <a:spLocks noGrp="1"/>
+          </p:cNvSpPr>
+          <p:nvPr>
+            <p:ph idx="1"/>
+          </p:nvPr>
+        </p:nvSpPr>
+        <p:spPr/>
+        <p:txBody>
+          <a:bodyPr>
+            <a:normAutofit/>
+          </a:bodyPr>
+          <a:lstStyle/>
+          <a:p>
+            <a:r>
+              <a:rPr lang="fr-FR" sz="1700" dirty="0" smtClean="0"/>
+              <a:t>Pour ce faire je leur </a:t>
+            </a:r>
+            <a:r>
+              <a:rPr lang="fr-FR" sz="1700" dirty="0" err="1" smtClean="0"/>
+              <a:t>aplique</a:t>
+            </a:r>
+            <a:r>
+              <a:rPr lang="fr-FR" sz="1700" dirty="0" smtClean="0"/>
+              <a:t> :</a:t>
+            </a:r>
+          </a:p>
+          <a:p>
+            <a:pPr lvl="1"/>
+            <a:r>
+              <a:rPr lang="fr-FR" sz="1400" dirty="0" smtClean="0"/>
+              <a:t>animation-</a:t>
+            </a:r>
+            <a:r>
+              <a:rPr lang="fr-FR" sz="1400" dirty="0" err="1" smtClean="0"/>
+              <a:t>duration</a:t>
+            </a:r>
+            <a:r>
+              <a:rPr lang="fr-FR" sz="1400" dirty="0" smtClean="0"/>
+              <a:t>: 1s;</a:t>
+            </a:r>
+          </a:p>
+          <a:p>
+            <a:pPr lvl="1"/>
+            <a:r>
+              <a:rPr lang="fr-FR" sz="1400" dirty="0" smtClean="0"/>
+              <a:t>animation-</a:t>
+            </a:r>
+            <a:r>
+              <a:rPr lang="fr-FR" sz="1400" dirty="0" err="1" smtClean="0"/>
+              <a:t>name</a:t>
+            </a:r>
+            <a:r>
+              <a:rPr lang="fr-FR" sz="1400" dirty="0" smtClean="0"/>
+              <a:t>: </a:t>
+            </a:r>
+            <a:r>
+              <a:rPr lang="fr-FR" sz="1400" dirty="0" err="1" smtClean="0"/>
+              <a:t>appear</a:t>
+            </a:r>
+            <a:r>
+              <a:rPr lang="fr-FR" sz="1400" dirty="0" smtClean="0"/>
+              <a:t>;</a:t>
+            </a:r>
+          </a:p>
+          <a:p>
+            <a:pPr lvl="1"/>
+            <a:r>
+              <a:rPr lang="fr-FR" sz="1400" dirty="0" err="1" smtClean="0"/>
+              <a:t>transform</a:t>
+            </a:r>
+            <a:r>
+              <a:rPr lang="fr-FR" sz="1400" dirty="0" smtClean="0"/>
+              <a:t>: </a:t>
+            </a:r>
+            <a:r>
+              <a:rPr lang="fr-FR" sz="1400" dirty="0" err="1" smtClean="0"/>
+              <a:t>scale</a:t>
+            </a:r>
+            <a:r>
+              <a:rPr lang="fr-FR" sz="1400" dirty="0" smtClean="0"/>
+              <a:t>(0);</a:t>
+            </a:r>
+          </a:p>
+          <a:p>
+            <a:pPr lvl="1"/>
+            <a:r>
+              <a:rPr lang="fr-FR" sz="1400" dirty="0" smtClean="0"/>
+              <a:t>animation-</a:t>
+            </a:r>
+            <a:r>
+              <a:rPr lang="fr-FR" sz="1400" dirty="0" err="1" smtClean="0"/>
+              <a:t>fill</a:t>
+            </a:r>
+            <a:r>
+              <a:rPr lang="fr-FR" sz="1400" dirty="0" smtClean="0"/>
+              <a:t>-mode: </a:t>
+            </a:r>
+            <a:r>
+              <a:rPr lang="fr-FR" sz="1400" dirty="0" err="1" smtClean="0"/>
+              <a:t>both</a:t>
+            </a:r>
+            <a:r>
+              <a:rPr lang="fr-FR" sz="1400" dirty="0" smtClean="0"/>
+              <a:t>;</a:t>
+            </a:r>
+          </a:p>
+          <a:p>
+            <a:r>
+              <a:rPr lang="fr-FR" sz="1700" dirty="0" smtClean="0"/>
+              <a:t>En se qui concerne mon </a:t>
+            </a:r>
+            <a:r>
+              <a:rPr lang="fr-FR" sz="1700" dirty="0" err="1" smtClean="0"/>
+              <a:t>keyframes</a:t>
+            </a:r>
+            <a:r>
+              <a:rPr lang="fr-FR" sz="1700" dirty="0" smtClean="0"/>
+              <a:t> « </a:t>
+            </a:r>
+            <a:r>
+              <a:rPr lang="fr-FR" sz="1700" dirty="0" err="1" smtClean="0"/>
+              <a:t>appear</a:t>
+            </a:r>
+            <a:r>
+              <a:rPr lang="fr-FR" sz="1700" dirty="0" smtClean="0"/>
+              <a:t> » Il ne contiens que un :</a:t>
+            </a:r>
+          </a:p>
+          <a:p>
+            <a:pPr lvl="1"/>
+            <a:r>
+              <a:rPr lang="fr-FR" sz="1400" dirty="0" err="1" smtClean="0"/>
+              <a:t>transform</a:t>
+            </a:r>
+            <a:r>
+              <a:rPr lang="fr-FR" sz="1400" dirty="0" smtClean="0"/>
+              <a:t>: </a:t>
+            </a:r>
+            <a:r>
+              <a:rPr lang="fr-FR" sz="1400" dirty="0" err="1" smtClean="0"/>
+              <a:t>scale</a:t>
+            </a:r>
+            <a:r>
+              <a:rPr lang="fr-FR" sz="1400" dirty="0" smtClean="0"/>
+              <a:t>(1);</a:t>
+            </a:r>
+          </a:p>
+          <a:p>
+            <a:r>
+              <a:rPr lang="fr-FR" sz="1700" dirty="0" smtClean="0"/>
+              <a:t>Pour le </a:t>
+            </a:r>
+            <a:r>
+              <a:rPr lang="fr-FR" sz="1700" dirty="0" err="1" smtClean="0"/>
+              <a:t>decalage</a:t>
+            </a:r>
+            <a:r>
+              <a:rPr lang="fr-FR" sz="1700" dirty="0" smtClean="0"/>
+              <a:t> de mais carte je leur est mis une classe en plus avec un:</a:t>
+            </a:r>
+          </a:p>
+          <a:p>
+            <a:pPr lvl="1"/>
+            <a:r>
+              <a:rPr lang="fr-FR" sz="1400" dirty="0" smtClean="0"/>
+              <a:t>animation-</a:t>
+            </a:r>
+            <a:r>
+              <a:rPr lang="fr-FR" sz="1400" dirty="0" err="1" smtClean="0"/>
+              <a:t>delay</a:t>
+            </a:r>
+            <a:r>
+              <a:rPr lang="fr-FR" sz="1400" dirty="0" smtClean="0"/>
+              <a:t>: 0.1s;</a:t>
+            </a:r>
+          </a:p>
+          <a:p>
+            <a:r>
+              <a:rPr lang="fr-FR" sz="1700" dirty="0" smtClean="0"/>
+              <a:t>Qui varie en fonction de l’ordre d’apparition.</a:t>
+            </a:r>
+          </a:p>
+          <a:p>
+            <a:endParaRPr lang="fr-FR" dirty="0"/>
+          </a:p>
+        </p:txBody>
+      </p:sp>
+      <p:sp>
+        <p:nvSpPr>
+          <p:cNvPr id="3" name="Titre 2"/>
+          <p:cNvSpPr>
+            <a:spLocks noGrp="1"/>
+          </p:cNvSpPr>
+          <p:nvPr>
+            <p:ph type="title"/>
+          </p:nvPr>
+        </p:nvSpPr>
+        <p:spPr/>
+        <p:txBody>
+          <a:bodyPr>
+            <a:normAutofit fontScale="90000"/>
+          </a:bodyPr>
+          <a:lstStyle/>
+          <a:p>
+            <a:r>
+              <a:rPr lang="fr-FR" sz="4400" dirty="0" smtClean="0"/>
+              <a:t>Apparition progressive des plats</a:t>
+            </a:r>
+            <a:endParaRPr lang="fr-FR" dirty="0"/>
+          </a:p>
+        </p:txBody>
+      </p:sp>
+    </p:spTree>
+  </p:cSld>
+  <p:clrMapOvr>
+    <a:masterClrMapping/>
+  </p:clrMapOvr>
+</p:sld>
+</file>
+
+<file path=ppt/slides/slide9.xml><?xml version="1.0" encoding="utf-8"?>
+<p:sld xmlns:a="http://schemas.openxmlformats.org/drawingml/2006/main" xmlns:r="http://schemas.openxmlformats.org/officeDocument/2006/relationships" xmlns:p="http://schemas.openxmlformats.org/presentationml/2006/main">
+  <p:cSld>
+    <p:spTree>
+      <p:nvGrpSpPr>
+        <p:cNvPr id="1" name=""/>
+        <p:cNvGrpSpPr/>
+        <p:nvPr/>
+      </p:nvGrpSpPr>
+      <p:grpSpPr>
+        <a:xfrm>
+          <a:off x="0" y="0"/>
+          <a:ext cx="0" cy="0"/>
+          <a:chOff x="0" y="0"/>
+          <a:chExt cx="0" cy="0"/>
+        </a:xfrm>
+      </p:grpSpPr>
+      <p:sp>
+        <p:nvSpPr>
+          <p:cNvPr id="2" name="Espace réservé du contenu 1"/>
+          <p:cNvSpPr>
+            <a:spLocks noGrp="1"/>
+          </p:cNvSpPr>
+          <p:nvPr>
+            <p:ph idx="1"/>
+          </p:nvPr>
+        </p:nvSpPr>
+        <p:spPr/>
+        <p:txBody>
+          <a:bodyPr/>
+          <a:lstStyle/>
+          <a:p>
+            <a:r>
+              <a:rPr lang="fr-FR" sz="1600" dirty="0" smtClean="0"/>
+              <a:t>Pour cacher mais coche j’ai mis un:</a:t>
+            </a:r>
+          </a:p>
+          <a:p>
+            <a:pPr lvl="1"/>
+            <a:r>
+              <a:rPr lang="fr-FR" sz="1400" dirty="0" err="1" smtClean="0"/>
+              <a:t>overflow</a:t>
+            </a:r>
+            <a:r>
+              <a:rPr lang="fr-FR" sz="1400" dirty="0" smtClean="0"/>
+              <a:t>: </a:t>
+            </a:r>
+            <a:r>
+              <a:rPr lang="fr-FR" sz="1400" dirty="0" err="1" smtClean="0"/>
+              <a:t>hidden</a:t>
+            </a:r>
+            <a:r>
+              <a:rPr lang="fr-FR" sz="1400" dirty="0" smtClean="0"/>
+              <a:t>;(cela permet de rogné se qui sort de ma </a:t>
+            </a:r>
+            <a:r>
+              <a:rPr lang="fr-FR" sz="1400" dirty="0" err="1" smtClean="0"/>
+              <a:t>div</a:t>
+            </a:r>
+            <a:r>
+              <a:rPr lang="fr-FR" sz="1400" dirty="0" smtClean="0"/>
+              <a:t> sans avoir de barre de défilement).</a:t>
+            </a:r>
+          </a:p>
+          <a:p>
+            <a:r>
+              <a:rPr lang="fr-FR" sz="1800" dirty="0" smtClean="0"/>
+              <a:t>Ensuite a ma dive .</a:t>
+            </a:r>
+            <a:r>
+              <a:rPr lang="fr-FR" sz="1800" dirty="0" err="1" smtClean="0"/>
+              <a:t>carte__menu__plat__cache</a:t>
+            </a:r>
+            <a:r>
+              <a:rPr lang="fr-FR" sz="1800" dirty="0" smtClean="0"/>
+              <a:t> je lui </a:t>
+            </a:r>
+            <a:r>
+              <a:rPr lang="fr-FR" sz="1800" dirty="0" err="1" smtClean="0"/>
+              <a:t>lui</a:t>
+            </a:r>
+            <a:r>
+              <a:rPr lang="fr-FR" sz="1800" dirty="0" smtClean="0"/>
+              <a:t> et mis un :</a:t>
+            </a:r>
+          </a:p>
+          <a:p>
+            <a:pPr lvl="1"/>
+            <a:r>
+              <a:rPr lang="fr-FR" sz="1400" dirty="0" err="1" smtClean="0"/>
+              <a:t>transform</a:t>
+            </a:r>
+            <a:r>
+              <a:rPr lang="fr-FR" sz="1400" dirty="0" smtClean="0"/>
+              <a:t>: </a:t>
+            </a:r>
+            <a:r>
+              <a:rPr lang="fr-FR" sz="1400" dirty="0" err="1" smtClean="0"/>
+              <a:t>translateX</a:t>
+            </a:r>
+            <a:r>
+              <a:rPr lang="fr-FR" sz="1400" dirty="0" smtClean="0"/>
+              <a:t>(66px);(pour que il se </a:t>
+            </a:r>
+            <a:r>
+              <a:rPr lang="fr-FR" sz="1400" dirty="0" err="1" smtClean="0"/>
+              <a:t>decale</a:t>
+            </a:r>
+            <a:r>
+              <a:rPr lang="fr-FR" sz="1400" dirty="0" smtClean="0"/>
+              <a:t> de 66px).</a:t>
+            </a:r>
+          </a:p>
+          <a:p>
+            <a:r>
+              <a:rPr lang="fr-FR" sz="1600" dirty="0" smtClean="0"/>
+              <a:t>Qui quand je passe en </a:t>
+            </a:r>
+            <a:r>
+              <a:rPr lang="fr-FR" sz="1600" dirty="0" err="1" smtClean="0"/>
               <a:t>hover</a:t>
             </a:r>
-            <a:endParaRPr lang="fr-FR" sz="800" dirty="0" smtClean="0"/>
-          </a:p>
-          <a:p>
-            <a:endParaRPr lang="fr-FR" sz="800" dirty="0"/>
+            <a:r>
+              <a:rPr lang="fr-FR" sz="1600" dirty="0" smtClean="0"/>
+              <a:t> dessue repasse à une valeur de 0 .</a:t>
+            </a:r>
+          </a:p>
+          <a:p>
+            <a:r>
+              <a:rPr lang="fr-FR" sz="1600" dirty="0" smtClean="0"/>
+              <a:t>J’applique bien sure une transition pour que cela ne soit pas trop brusque .</a:t>
+            </a:r>
+          </a:p>
+          <a:p>
+            <a:r>
+              <a:rPr lang="fr-FR" sz="1600" dirty="0" smtClean="0"/>
+              <a:t>Pour l’effet de rotation sur la check je lui applique une rotation de 360°  sur 0.5sec lors du </a:t>
+            </a:r>
+            <a:r>
+              <a:rPr lang="fr-FR" sz="1600" dirty="0" err="1" smtClean="0"/>
+              <a:t>hover</a:t>
+            </a:r>
+            <a:r>
+              <a:rPr lang="fr-FR" sz="1600" dirty="0" smtClean="0"/>
+              <a:t> </a:t>
+            </a:r>
+            <a:endParaRPr lang="fr-FR" sz="1600" dirty="0"/>
+          </a:p>
+        </p:txBody>
+      </p:sp>
+      <p:sp>
+        <p:nvSpPr>
+          <p:cNvPr id="3" name="Titre 2"/>
+          <p:cNvSpPr>
+            <a:spLocks noGrp="1"/>
+          </p:cNvSpPr>
+          <p:nvPr>
+            <p:ph type="title"/>
+          </p:nvPr>
+        </p:nvSpPr>
+        <p:spPr/>
+        <p:txBody>
+          <a:bodyPr>
+            <a:normAutofit fontScale="90000"/>
+          </a:bodyPr>
+          <a:lstStyle/>
+          <a:p>
+            <a:r>
+              <a:rPr lang="fr-FR" sz="4400" dirty="0" smtClean="0"/>
+              <a:t>Apparition d’une petite coche</a:t>
+            </a:r>
+            <a:endParaRPr lang="fr-FR" dirty="0"/>
           </a:p>
         </p:txBody>
       </p:sp>

--- a/présentation du p3.pptx
+++ b/présentation du p3.pptx
@@ -6769,7 +6769,7 @@
           <a:p>
             <a:pPr lvl="1"/>
             <a:r>
-              <a:rPr lang="fr-FR" sz="1200" dirty="0" smtClean="0">
+              <a:rPr lang="fr-FR" sz="1200" smtClean="0">
                 <a:hlinkClick r:id="rId2"/>
               </a:rPr>
               <a:t>https</a:t>
@@ -6784,7 +6784,7 @@
               <a:rPr lang="fr-FR" sz="1200" smtClean="0">
                 <a:hlinkClick r:id="rId2"/>
               </a:rPr>
-              <a:t>xd.adobe.com/view/7e8a14be-37be-4a5c-a9c6-4c89e4239e44-2bd9/screen/d8e09926-0c19-4669-ac35-6cb3dd332c93?fullscreen&amp;hints=off</a:t>
+              <a:t>xd.adobe.com/view/d28976e4-f0d8-4cb5-b8dc-6abdf38f42c9-87da/screen/d8e09926-0c19-4669-ac35-6cb3dd332c93?fullscreen&amp;hints=off</a:t>
             </a:r>
             <a:r>
               <a:rPr lang="fr-FR" sz="1200" smtClean="0"/>

--- a/présentation du p3.pptx
+++ b/présentation du p3.pptx
@@ -746,7 +746,7 @@
             <a:fld id="{5C446A46-76D0-4804-BAC8-FA19AC431DE6}" type="datetimeFigureOut">
               <a:rPr lang="fr-FR" smtClean="0"/>
               <a:pPr/>
-              <a:t>03/04/2022</a:t>
+              <a:t>05/04/2022</a:t>
             </a:fld>
             <a:endParaRPr lang="fr-FR"/>
           </a:p>
@@ -944,7 +944,7 @@
             <a:fld id="{5C446A46-76D0-4804-BAC8-FA19AC431DE6}" type="datetimeFigureOut">
               <a:rPr lang="fr-FR" smtClean="0"/>
               <a:pPr/>
-              <a:t>03/04/2022</a:t>
+              <a:t>05/04/2022</a:t>
             </a:fld>
             <a:endParaRPr lang="fr-FR"/>
           </a:p>
@@ -1131,7 +1131,7 @@
             <a:fld id="{5C446A46-76D0-4804-BAC8-FA19AC431DE6}" type="datetimeFigureOut">
               <a:rPr lang="fr-FR" smtClean="0"/>
               <a:pPr/>
-              <a:t>03/04/2022</a:t>
+              <a:t>05/04/2022</a:t>
             </a:fld>
             <a:endParaRPr lang="fr-FR"/>
           </a:p>
@@ -1283,7 +1283,7 @@
             <a:fld id="{5C446A46-76D0-4804-BAC8-FA19AC431DE6}" type="datetimeFigureOut">
               <a:rPr lang="fr-FR" smtClean="0"/>
               <a:pPr/>
-              <a:t>03/04/2022</a:t>
+              <a:t>05/04/2022</a:t>
             </a:fld>
             <a:endParaRPr lang="fr-FR"/>
           </a:p>
@@ -1540,7 +1540,7 @@
             <a:fld id="{5C446A46-76D0-4804-BAC8-FA19AC431DE6}" type="datetimeFigureOut">
               <a:rPr lang="fr-FR" smtClean="0"/>
               <a:pPr/>
-              <a:t>03/04/2022</a:t>
+              <a:t>05/04/2022</a:t>
             </a:fld>
             <a:endParaRPr lang="fr-FR"/>
           </a:p>
@@ -1951,7 +1951,7 @@
             <a:fld id="{5C446A46-76D0-4804-BAC8-FA19AC431DE6}" type="datetimeFigureOut">
               <a:rPr lang="fr-FR" smtClean="0"/>
               <a:pPr/>
-              <a:t>03/04/2022</a:t>
+              <a:t>05/04/2022</a:t>
             </a:fld>
             <a:endParaRPr lang="fr-FR"/>
           </a:p>
@@ -2399,7 +2399,7 @@
             <a:fld id="{5C446A46-76D0-4804-BAC8-FA19AC431DE6}" type="datetimeFigureOut">
               <a:rPr lang="fr-FR" smtClean="0"/>
               <a:pPr/>
-              <a:t>03/04/2022</a:t>
+              <a:t>05/04/2022</a:t>
             </a:fld>
             <a:endParaRPr lang="fr-FR"/>
           </a:p>
@@ -2502,7 +2502,7 @@
             <a:fld id="{5C446A46-76D0-4804-BAC8-FA19AC431DE6}" type="datetimeFigureOut">
               <a:rPr lang="fr-FR" smtClean="0"/>
               <a:pPr/>
-              <a:t>03/04/2022</a:t>
+              <a:t>05/04/2022</a:t>
             </a:fld>
             <a:endParaRPr lang="fr-FR"/>
           </a:p>
@@ -2625,7 +2625,7 @@
             <a:fld id="{5C446A46-76D0-4804-BAC8-FA19AC431DE6}" type="datetimeFigureOut">
               <a:rPr lang="fr-FR" smtClean="0"/>
               <a:pPr/>
-              <a:t>03/04/2022</a:t>
+              <a:t>05/04/2022</a:t>
             </a:fld>
             <a:endParaRPr lang="fr-FR"/>
           </a:p>
@@ -2901,7 +2901,7 @@
             <a:fld id="{5C446A46-76D0-4804-BAC8-FA19AC431DE6}" type="datetimeFigureOut">
               <a:rPr lang="fr-FR" smtClean="0"/>
               <a:pPr/>
-              <a:t>03/04/2022</a:t>
+              <a:t>05/04/2022</a:t>
             </a:fld>
             <a:endParaRPr lang="fr-FR"/>
           </a:p>
@@ -3108,7 +3108,7 @@
             <a:fld id="{5C446A46-76D0-4804-BAC8-FA19AC431DE6}" type="datetimeFigureOut">
               <a:rPr lang="fr-FR" smtClean="0"/>
               <a:pPr/>
-              <a:t>03/04/2022</a:t>
+              <a:t>05/04/2022</a:t>
             </a:fld>
             <a:endParaRPr lang="fr-FR"/>
           </a:p>
@@ -4219,7 +4219,7 @@
             <a:fld id="{5C446A46-76D0-4804-BAC8-FA19AC431DE6}" type="datetimeFigureOut">
               <a:rPr lang="fr-FR" smtClean="0"/>
               <a:pPr/>
-              <a:t>03/04/2022</a:t>
+              <a:t>05/04/2022</a:t>
             </a:fld>
             <a:endParaRPr lang="fr-FR"/>
           </a:p>
@@ -6772,19 +6772,7 @@
               <a:rPr lang="fr-FR" sz="1200" smtClean="0">
                 <a:hlinkClick r:id="rId2"/>
               </a:rPr>
-              <a:t>https</a:t>
-            </a:r>
-            <a:r>
-              <a:rPr lang="fr-FR" sz="1200" smtClean="0">
-                <a:hlinkClick r:id="rId2"/>
-              </a:rPr>
-              <a:t>://</a:t>
-            </a:r>
-            <a:r>
-              <a:rPr lang="fr-FR" sz="1200" smtClean="0">
-                <a:hlinkClick r:id="rId2"/>
-              </a:rPr>
-              <a:t>xd.adobe.com/view/d28976e4-f0d8-4cb5-b8dc-6abdf38f42c9-87da/screen/d8e09926-0c19-4669-ac35-6cb3dd332c93?fullscreen&amp;hints=off</a:t>
+              <a:t>https://xd.adobe.com/view/d28976e4-f0d8-4cb5-b8dc-6abdf38f42c9-87da/screen/d8e09926-0c19-4669-ac35-6cb3dd332c93?fullscreen&amp;hints=off</a:t>
             </a:r>
             <a:r>
               <a:rPr lang="fr-FR" sz="1200" smtClean="0"/>
@@ -7905,7 +7893,7 @@
         <p:spPr/>
         <p:txBody>
           <a:bodyPr>
-            <a:normAutofit lnSpcReduction="10000"/>
+            <a:normAutofit/>
           </a:bodyPr>
           <a:lstStyle/>
           <a:p>
@@ -7965,41 +7953,17 @@
             </a:r>
             <a:r>
               <a:rPr lang="fr-FR" sz="1600" dirty="0" smtClean="0"/>
-              <a:t> son vide.</a:t>
-            </a:r>
-          </a:p>
-          <a:p>
-            <a:pPr>
-              <a:buNone/>
-            </a:pPr>
-            <a:r>
-              <a:rPr lang="fr-FR" sz="1600" dirty="0" smtClean="0"/>
-              <a:t>	J’applique a mon </a:t>
-            </a:r>
-            <a:r>
-              <a:rPr lang="fr-FR" sz="1600" dirty="0" err="1" smtClean="0"/>
-              <a:t>span</a:t>
-            </a:r>
-            <a:r>
-              <a:rPr lang="fr-FR" sz="1600" dirty="0" smtClean="0"/>
-              <a:t> une couleur blanche et je fait une animation avec une </a:t>
-            </a:r>
-            <a:r>
-              <a:rPr lang="fr-FR" sz="1600" dirty="0" err="1" smtClean="0"/>
-              <a:t>keyframe</a:t>
-            </a:r>
-            <a:r>
-              <a:rPr lang="fr-FR" sz="1600" dirty="0" smtClean="0"/>
-              <a:t> « </a:t>
-            </a:r>
-            <a:r>
-              <a:rPr lang="fr-FR" sz="1600" dirty="0" err="1" smtClean="0"/>
-              <a:t>text</a:t>
-            </a:r>
-            <a:r>
-              <a:rPr lang="fr-FR" sz="1600" dirty="0" smtClean="0"/>
-              <a:t> »qui a 50% du temps de l’animation la fait passé a noir</a:t>
-            </a:r>
+              <a:t> son </a:t>
+            </a:r>
+            <a:r>
+              <a:rPr lang="fr-FR" sz="1600" smtClean="0"/>
+              <a:t>vide</a:t>
+            </a:r>
+            <a:r>
+              <a:rPr lang="fr-FR" sz="1600" smtClean="0"/>
+              <a:t>.</a:t>
+            </a:r>
+            <a:endParaRPr lang="fr-FR" sz="1600" dirty="0" smtClean="0"/>
           </a:p>
           <a:p>
             <a:r>

--- a/présentation du p3.pptx
+++ b/présentation du p3.pptx
@@ -746,7 +746,7 @@
             <a:fld id="{5C446A46-76D0-4804-BAC8-FA19AC431DE6}" type="datetimeFigureOut">
               <a:rPr lang="fr-FR" smtClean="0"/>
               <a:pPr/>
-              <a:t>05/04/2022</a:t>
+              <a:t>08/04/2022</a:t>
             </a:fld>
             <a:endParaRPr lang="fr-FR"/>
           </a:p>
@@ -944,7 +944,7 @@
             <a:fld id="{5C446A46-76D0-4804-BAC8-FA19AC431DE6}" type="datetimeFigureOut">
               <a:rPr lang="fr-FR" smtClean="0"/>
               <a:pPr/>
-              <a:t>05/04/2022</a:t>
+              <a:t>08/04/2022</a:t>
             </a:fld>
             <a:endParaRPr lang="fr-FR"/>
           </a:p>
@@ -1131,7 +1131,7 @@
             <a:fld id="{5C446A46-76D0-4804-BAC8-FA19AC431DE6}" type="datetimeFigureOut">
               <a:rPr lang="fr-FR" smtClean="0"/>
               <a:pPr/>
-              <a:t>05/04/2022</a:t>
+              <a:t>08/04/2022</a:t>
             </a:fld>
             <a:endParaRPr lang="fr-FR"/>
           </a:p>
@@ -1283,7 +1283,7 @@
             <a:fld id="{5C446A46-76D0-4804-BAC8-FA19AC431DE6}" type="datetimeFigureOut">
               <a:rPr lang="fr-FR" smtClean="0"/>
               <a:pPr/>
-              <a:t>05/04/2022</a:t>
+              <a:t>08/04/2022</a:t>
             </a:fld>
             <a:endParaRPr lang="fr-FR"/>
           </a:p>
@@ -1540,7 +1540,7 @@
             <a:fld id="{5C446A46-76D0-4804-BAC8-FA19AC431DE6}" type="datetimeFigureOut">
               <a:rPr lang="fr-FR" smtClean="0"/>
               <a:pPr/>
-              <a:t>05/04/2022</a:t>
+              <a:t>08/04/2022</a:t>
             </a:fld>
             <a:endParaRPr lang="fr-FR"/>
           </a:p>
@@ -1951,7 +1951,7 @@
             <a:fld id="{5C446A46-76D0-4804-BAC8-FA19AC431DE6}" type="datetimeFigureOut">
               <a:rPr lang="fr-FR" smtClean="0"/>
               <a:pPr/>
-              <a:t>05/04/2022</a:t>
+              <a:t>08/04/2022</a:t>
             </a:fld>
             <a:endParaRPr lang="fr-FR"/>
           </a:p>
@@ -2399,7 +2399,7 @@
             <a:fld id="{5C446A46-76D0-4804-BAC8-FA19AC431DE6}" type="datetimeFigureOut">
               <a:rPr lang="fr-FR" smtClean="0"/>
               <a:pPr/>
-              <a:t>05/04/2022</a:t>
+              <a:t>08/04/2022</a:t>
             </a:fld>
             <a:endParaRPr lang="fr-FR"/>
           </a:p>
@@ -2502,7 +2502,7 @@
             <a:fld id="{5C446A46-76D0-4804-BAC8-FA19AC431DE6}" type="datetimeFigureOut">
               <a:rPr lang="fr-FR" smtClean="0"/>
               <a:pPr/>
-              <a:t>05/04/2022</a:t>
+              <a:t>08/04/2022</a:t>
             </a:fld>
             <a:endParaRPr lang="fr-FR"/>
           </a:p>
@@ -2625,7 +2625,7 @@
             <a:fld id="{5C446A46-76D0-4804-BAC8-FA19AC431DE6}" type="datetimeFigureOut">
               <a:rPr lang="fr-FR" smtClean="0"/>
               <a:pPr/>
-              <a:t>05/04/2022</a:t>
+              <a:t>08/04/2022</a:t>
             </a:fld>
             <a:endParaRPr lang="fr-FR"/>
           </a:p>
@@ -2901,7 +2901,7 @@
             <a:fld id="{5C446A46-76D0-4804-BAC8-FA19AC431DE6}" type="datetimeFigureOut">
               <a:rPr lang="fr-FR" smtClean="0"/>
               <a:pPr/>
-              <a:t>05/04/2022</a:t>
+              <a:t>08/04/2022</a:t>
             </a:fld>
             <a:endParaRPr lang="fr-FR"/>
           </a:p>
@@ -3108,7 +3108,7 @@
             <a:fld id="{5C446A46-76D0-4804-BAC8-FA19AC431DE6}" type="datetimeFigureOut">
               <a:rPr lang="fr-FR" smtClean="0"/>
               <a:pPr/>
-              <a:t>05/04/2022</a:t>
+              <a:t>08/04/2022</a:t>
             </a:fld>
             <a:endParaRPr lang="fr-FR"/>
           </a:p>
@@ -4219,7 +4219,7 @@
             <a:fld id="{5C446A46-76D0-4804-BAC8-FA19AC431DE6}" type="datetimeFigureOut">
               <a:rPr lang="fr-FR" smtClean="0"/>
               <a:pPr/>
-              <a:t>05/04/2022</a:t>
+              <a:t>08/04/2022</a:t>
             </a:fld>
             <a:endParaRPr lang="fr-FR"/>
           </a:p>
@@ -6769,13 +6769,13 @@
           <a:p>
             <a:pPr lvl="1"/>
             <a:r>
-              <a:rPr lang="fr-FR" sz="1200" smtClean="0">
+              <a:rPr lang="fr-FR" sz="1200" dirty="0" smtClean="0">
                 <a:hlinkClick r:id="rId2"/>
               </a:rPr>
               <a:t>https://xd.adobe.com/view/d28976e4-f0d8-4cb5-b8dc-6abdf38f42c9-87da/screen/d8e09926-0c19-4669-ac35-6cb3dd332c93?fullscreen&amp;hints=off</a:t>
             </a:r>
             <a:r>
-              <a:rPr lang="fr-FR" sz="1200" smtClean="0"/>
+              <a:rPr lang="fr-FR" sz="1200" dirty="0" smtClean="0"/>
               <a:t> .</a:t>
             </a:r>
             <a:endParaRPr lang="fr-FR" sz="1200" dirty="0"/>
@@ -6913,7 +6913,47 @@
             </a:r>
             <a:r>
               <a:rPr lang="fr-FR" sz="1600" dirty="0" smtClean="0"/>
-              <a:t> réguliers pour suivre son avancement et publier le site en ligne plus facilement.</a:t>
+              <a:t> réguliers pour suivre son avancement et publier le site en ligne plus facilement.(en se qui concerne les </a:t>
+            </a:r>
+            <a:r>
+              <a:rPr lang="fr-FR" sz="1600" dirty="0" smtClean="0"/>
+              <a:t>deniers </a:t>
+            </a:r>
+            <a:r>
+              <a:rPr lang="fr-FR" sz="1600" dirty="0" smtClean="0"/>
+              <a:t>section de </a:t>
+            </a:r>
+            <a:r>
+              <a:rPr lang="fr-FR" sz="1600" dirty="0" err="1" smtClean="0"/>
+              <a:t>commits</a:t>
+            </a:r>
+            <a:r>
+              <a:rPr lang="fr-FR" sz="1600" dirty="0" smtClean="0"/>
+              <a:t> on peut les voire plus espacer car j’</a:t>
+            </a:r>
+            <a:r>
+              <a:rPr lang="fr-FR" sz="1600" dirty="0" err="1" smtClean="0"/>
+              <a:t>etais</a:t>
+            </a:r>
+            <a:r>
+              <a:rPr lang="fr-FR" sz="1600" dirty="0" smtClean="0"/>
+              <a:t> passer sur d’autre projet et je suis revenue </a:t>
+            </a:r>
+            <a:r>
+              <a:rPr lang="fr-FR" sz="1600" dirty="0" smtClean="0"/>
+              <a:t>dessue </a:t>
+            </a:r>
+            <a:r>
+              <a:rPr lang="fr-FR" sz="1600" dirty="0" smtClean="0"/>
+              <a:t>quand j’en </a:t>
+            </a:r>
+            <a:r>
+              <a:rPr lang="fr-FR" sz="1600" dirty="0" smtClean="0"/>
+              <a:t>étais à </a:t>
+            </a:r>
+            <a:r>
+              <a:rPr lang="fr-FR" sz="1600" dirty="0" smtClean="0"/>
+              <a:t>se point avec mon mentor)</a:t>
             </a:r>
           </a:p>
           <a:p>
@@ -7953,17 +7993,8 @@
             </a:r>
             <a:r>
               <a:rPr lang="fr-FR" sz="1600" dirty="0" smtClean="0"/>
-              <a:t> son </a:t>
-            </a:r>
-            <a:r>
-              <a:rPr lang="fr-FR" sz="1600" smtClean="0"/>
-              <a:t>vide</a:t>
-            </a:r>
-            <a:r>
-              <a:rPr lang="fr-FR" sz="1600" smtClean="0"/>
-              <a:t>.</a:t>
-            </a:r>
-            <a:endParaRPr lang="fr-FR" sz="1600" dirty="0" smtClean="0"/>
+              <a:t> son vide.</a:t>
+            </a:r>
           </a:p>
           <a:p>
             <a:r>
@@ -8084,15 +8115,7 @@
           <a:p>
             <a:r>
               <a:rPr lang="fr-FR" sz="1600" dirty="0" smtClean="0"/>
-              <a:t>Je </a:t>
-            </a:r>
-            <a:r>
-              <a:rPr lang="fr-FR" sz="1600" dirty="0" err="1" smtClean="0"/>
-              <a:t>mesaussi</a:t>
-            </a:r>
-            <a:r>
-              <a:rPr lang="fr-FR" sz="1600" dirty="0" smtClean="0"/>
-              <a:t> une </a:t>
+              <a:t>Je mes aussi une </a:t>
             </a:r>
             <a:r>
               <a:rPr lang="fr-FR" sz="1600" dirty="0" err="1" smtClean="0"/>
@@ -8100,7 +8123,15 @@
             </a:r>
             <a:r>
               <a:rPr lang="fr-FR" sz="1600" dirty="0" smtClean="0"/>
-              <a:t> à sont animation à la quelle j’applique 3rotate avec des box </a:t>
+              <a:t> à sont animation à la quelle j’applique 3 </a:t>
+            </a:r>
+            <a:r>
+              <a:rPr lang="fr-FR" sz="1600" dirty="0" err="1" smtClean="0"/>
+              <a:t>rotate</a:t>
+            </a:r>
+            <a:r>
+              <a:rPr lang="fr-FR" sz="1600" dirty="0" smtClean="0"/>
+              <a:t> avec des box </a:t>
             </a:r>
             <a:r>
               <a:rPr lang="fr-FR" sz="1600" dirty="0" err="1" smtClean="0"/>
